--- a/docs/slides/PSYC753_L3_ANOVA_1.pptx
+++ b/docs/slides/PSYC753_L3_ANOVA_1.pptx
@@ -244,7 +244,7 @@
           <a:p>
             <a:fld id="{39F2F66B-899D-484E-9C99-E1DBE23F9DE9}" type="datetimeFigureOut">
               <a:rPr lang="en-GB" smtClean="0"/>
-              <a:t>26/01/2022</a:t>
+              <a:t>21/12/2022</a:t>
             </a:fld>
             <a:endParaRPr lang="en-GB"/>
           </a:p>
@@ -410,7 +410,7 @@
             <a:fld id="{2C09A945-60CF-41CC-BF14-DA645D9ABE0F}" type="datetimeFigureOut">
               <a:rPr lang="en-GB" smtClean="0"/>
               <a:pPr/>
-              <a:t>26/01/2022</a:t>
+              <a:t>21/12/2022</a:t>
             </a:fld>
             <a:endParaRPr lang="en-GB"/>
           </a:p>
@@ -474,35 +474,35 @@
           <a:p>
             <a:pPr lvl="0"/>
             <a:r>
-              <a:rPr lang="en-US" dirty="0" smtClean="0"/>
+              <a:rPr lang="en-US" dirty="0"/>
               <a:t>Click to edit Master text styles</a:t>
             </a:r>
           </a:p>
           <a:p>
             <a:pPr lvl="1"/>
             <a:r>
-              <a:rPr lang="en-US" dirty="0" smtClean="0"/>
+              <a:rPr lang="en-US" dirty="0"/>
               <a:t>Second level</a:t>
             </a:r>
           </a:p>
           <a:p>
             <a:pPr lvl="2"/>
             <a:r>
-              <a:rPr lang="en-US" dirty="0" smtClean="0"/>
+              <a:rPr lang="en-US" dirty="0"/>
               <a:t>Third level</a:t>
             </a:r>
           </a:p>
           <a:p>
             <a:pPr lvl="3"/>
             <a:r>
-              <a:rPr lang="en-US" dirty="0" smtClean="0"/>
+              <a:rPr lang="en-US" dirty="0"/>
               <a:t>Fourth level</a:t>
             </a:r>
           </a:p>
           <a:p>
             <a:pPr lvl="4"/>
             <a:r>
-              <a:rPr lang="en-US" dirty="0" smtClean="0"/>
+              <a:rPr lang="en-US" dirty="0"/>
               <a:t>Fifth level</a:t>
             </a:r>
             <a:endParaRPr lang="en-GB" dirty="0"/>
@@ -1509,10 +1509,9 @@
           <a:lstStyle/>
           <a:p>
             <a:r>
-              <a:rPr lang="en-US" smtClean="0"/>
+              <a:rPr lang="en-US"/>
               <a:t>Click to edit Master title style</a:t>
             </a:r>
-            <a:endParaRPr lang="en-US"/>
           </a:p>
         </p:txBody>
       </p:sp>
@@ -1628,10 +1627,9 @@
           </a:lstStyle>
           <a:p>
             <a:r>
-              <a:rPr lang="en-US" smtClean="0"/>
+              <a:rPr lang="en-US"/>
               <a:t>Click to edit Master subtitle style</a:t>
             </a:r>
-            <a:endParaRPr lang="en-US"/>
           </a:p>
         </p:txBody>
       </p:sp>
@@ -1652,7 +1650,7 @@
           <a:p>
             <a:fld id="{EAF04C24-707B-4065-BD2A-174913E33CAD}" type="datetime1">
               <a:rPr lang="en-US" smtClean="0"/>
-              <a:t>1/26/2022</a:t>
+              <a:t>12/21/2022</a:t>
             </a:fld>
             <a:endParaRPr lang="en-US"/>
           </a:p>
@@ -1742,10 +1740,9 @@
           <a:lstStyle/>
           <a:p>
             <a:r>
-              <a:rPr lang="en-US" smtClean="0"/>
+              <a:rPr lang="en-US"/>
               <a:t>Click to edit Master title style</a:t>
             </a:r>
-            <a:endParaRPr lang="en-US"/>
           </a:p>
         </p:txBody>
       </p:sp>
@@ -1766,38 +1763,37 @@
           <a:p>
             <a:pPr lvl="0"/>
             <a:r>
-              <a:rPr lang="en-US" smtClean="0"/>
+              <a:rPr lang="en-US"/>
               <a:t>Click to edit Master text styles</a:t>
             </a:r>
           </a:p>
           <a:p>
             <a:pPr lvl="1"/>
             <a:r>
-              <a:rPr lang="en-US" smtClean="0"/>
+              <a:rPr lang="en-US"/>
               <a:t>Second level</a:t>
             </a:r>
           </a:p>
           <a:p>
             <a:pPr lvl="2"/>
             <a:r>
-              <a:rPr lang="en-US" smtClean="0"/>
+              <a:rPr lang="en-US"/>
               <a:t>Third level</a:t>
             </a:r>
           </a:p>
           <a:p>
             <a:pPr lvl="3"/>
             <a:r>
-              <a:rPr lang="en-US" smtClean="0"/>
+              <a:rPr lang="en-US"/>
               <a:t>Fourth level</a:t>
             </a:r>
           </a:p>
           <a:p>
             <a:pPr lvl="4"/>
             <a:r>
-              <a:rPr lang="en-US" smtClean="0"/>
+              <a:rPr lang="en-US"/>
               <a:t>Fifth level</a:t>
             </a:r>
-            <a:endParaRPr lang="en-US"/>
           </a:p>
         </p:txBody>
       </p:sp>
@@ -1818,7 +1814,7 @@
           <a:p>
             <a:fld id="{FD9D9861-8C1D-4C98-92B3-BCC4B0D09560}" type="datetime1">
               <a:rPr lang="en-US" smtClean="0"/>
-              <a:t>1/26/2022</a:t>
+              <a:t>12/21/2022</a:t>
             </a:fld>
             <a:endParaRPr lang="en-US"/>
           </a:p>
@@ -1913,10 +1909,9 @@
           <a:lstStyle/>
           <a:p>
             <a:r>
-              <a:rPr lang="en-US" smtClean="0"/>
+              <a:rPr lang="en-US"/>
               <a:t>Click to edit Master title style</a:t>
             </a:r>
-            <a:endParaRPr lang="en-US"/>
           </a:p>
         </p:txBody>
       </p:sp>
@@ -1942,38 +1937,37 @@
           <a:p>
             <a:pPr lvl="0"/>
             <a:r>
-              <a:rPr lang="en-US" smtClean="0"/>
+              <a:rPr lang="en-US"/>
               <a:t>Click to edit Master text styles</a:t>
             </a:r>
           </a:p>
           <a:p>
             <a:pPr lvl="1"/>
             <a:r>
-              <a:rPr lang="en-US" smtClean="0"/>
+              <a:rPr lang="en-US"/>
               <a:t>Second level</a:t>
             </a:r>
           </a:p>
           <a:p>
             <a:pPr lvl="2"/>
             <a:r>
-              <a:rPr lang="en-US" smtClean="0"/>
+              <a:rPr lang="en-US"/>
               <a:t>Third level</a:t>
             </a:r>
           </a:p>
           <a:p>
             <a:pPr lvl="3"/>
             <a:r>
-              <a:rPr lang="en-US" smtClean="0"/>
+              <a:rPr lang="en-US"/>
               <a:t>Fourth level</a:t>
             </a:r>
           </a:p>
           <a:p>
             <a:pPr lvl="4"/>
             <a:r>
-              <a:rPr lang="en-US" smtClean="0"/>
+              <a:rPr lang="en-US"/>
               <a:t>Fifth level</a:t>
             </a:r>
-            <a:endParaRPr lang="en-US"/>
           </a:p>
         </p:txBody>
       </p:sp>
@@ -1994,7 +1988,7 @@
           <a:p>
             <a:fld id="{AB0C0274-5C94-4B76-84EC-3A88467CFC15}" type="datetime1">
               <a:rPr lang="en-US" smtClean="0"/>
-              <a:t>1/26/2022</a:t>
+              <a:t>12/21/2022</a:t>
             </a:fld>
             <a:endParaRPr lang="en-US"/>
           </a:p>
@@ -2084,10 +2078,9 @@
           <a:lstStyle/>
           <a:p>
             <a:r>
-              <a:rPr lang="en-US" smtClean="0"/>
+              <a:rPr lang="en-US"/>
               <a:t>Click to edit Master title style</a:t>
             </a:r>
-            <a:endParaRPr lang="en-US"/>
           </a:p>
         </p:txBody>
       </p:sp>
@@ -2108,38 +2101,37 @@
           <a:p>
             <a:pPr lvl="0"/>
             <a:r>
-              <a:rPr lang="en-US" smtClean="0"/>
+              <a:rPr lang="en-US"/>
               <a:t>Click to edit Master text styles</a:t>
             </a:r>
           </a:p>
           <a:p>
             <a:pPr lvl="1"/>
             <a:r>
-              <a:rPr lang="en-US" smtClean="0"/>
+              <a:rPr lang="en-US"/>
               <a:t>Second level</a:t>
             </a:r>
           </a:p>
           <a:p>
             <a:pPr lvl="2"/>
             <a:r>
-              <a:rPr lang="en-US" smtClean="0"/>
+              <a:rPr lang="en-US"/>
               <a:t>Third level</a:t>
             </a:r>
           </a:p>
           <a:p>
             <a:pPr lvl="3"/>
             <a:r>
-              <a:rPr lang="en-US" smtClean="0"/>
+              <a:rPr lang="en-US"/>
               <a:t>Fourth level</a:t>
             </a:r>
           </a:p>
           <a:p>
             <a:pPr lvl="4"/>
             <a:r>
-              <a:rPr lang="en-US" smtClean="0"/>
+              <a:rPr lang="en-US"/>
               <a:t>Fifth level</a:t>
             </a:r>
-            <a:endParaRPr lang="en-US"/>
           </a:p>
         </p:txBody>
       </p:sp>
@@ -2160,7 +2152,7 @@
           <a:p>
             <a:fld id="{14916CE5-BD76-41AC-9004-69129A8710E3}" type="datetime1">
               <a:rPr lang="en-US" smtClean="0"/>
-              <a:t>1/26/2022</a:t>
+              <a:t>12/21/2022</a:t>
             </a:fld>
             <a:endParaRPr lang="en-US"/>
           </a:p>
@@ -2259,10 +2251,9 @@
           </a:lstStyle>
           <a:p>
             <a:r>
-              <a:rPr lang="en-US" smtClean="0"/>
+              <a:rPr lang="en-US"/>
               <a:t>Click to edit Master title style</a:t>
             </a:r>
-            <a:endParaRPr lang="en-US"/>
           </a:p>
         </p:txBody>
       </p:sp>
@@ -2379,7 +2370,7 @@
           <a:p>
             <a:pPr lvl="0"/>
             <a:r>
-              <a:rPr lang="en-US" smtClean="0"/>
+              <a:rPr lang="en-US"/>
               <a:t>Click to edit Master text styles</a:t>
             </a:r>
           </a:p>
@@ -2402,7 +2393,7 @@
           <a:p>
             <a:fld id="{33B45A41-6E3C-4260-9C8A-BEADCFEA1C78}" type="datetime1">
               <a:rPr lang="en-US" smtClean="0"/>
-              <a:t>1/26/2022</a:t>
+              <a:t>12/21/2022</a:t>
             </a:fld>
             <a:endParaRPr lang="en-US"/>
           </a:p>
@@ -2492,10 +2483,9 @@
           <a:lstStyle/>
           <a:p>
             <a:r>
-              <a:rPr lang="en-US" smtClean="0"/>
+              <a:rPr lang="en-US"/>
               <a:t>Click to edit Master title style</a:t>
             </a:r>
-            <a:endParaRPr lang="en-US"/>
           </a:p>
         </p:txBody>
       </p:sp>
@@ -2549,38 +2539,37 @@
           <a:p>
             <a:pPr lvl="0"/>
             <a:r>
-              <a:rPr lang="en-US" smtClean="0"/>
+              <a:rPr lang="en-US"/>
               <a:t>Click to edit Master text styles</a:t>
             </a:r>
           </a:p>
           <a:p>
             <a:pPr lvl="1"/>
             <a:r>
-              <a:rPr lang="en-US" smtClean="0"/>
+              <a:rPr lang="en-US"/>
               <a:t>Second level</a:t>
             </a:r>
           </a:p>
           <a:p>
             <a:pPr lvl="2"/>
             <a:r>
-              <a:rPr lang="en-US" smtClean="0"/>
+              <a:rPr lang="en-US"/>
               <a:t>Third level</a:t>
             </a:r>
           </a:p>
           <a:p>
             <a:pPr lvl="3"/>
             <a:r>
-              <a:rPr lang="en-US" smtClean="0"/>
+              <a:rPr lang="en-US"/>
               <a:t>Fourth level</a:t>
             </a:r>
           </a:p>
           <a:p>
             <a:pPr lvl="4"/>
             <a:r>
-              <a:rPr lang="en-US" smtClean="0"/>
+              <a:rPr lang="en-US"/>
               <a:t>Fifth level</a:t>
             </a:r>
-            <a:endParaRPr lang="en-US"/>
           </a:p>
         </p:txBody>
       </p:sp>
@@ -2634,38 +2623,37 @@
           <a:p>
             <a:pPr lvl="0"/>
             <a:r>
-              <a:rPr lang="en-US" smtClean="0"/>
+              <a:rPr lang="en-US"/>
               <a:t>Click to edit Master text styles</a:t>
             </a:r>
           </a:p>
           <a:p>
             <a:pPr lvl="1"/>
             <a:r>
-              <a:rPr lang="en-US" smtClean="0"/>
+              <a:rPr lang="en-US"/>
               <a:t>Second level</a:t>
             </a:r>
           </a:p>
           <a:p>
             <a:pPr lvl="2"/>
             <a:r>
-              <a:rPr lang="en-US" smtClean="0"/>
+              <a:rPr lang="en-US"/>
               <a:t>Third level</a:t>
             </a:r>
           </a:p>
           <a:p>
             <a:pPr lvl="3"/>
             <a:r>
-              <a:rPr lang="en-US" smtClean="0"/>
+              <a:rPr lang="en-US"/>
               <a:t>Fourth level</a:t>
             </a:r>
           </a:p>
           <a:p>
             <a:pPr lvl="4"/>
             <a:r>
-              <a:rPr lang="en-US" smtClean="0"/>
+              <a:rPr lang="en-US"/>
               <a:t>Fifth level</a:t>
             </a:r>
-            <a:endParaRPr lang="en-US"/>
           </a:p>
         </p:txBody>
       </p:sp>
@@ -2686,7 +2674,7 @@
           <a:p>
             <a:fld id="{E9CFCFAF-687E-487C-ACB5-1179BE9033F5}" type="datetime1">
               <a:rPr lang="en-US" smtClean="0"/>
-              <a:t>1/26/2022</a:t>
+              <a:t>12/21/2022</a:t>
             </a:fld>
             <a:endParaRPr lang="en-US"/>
           </a:p>
@@ -2780,10 +2768,9 @@
           </a:lstStyle>
           <a:p>
             <a:r>
-              <a:rPr lang="en-US" smtClean="0"/>
+              <a:rPr lang="en-US"/>
               <a:t>Click to edit Master title style</a:t>
             </a:r>
-            <a:endParaRPr lang="en-US"/>
           </a:p>
         </p:txBody>
       </p:sp>
@@ -2846,7 +2833,7 @@
           <a:p>
             <a:pPr lvl="0"/>
             <a:r>
-              <a:rPr lang="en-US" smtClean="0"/>
+              <a:rPr lang="en-US"/>
               <a:t>Click to edit Master text styles</a:t>
             </a:r>
           </a:p>
@@ -2902,38 +2889,37 @@
           <a:p>
             <a:pPr lvl="0"/>
             <a:r>
-              <a:rPr lang="en-US" smtClean="0"/>
+              <a:rPr lang="en-US"/>
               <a:t>Click to edit Master text styles</a:t>
             </a:r>
           </a:p>
           <a:p>
             <a:pPr lvl="1"/>
             <a:r>
-              <a:rPr lang="en-US" smtClean="0"/>
+              <a:rPr lang="en-US"/>
               <a:t>Second level</a:t>
             </a:r>
           </a:p>
           <a:p>
             <a:pPr lvl="2"/>
             <a:r>
-              <a:rPr lang="en-US" smtClean="0"/>
+              <a:rPr lang="en-US"/>
               <a:t>Third level</a:t>
             </a:r>
           </a:p>
           <a:p>
             <a:pPr lvl="3"/>
             <a:r>
-              <a:rPr lang="en-US" smtClean="0"/>
+              <a:rPr lang="en-US"/>
               <a:t>Fourth level</a:t>
             </a:r>
           </a:p>
           <a:p>
             <a:pPr lvl="4"/>
             <a:r>
-              <a:rPr lang="en-US" smtClean="0"/>
+              <a:rPr lang="en-US"/>
               <a:t>Fifth level</a:t>
             </a:r>
-            <a:endParaRPr lang="en-US"/>
           </a:p>
         </p:txBody>
       </p:sp>
@@ -2996,7 +2982,7 @@
           <a:p>
             <a:pPr lvl="0"/>
             <a:r>
-              <a:rPr lang="en-US" smtClean="0"/>
+              <a:rPr lang="en-US"/>
               <a:t>Click to edit Master text styles</a:t>
             </a:r>
           </a:p>
@@ -3052,38 +3038,37 @@
           <a:p>
             <a:pPr lvl="0"/>
             <a:r>
-              <a:rPr lang="en-US" smtClean="0"/>
+              <a:rPr lang="en-US"/>
               <a:t>Click to edit Master text styles</a:t>
             </a:r>
           </a:p>
           <a:p>
             <a:pPr lvl="1"/>
             <a:r>
-              <a:rPr lang="en-US" smtClean="0"/>
+              <a:rPr lang="en-US"/>
               <a:t>Second level</a:t>
             </a:r>
           </a:p>
           <a:p>
             <a:pPr lvl="2"/>
             <a:r>
-              <a:rPr lang="en-US" smtClean="0"/>
+              <a:rPr lang="en-US"/>
               <a:t>Third level</a:t>
             </a:r>
           </a:p>
           <a:p>
             <a:pPr lvl="3"/>
             <a:r>
-              <a:rPr lang="en-US" smtClean="0"/>
+              <a:rPr lang="en-US"/>
               <a:t>Fourth level</a:t>
             </a:r>
           </a:p>
           <a:p>
             <a:pPr lvl="4"/>
             <a:r>
-              <a:rPr lang="en-US" smtClean="0"/>
+              <a:rPr lang="en-US"/>
               <a:t>Fifth level</a:t>
             </a:r>
-            <a:endParaRPr lang="en-US"/>
           </a:p>
         </p:txBody>
       </p:sp>
@@ -3104,7 +3089,7 @@
           <a:p>
             <a:fld id="{DAF04FE4-8347-4CCD-A017-CDAFD39754C9}" type="datetime1">
               <a:rPr lang="en-US" smtClean="0"/>
-              <a:t>1/26/2022</a:t>
+              <a:t>12/21/2022</a:t>
             </a:fld>
             <a:endParaRPr lang="en-US"/>
           </a:p>
@@ -3194,10 +3179,9 @@
           <a:lstStyle/>
           <a:p>
             <a:r>
-              <a:rPr lang="en-US" smtClean="0"/>
+              <a:rPr lang="en-US"/>
               <a:t>Click to edit Master title style</a:t>
             </a:r>
-            <a:endParaRPr lang="en-US"/>
           </a:p>
         </p:txBody>
       </p:sp>
@@ -3218,7 +3202,7 @@
           <a:p>
             <a:fld id="{D1C64846-2780-4A47-8ECD-759CB4E9B7AA}" type="datetime1">
               <a:rPr lang="en-US" smtClean="0"/>
-              <a:t>1/26/2022</a:t>
+              <a:t>12/21/2022</a:t>
             </a:fld>
             <a:endParaRPr lang="en-US"/>
           </a:p>
@@ -3309,7 +3293,7 @@
           <a:p>
             <a:fld id="{2E685AD9-6FC3-4F6B-B3FB-7ACE342435AF}" type="datetime1">
               <a:rPr lang="en-US" smtClean="0"/>
-              <a:t>1/26/2022</a:t>
+              <a:t>12/21/2022</a:t>
             </a:fld>
             <a:endParaRPr lang="en-US"/>
           </a:p>
@@ -3408,10 +3392,9 @@
           </a:lstStyle>
           <a:p>
             <a:r>
-              <a:rPr lang="en-US" smtClean="0"/>
+              <a:rPr lang="en-US"/>
               <a:t>Click to edit Master title style</a:t>
             </a:r>
-            <a:endParaRPr lang="en-US"/>
           </a:p>
         </p:txBody>
       </p:sp>
@@ -3465,38 +3448,37 @@
           <a:p>
             <a:pPr lvl="0"/>
             <a:r>
-              <a:rPr lang="en-US" smtClean="0"/>
+              <a:rPr lang="en-US"/>
               <a:t>Click to edit Master text styles</a:t>
             </a:r>
           </a:p>
           <a:p>
             <a:pPr lvl="1"/>
             <a:r>
-              <a:rPr lang="en-US" smtClean="0"/>
+              <a:rPr lang="en-US"/>
               <a:t>Second level</a:t>
             </a:r>
           </a:p>
           <a:p>
             <a:pPr lvl="2"/>
             <a:r>
-              <a:rPr lang="en-US" smtClean="0"/>
+              <a:rPr lang="en-US"/>
               <a:t>Third level</a:t>
             </a:r>
           </a:p>
           <a:p>
             <a:pPr lvl="3"/>
             <a:r>
-              <a:rPr lang="en-US" smtClean="0"/>
+              <a:rPr lang="en-US"/>
               <a:t>Fourth level</a:t>
             </a:r>
           </a:p>
           <a:p>
             <a:pPr lvl="4"/>
             <a:r>
-              <a:rPr lang="en-US" smtClean="0"/>
+              <a:rPr lang="en-US"/>
               <a:t>Fifth level</a:t>
             </a:r>
-            <a:endParaRPr lang="en-US"/>
           </a:p>
         </p:txBody>
       </p:sp>
@@ -3559,7 +3541,7 @@
           <a:p>
             <a:pPr lvl="0"/>
             <a:r>
-              <a:rPr lang="en-US" smtClean="0"/>
+              <a:rPr lang="en-US"/>
               <a:t>Click to edit Master text styles</a:t>
             </a:r>
           </a:p>
@@ -3582,7 +3564,7 @@
           <a:p>
             <a:fld id="{AF5C5D38-31D8-437D-88E3-6DEA8F6BCB57}" type="datetime1">
               <a:rPr lang="en-US" smtClean="0"/>
-              <a:t>1/26/2022</a:t>
+              <a:t>12/21/2022</a:t>
             </a:fld>
             <a:endParaRPr lang="en-US"/>
           </a:p>
@@ -3681,10 +3663,9 @@
           </a:lstStyle>
           <a:p>
             <a:r>
-              <a:rPr lang="en-US" smtClean="0"/>
+              <a:rPr lang="en-US"/>
               <a:t>Click to edit Master title style</a:t>
             </a:r>
-            <a:endParaRPr lang="en-US"/>
           </a:p>
         </p:txBody>
       </p:sp>
@@ -3808,7 +3789,7 @@
           <a:p>
             <a:pPr lvl="0"/>
             <a:r>
-              <a:rPr lang="en-US" smtClean="0"/>
+              <a:rPr lang="en-US"/>
               <a:t>Click to edit Master text styles</a:t>
             </a:r>
           </a:p>
@@ -3831,7 +3812,7 @@
           <a:p>
             <a:fld id="{1F837F4D-7011-48DC-831B-EC5FC5249B8E}" type="datetime1">
               <a:rPr lang="en-US" smtClean="0"/>
-              <a:t>1/26/2022</a:t>
+              <a:t>12/21/2022</a:t>
             </a:fld>
             <a:endParaRPr lang="en-US"/>
           </a:p>
@@ -3941,10 +3922,9 @@
           <a:lstStyle/>
           <a:p>
             <a:r>
-              <a:rPr lang="en-US" dirty="0" smtClean="0"/>
+              <a:rPr lang="en-US" dirty="0"/>
               <a:t>Click to edit Master title style</a:t>
             </a:r>
-            <a:endParaRPr lang="en-US" dirty="0"/>
           </a:p>
         </p:txBody>
       </p:sp>
@@ -3975,38 +3955,37 @@
           <a:p>
             <a:pPr lvl="0"/>
             <a:r>
-              <a:rPr lang="en-US" dirty="0" smtClean="0"/>
+              <a:rPr lang="en-US" dirty="0"/>
               <a:t>Click to edit Master text styles</a:t>
             </a:r>
           </a:p>
           <a:p>
             <a:pPr lvl="1"/>
             <a:r>
-              <a:rPr lang="en-US" dirty="0" smtClean="0"/>
+              <a:rPr lang="en-US" dirty="0"/>
               <a:t>Second level</a:t>
             </a:r>
           </a:p>
           <a:p>
             <a:pPr lvl="2"/>
             <a:r>
-              <a:rPr lang="en-US" dirty="0" smtClean="0"/>
+              <a:rPr lang="en-US" dirty="0"/>
               <a:t>Third level</a:t>
             </a:r>
           </a:p>
           <a:p>
             <a:pPr lvl="3"/>
             <a:r>
-              <a:rPr lang="en-US" dirty="0" smtClean="0"/>
+              <a:rPr lang="en-US" dirty="0"/>
               <a:t>Fourth level</a:t>
             </a:r>
           </a:p>
           <a:p>
             <a:pPr lvl="4"/>
             <a:r>
-              <a:rPr lang="en-US" dirty="0" smtClean="0"/>
+              <a:rPr lang="en-US" dirty="0"/>
               <a:t>Fifth level</a:t>
             </a:r>
-            <a:endParaRPr lang="en-US" dirty="0"/>
           </a:p>
         </p:txBody>
       </p:sp>
@@ -4045,7 +4024,7 @@
           <a:p>
             <a:fld id="{24F82163-AB2B-4C5F-B49C-399ECE4A4D9E}" type="datetime1">
               <a:rPr lang="en-US" smtClean="0"/>
-              <a:t>1/26/2022</a:t>
+              <a:t>12/21/2022</a:t>
             </a:fld>
             <a:endParaRPr lang="en-US"/>
           </a:p>
@@ -4439,7 +4418,7 @@
           <a:lstStyle/>
           <a:p>
             <a:r>
-              <a:rPr lang="en-GB" sz="3200" b="1" dirty="0" smtClean="0">
+              <a:rPr lang="en-GB" sz="3200" b="1" dirty="0">
                 <a:solidFill>
                   <a:srgbClr val="000066"/>
                 </a:solidFill>
@@ -4447,12 +4426,6 @@
               </a:rPr>
               <a:t>PSYC753</a:t>
             </a:r>
-            <a:endParaRPr lang="en-GB" sz="3200" b="1" dirty="0">
-              <a:solidFill>
-                <a:srgbClr val="000066"/>
-              </a:solidFill>
-              <a:latin typeface="Calibri" pitchFamily="34" charset="0"/>
-            </a:endParaRPr>
           </a:p>
           <a:p>
             <a:endParaRPr lang="en-GB" sz="2800" b="1" dirty="0">
@@ -4464,7 +4437,7 @@
           </a:p>
           <a:p>
             <a:r>
-              <a:rPr lang="en-GB" sz="2800" b="1" dirty="0" smtClean="0">
+              <a:rPr lang="en-GB" sz="2800" b="1" dirty="0">
                 <a:solidFill>
                   <a:srgbClr val="000066"/>
                 </a:solidFill>
@@ -4474,7 +4447,7 @@
             </a:r>
           </a:p>
           <a:p>
-            <a:endParaRPr lang="en-GB" sz="2800" dirty="0" smtClean="0">
+            <a:endParaRPr lang="en-GB" sz="2800" dirty="0">
               <a:solidFill>
                 <a:srgbClr val="000066"/>
               </a:solidFill>
@@ -4482,17 +4455,8 @@
             </a:endParaRPr>
           </a:p>
           <a:p>
-            <a:r>
-              <a:rPr lang="en-GB" sz="2800" dirty="0" smtClean="0">
-                <a:solidFill>
-                  <a:srgbClr val="000066"/>
-                </a:solidFill>
-                <a:latin typeface="Calibri" pitchFamily="34" charset="0"/>
-              </a:rPr>
-              <a:t/>
-            </a:r>
             <a:br>
-              <a:rPr lang="en-GB" sz="2800" dirty="0" smtClean="0">
+              <a:rPr lang="en-GB" sz="2800" dirty="0">
                 <a:solidFill>
                   <a:srgbClr val="000066"/>
                 </a:solidFill>
@@ -4500,7 +4464,7 @@
               </a:rPr>
             </a:br>
             <a:r>
-              <a:rPr lang="en-GB" sz="2800" b="1" dirty="0" smtClean="0">
+              <a:rPr lang="en-GB" sz="2800" b="1" dirty="0">
                 <a:solidFill>
                   <a:srgbClr val="000066"/>
                 </a:solidFill>
@@ -4508,17 +4472,8 @@
               </a:rPr>
               <a:t>Dr Chris Berry</a:t>
             </a:r>
-            <a:r>
-              <a:rPr lang="en-GB" sz="2800" dirty="0" smtClean="0">
-                <a:solidFill>
-                  <a:srgbClr val="000066"/>
-                </a:solidFill>
-                <a:latin typeface="Calibri" pitchFamily="34" charset="0"/>
-              </a:rPr>
-              <a:t/>
-            </a:r>
             <a:br>
-              <a:rPr lang="en-GB" sz="2800" dirty="0" smtClean="0">
+              <a:rPr lang="en-GB" sz="2800" dirty="0">
                 <a:solidFill>
                   <a:srgbClr val="000066"/>
                 </a:solidFill>
@@ -4526,7 +4481,7 @@
               </a:rPr>
             </a:br>
             <a:r>
-              <a:rPr lang="en-GB" dirty="0" smtClean="0">
+              <a:rPr lang="en-GB" dirty="0">
                 <a:solidFill>
                   <a:srgbClr val="990033"/>
                 </a:solidFill>
@@ -4535,7 +4490,7 @@
               <a:t>School of Psychology </a:t>
             </a:r>
             <a:br>
-              <a:rPr lang="en-GB" dirty="0" smtClean="0">
+              <a:rPr lang="en-GB" dirty="0">
                 <a:solidFill>
                   <a:srgbClr val="990033"/>
                 </a:solidFill>
@@ -4543,7 +4498,7 @@
               </a:rPr>
             </a:br>
             <a:r>
-              <a:rPr lang="en-GB" dirty="0" smtClean="0">
+              <a:rPr lang="en-GB" dirty="0">
                 <a:solidFill>
                   <a:srgbClr val="990033"/>
                 </a:solidFill>
@@ -4552,7 +4507,7 @@
               <a:t>Plymouth University</a:t>
             </a:r>
             <a:br>
-              <a:rPr lang="en-GB" dirty="0" smtClean="0">
+              <a:rPr lang="en-GB" dirty="0">
                 <a:solidFill>
                   <a:srgbClr val="990033"/>
                 </a:solidFill>
@@ -4560,7 +4515,7 @@
               </a:rPr>
             </a:br>
             <a:r>
-              <a:rPr lang="en-GB" dirty="0" smtClean="0">
+              <a:rPr lang="en-GB" dirty="0">
                 <a:solidFill>
                   <a:srgbClr val="990033"/>
                 </a:solidFill>
@@ -4569,7 +4524,7 @@
               <a:t>PSQ B212 </a:t>
             </a:r>
             <a:r>
-              <a:rPr lang="en-GB" dirty="0" smtClean="0">
+              <a:rPr lang="en-GB" dirty="0">
                 <a:solidFill>
                   <a:srgbClr val="990033"/>
                 </a:solidFill>
@@ -4578,7 +4533,7 @@
               </a:rPr>
               <a:t>christopher.berry@plymouth.ac.uk</a:t>
             </a:r>
-            <a:endParaRPr lang="en-GB" dirty="0" smtClean="0">
+            <a:endParaRPr lang="en-GB" dirty="0">
               <a:solidFill>
                 <a:srgbClr val="990033"/>
               </a:solidFill>
@@ -4629,13 +4584,6 @@
   <p:clrMapOvr>
     <a:masterClrMapping/>
   </p:clrMapOvr>
-  <p:timing>
-    <p:tnLst>
-      <p:par>
-        <p:cTn id="1" dur="indefinite" restart="never" nodeType="tmRoot"/>
-      </p:par>
-    </p:tnLst>
-  </p:timing>
 </p:sld>
 </file>
 
@@ -4672,7 +4620,7 @@
           <a:lstStyle/>
           <a:p>
             <a:r>
-              <a:rPr lang="en-GB" dirty="0" smtClean="0"/>
+              <a:rPr lang="en-GB" dirty="0"/>
               <a:t>Follow-up tests</a:t>
             </a:r>
             <a:endParaRPr lang="en-GB" dirty="0">
@@ -4771,10 +4719,9 @@
           <a:lstStyle/>
           <a:p>
             <a:r>
-              <a:rPr lang="en-GB" dirty="0" smtClean="0"/>
+              <a:rPr lang="en-GB" dirty="0"/>
               <a:t>Mean change in mood score</a:t>
             </a:r>
-            <a:endParaRPr lang="en-GB" dirty="0"/>
           </a:p>
         </p:txBody>
       </p:sp>
@@ -4801,41 +4748,41 @@
           <a:lstStyle/>
           <a:p>
             <a:r>
-              <a:rPr lang="en-GB" sz="2000" dirty="0" smtClean="0"/>
+              <a:rPr lang="en-GB" sz="2000" dirty="0"/>
               <a:t>Pairwise comparisons:</a:t>
             </a:r>
           </a:p>
           <a:p>
             <a:r>
-              <a:rPr lang="en-GB" sz="2000" dirty="0" smtClean="0"/>
+              <a:rPr lang="en-GB" sz="2000" dirty="0"/>
               <a:t>Is the mean of High different from Low?</a:t>
             </a:r>
           </a:p>
           <a:p>
             <a:r>
-              <a:rPr lang="en-GB" sz="2000" dirty="0" smtClean="0"/>
+              <a:rPr lang="en-GB" sz="2000" dirty="0"/>
               <a:t>Is the mean of High different from </a:t>
             </a:r>
             <a:r>
-              <a:rPr lang="en-GB" sz="2000" dirty="0" err="1" smtClean="0"/>
+              <a:rPr lang="en-GB" sz="2000" dirty="0" err="1"/>
               <a:t>VeryLow</a:t>
             </a:r>
             <a:r>
-              <a:rPr lang="en-GB" sz="2000" dirty="0" smtClean="0"/>
+              <a:rPr lang="en-GB" sz="2000" dirty="0"/>
               <a:t>?</a:t>
             </a:r>
           </a:p>
           <a:p>
             <a:r>
-              <a:rPr lang="en-GB" sz="2000" dirty="0" smtClean="0"/>
+              <a:rPr lang="en-GB" sz="2000" dirty="0"/>
               <a:t>Is the mean of Low different from </a:t>
             </a:r>
             <a:r>
-              <a:rPr lang="en-GB" sz="2000" dirty="0" err="1" smtClean="0"/>
+              <a:rPr lang="en-GB" sz="2000" dirty="0" err="1"/>
               <a:t>VeryLow</a:t>
             </a:r>
             <a:r>
-              <a:rPr lang="en-GB" sz="2000" dirty="0" smtClean="0"/>
+              <a:rPr lang="en-GB" sz="2000" dirty="0"/>
               <a:t>?</a:t>
             </a:r>
           </a:p>
@@ -4869,50 +4816,47 @@
           <a:lstStyle/>
           <a:p>
             <a:r>
-              <a:rPr lang="en-GB" dirty="0" smtClean="0">
+              <a:rPr lang="en-GB" dirty="0">
                 <a:latin typeface="+mj-lt"/>
               </a:rPr>
               <a:t>Subset the data for the groups we want, then use </a:t>
             </a:r>
             <a:r>
-              <a:rPr lang="en-GB" dirty="0" err="1" smtClean="0">
+              <a:rPr lang="en-GB" dirty="0" err="1">
                 <a:latin typeface="Lucida Console" panose="020B0609040504020204" pitchFamily="49" charset="0"/>
               </a:rPr>
               <a:t>anovaBF</a:t>
             </a:r>
             <a:r>
-              <a:rPr lang="en-GB" dirty="0" smtClean="0">
+              <a:rPr lang="en-GB" dirty="0">
                 <a:latin typeface="Lucida Console" panose="020B0609040504020204" pitchFamily="49" charset="0"/>
               </a:rPr>
               <a:t>()</a:t>
             </a:r>
             <a:r>
-              <a:rPr lang="en-GB" sz="900" dirty="0" smtClean="0">
+              <a:rPr lang="en-GB" sz="900" dirty="0">
                 <a:latin typeface="Lucida Console" panose="020B0609040504020204" pitchFamily="49" charset="0"/>
               </a:rPr>
               <a:t> </a:t>
             </a:r>
             <a:r>
-              <a:rPr lang="en-GB" dirty="0" smtClean="0">
+              <a:rPr lang="en-GB" dirty="0">
                 <a:latin typeface="+mj-lt"/>
               </a:rPr>
               <a:t>again but with the </a:t>
             </a:r>
             <a:r>
-              <a:rPr lang="en-GB" dirty="0" err="1" smtClean="0">
+              <a:rPr lang="en-GB" dirty="0" err="1">
                 <a:latin typeface="+mj-lt"/>
               </a:rPr>
               <a:t>subsetted</a:t>
             </a:r>
             <a:r>
-              <a:rPr lang="en-GB" dirty="0" smtClean="0">
+              <a:rPr lang="en-GB" dirty="0">
                 <a:latin typeface="+mj-lt"/>
               </a:rPr>
               <a:t> data</a:t>
             </a:r>
-            <a:endParaRPr lang="en-GB" dirty="0">
-              <a:latin typeface="+mj-lt"/>
-            </a:endParaRPr>
           </a:p>
         </p:txBody>
       </p:sp>
@@ -4939,18 +4883,13 @@
           <a:lstStyle/>
           <a:p>
             <a:r>
-              <a:rPr lang="en-GB" sz="2400" b="1" dirty="0" smtClean="0">
+              <a:rPr lang="en-GB" sz="2400" b="1" dirty="0">
                 <a:solidFill>
                   <a:schemeClr val="tx2"/>
                 </a:solidFill>
               </a:rPr>
               <a:t>If BF &gt; 3</a:t>
             </a:r>
-            <a:endParaRPr lang="en-GB" sz="2400" b="1" dirty="0">
-              <a:solidFill>
-                <a:schemeClr val="tx2"/>
-              </a:solidFill>
-            </a:endParaRPr>
           </a:p>
         </p:txBody>
       </p:sp>
@@ -5129,10 +5068,9 @@
           <a:lstStyle/>
           <a:p>
             <a:r>
-              <a:rPr lang="en-GB" dirty="0" smtClean="0"/>
+              <a:rPr lang="en-GB" dirty="0"/>
               <a:t>Two-way between subjects ANOVA</a:t>
             </a:r>
-            <a:endParaRPr lang="en-GB" dirty="0"/>
           </a:p>
         </p:txBody>
       </p:sp>
@@ -5170,13 +5108,6 @@
   <p:clrMapOvr>
     <a:masterClrMapping/>
   </p:clrMapOvr>
-  <p:timing>
-    <p:tnLst>
-      <p:par>
-        <p:cTn id="1" dur="indefinite" restart="never" nodeType="tmRoot"/>
-      </p:par>
-    </p:tnLst>
-  </p:timing>
 </p:sld>
 </file>
 
@@ -5223,7 +5154,7 @@
               <a:buNone/>
             </a:pPr>
             <a:r>
-              <a:rPr lang="en-GB" b="1" dirty="0" err="1" smtClean="0">
+              <a:rPr lang="en-GB" b="1" dirty="0" err="1">
                 <a:solidFill>
                   <a:schemeClr val="tx2"/>
                 </a:solidFill>
@@ -5231,28 +5162,12 @@
               <a:t>Beutel</a:t>
             </a:r>
             <a:r>
-              <a:rPr lang="en-GB" b="1" dirty="0" smtClean="0">
-                <a:solidFill>
-                  <a:schemeClr val="tx2"/>
-                </a:solidFill>
-              </a:rPr>
-              <a:t> </a:t>
-            </a:r>
-            <a:r>
               <a:rPr lang="en-GB" b="1" dirty="0">
                 <a:solidFill>
                   <a:schemeClr val="tx2"/>
                 </a:solidFill>
               </a:rPr>
-              <a:t>et al. </a:t>
-            </a:r>
-            <a:r>
-              <a:rPr lang="en-GB" b="1" dirty="0" smtClean="0">
-                <a:solidFill>
-                  <a:schemeClr val="tx2"/>
-                </a:solidFill>
-              </a:rPr>
-              <a:t>(2017) </a:t>
+              <a:t> et al. (2017) </a:t>
             </a:r>
           </a:p>
           <a:p>
@@ -5260,12 +5175,8 @@
               <a:buNone/>
             </a:pPr>
             <a:r>
-              <a:rPr lang="en-GB" dirty="0" smtClean="0"/>
-              <a:t>Used two-way between subjects ANOVA to analyse </a:t>
-            </a:r>
-            <a:r>
               <a:rPr lang="en-GB" dirty="0"/>
-              <a:t>the </a:t>
+              <a:t>Used two-way between subjects ANOVA to analyse the </a:t>
             </a:r>
             <a:r>
               <a:rPr lang="en-GB" dirty="0">
@@ -5332,10 +5243,9 @@
               <a:t>childhood adversity</a:t>
             </a:r>
             <a:r>
-              <a:rPr lang="en-GB" dirty="0" smtClean="0"/>
+              <a:rPr lang="en-GB" dirty="0"/>
               <a:t>.</a:t>
             </a:r>
-            <a:endParaRPr lang="en-GB" dirty="0"/>
           </a:p>
         </p:txBody>
       </p:sp>
@@ -5425,10 +5335,9 @@
           <a:lstStyle/>
           <a:p>
             <a:r>
-              <a:rPr lang="en-GB" dirty="0" smtClean="0"/>
+              <a:rPr lang="en-GB" dirty="0"/>
               <a:t>2 x 2 between-subjects design</a:t>
             </a:r>
-            <a:endParaRPr lang="en-GB" dirty="0"/>
           </a:p>
         </p:txBody>
       </p:sp>
@@ -5442,13 +5351,6 @@
   <p:clrMapOvr>
     <a:masterClrMapping/>
   </p:clrMapOvr>
-  <p:timing>
-    <p:tnLst>
-      <p:par>
-        <p:cTn id="1" dur="indefinite" restart="never" nodeType="tmRoot"/>
-      </p:par>
-    </p:tnLst>
-  </p:timing>
 </p:sld>
 </file>
 
@@ -5490,10 +5392,9 @@
           <a:lstStyle/>
           <a:p>
             <a:r>
-              <a:rPr lang="en-GB" dirty="0" smtClean="0"/>
+              <a:rPr lang="en-GB" dirty="0"/>
               <a:t>Two-way between subjects ANOVA</a:t>
             </a:r>
-            <a:endParaRPr lang="en-GB" dirty="0"/>
           </a:p>
         </p:txBody>
       </p:sp>
@@ -5520,41 +5421,24 @@
           <a:lstStyle/>
           <a:p>
             <a:r>
-              <a:rPr lang="en-GB" b="1" dirty="0" smtClean="0">
-                <a:solidFill>
-                  <a:schemeClr val="tx2"/>
-                </a:solidFill>
-              </a:rPr>
-              <a:t>Two </a:t>
-            </a:r>
-            <a:r>
               <a:rPr lang="en-GB" b="1" dirty="0">
                 <a:solidFill>
                   <a:schemeClr val="tx2"/>
                 </a:solidFill>
               </a:rPr>
-              <a:t>independent </a:t>
-            </a:r>
-            <a:r>
-              <a:rPr lang="en-GB" b="1" dirty="0" smtClean="0">
-                <a:solidFill>
-                  <a:schemeClr val="tx2"/>
-                </a:solidFill>
-              </a:rPr>
-              <a:t>variables</a:t>
-            </a:r>
-            <a:r>
-              <a:rPr lang="en-GB" dirty="0" smtClean="0"/>
+              <a:t>Two independent variables</a:t>
+            </a:r>
+            <a:r>
+              <a:rPr lang="en-GB" dirty="0"/>
               <a:t>: </a:t>
             </a:r>
             <a:br>
-              <a:rPr lang="en-GB" dirty="0" smtClean="0"/>
+              <a:rPr lang="en-GB" dirty="0"/>
             </a:br>
             <a:r>
-              <a:rPr lang="en-GB" dirty="0" smtClean="0"/>
+              <a:rPr lang="en-GB" dirty="0"/>
               <a:t>both categorical</a:t>
             </a:r>
-            <a:endParaRPr lang="en-GB" dirty="0"/>
           </a:p>
           <a:p>
             <a:pPr lvl="1"/>
@@ -5568,25 +5452,17 @@
                   <a:schemeClr val="tx2"/>
                 </a:solidFill>
               </a:rPr>
-              <a:t>R</a:t>
-            </a:r>
-            <a:r>
-              <a:rPr lang="en-GB" dirty="0" smtClean="0">
-                <a:solidFill>
-                  <a:schemeClr val="tx2"/>
-                </a:solidFill>
-              </a:rPr>
-              <a:t>esilience (high / low)</a:t>
+              <a:t>Resilience (high / low)</a:t>
             </a:r>
             <a:br>
-              <a:rPr lang="en-GB" dirty="0" smtClean="0">
+              <a:rPr lang="en-GB" dirty="0">
                 <a:solidFill>
                   <a:schemeClr val="tx2"/>
                 </a:solidFill>
               </a:rPr>
             </a:br>
             <a:r>
-              <a:rPr lang="en-GB" dirty="0" smtClean="0">
+              <a:rPr lang="en-GB" dirty="0">
                 <a:solidFill>
                   <a:schemeClr val="tx2"/>
                 </a:solidFill>
@@ -5597,20 +5473,12 @@
           </a:p>
           <a:p>
             <a:r>
-              <a:rPr lang="en-GB" b="1" dirty="0" smtClean="0">
-                <a:solidFill>
-                  <a:schemeClr val="tx2"/>
-                </a:solidFill>
-              </a:rPr>
-              <a:t>One </a:t>
-            </a:r>
-            <a:r>
               <a:rPr lang="en-GB" b="1" dirty="0">
                 <a:solidFill>
                   <a:schemeClr val="tx2"/>
                 </a:solidFill>
               </a:rPr>
-              <a:t>dependent variable</a:t>
+              <a:t>One dependent variable</a:t>
             </a:r>
             <a:r>
               <a:rPr lang="en-GB" dirty="0"/>
@@ -5621,14 +5489,10 @@
             <a:pPr lvl="1"/>
             <a:r>
               <a:rPr lang="en-GB" dirty="0"/>
-              <a:t>e.g., </a:t>
-            </a:r>
-            <a:r>
-              <a:rPr lang="en-GB" dirty="0" smtClean="0"/>
-              <a:t>D</a:t>
-            </a:r>
-            <a:r>
-              <a:rPr lang="en-GB" dirty="0" smtClean="0">
+              <a:t>e.g., D</a:t>
+            </a:r>
+            <a:r>
+              <a:rPr lang="en-GB" dirty="0">
                 <a:solidFill>
                   <a:schemeClr val="tx2"/>
                 </a:solidFill>
@@ -5653,16 +5517,8 @@
               <a:rPr lang="en-GB" dirty="0"/>
             </a:br>
             <a:r>
-              <a:rPr lang="en-GB" dirty="0" smtClean="0"/>
-              <a:t>	Each </a:t>
-            </a:r>
-            <a:r>
               <a:rPr lang="en-GB" dirty="0"/>
-              <a:t>participant contributes </a:t>
-            </a:r>
-            <a:r>
-              <a:rPr lang="en-GB" dirty="0" smtClean="0"/>
-              <a:t>	exactly </a:t>
+              <a:t>	Each participant contributes 	exactly </a:t>
             </a:r>
             <a:r>
               <a:rPr lang="en-GB" dirty="0">
@@ -5691,7 +5547,7 @@
             <a:endParaRPr lang="en-GB" dirty="0"/>
           </a:p>
           <a:p>
-            <a:endParaRPr lang="en-GB" dirty="0" smtClean="0"/>
+            <a:endParaRPr lang="en-GB" dirty="0"/>
           </a:p>
           <a:p>
             <a:endParaRPr lang="en-GB" dirty="0"/>
@@ -5789,18 +5645,13 @@
                     <a:lstStyle/>
                     <a:p>
                       <a:r>
-                        <a:rPr lang="en-GB" b="1" dirty="0" smtClean="0">
+                        <a:rPr lang="en-GB" b="1" dirty="0">
                           <a:solidFill>
                             <a:schemeClr val="tx2"/>
                           </a:solidFill>
                         </a:rPr>
                         <a:t>High</a:t>
                       </a:r>
-                      <a:endParaRPr lang="en-GB" b="1" dirty="0">
-                        <a:solidFill>
-                          <a:schemeClr val="tx2"/>
-                        </a:solidFill>
-                      </a:endParaRPr>
                     </a:p>
                   </a:txBody>
                   <a:tcPr/>
@@ -5811,18 +5662,13 @@
                     <a:lstStyle/>
                     <a:p>
                       <a:r>
-                        <a:rPr lang="en-GB" b="1" dirty="0" smtClean="0">
+                        <a:rPr lang="en-GB" b="1" dirty="0">
                           <a:solidFill>
                             <a:schemeClr val="tx2"/>
                           </a:solidFill>
                         </a:rPr>
                         <a:t>Low</a:t>
                       </a:r>
-                      <a:endParaRPr lang="en-GB" b="1" dirty="0">
-                        <a:solidFill>
-                          <a:schemeClr val="tx2"/>
-                        </a:solidFill>
-                      </a:endParaRPr>
                     </a:p>
                   </a:txBody>
                   <a:tcPr/>
@@ -5840,18 +5686,13 @@
                     <a:lstStyle/>
                     <a:p>
                       <a:r>
-                        <a:rPr lang="en-GB" b="1" dirty="0" smtClean="0">
+                        <a:rPr lang="en-GB" b="1" dirty="0">
                           <a:solidFill>
                             <a:schemeClr val="tx2"/>
                           </a:solidFill>
                         </a:rPr>
                         <a:t>High</a:t>
                       </a:r>
-                      <a:endParaRPr lang="en-GB" b="1" dirty="0">
-                        <a:solidFill>
-                          <a:schemeClr val="tx2"/>
-                        </a:solidFill>
-                      </a:endParaRPr>
                     </a:p>
                   </a:txBody>
                   <a:tcPr/>
@@ -5862,10 +5703,9 @@
                     <a:lstStyle/>
                     <a:p>
                       <a:r>
-                        <a:rPr lang="en-GB" dirty="0" smtClean="0"/>
+                        <a:rPr lang="en-GB" dirty="0"/>
                         <a:t>n = 106</a:t>
                       </a:r>
-                      <a:endParaRPr lang="en-GB" dirty="0"/>
                     </a:p>
                   </a:txBody>
                   <a:tcPr/>
@@ -5876,10 +5716,9 @@
                     <a:lstStyle/>
                     <a:p>
                       <a:r>
-                        <a:rPr lang="en-GB" dirty="0" smtClean="0"/>
+                        <a:rPr lang="en-GB" dirty="0"/>
                         <a:t>n = 284</a:t>
                       </a:r>
-                      <a:endParaRPr lang="en-GB" dirty="0"/>
                     </a:p>
                   </a:txBody>
                   <a:tcPr/>
@@ -5897,18 +5736,13 @@
                     <a:lstStyle/>
                     <a:p>
                       <a:r>
-                        <a:rPr lang="en-GB" b="1" dirty="0" smtClean="0">
+                        <a:rPr lang="en-GB" b="1" dirty="0">
                           <a:solidFill>
                             <a:schemeClr val="tx2"/>
                           </a:solidFill>
                         </a:rPr>
                         <a:t>Low</a:t>
                       </a:r>
-                      <a:endParaRPr lang="en-GB" b="1" dirty="0">
-                        <a:solidFill>
-                          <a:schemeClr val="tx2"/>
-                        </a:solidFill>
-                      </a:endParaRPr>
                     </a:p>
                   </a:txBody>
                   <a:tcPr/>
@@ -5919,10 +5753,9 @@
                     <a:lstStyle/>
                     <a:p>
                       <a:r>
-                        <a:rPr lang="en-GB" dirty="0" smtClean="0"/>
+                        <a:rPr lang="en-GB" dirty="0"/>
                         <a:t>n = 997</a:t>
                       </a:r>
-                      <a:endParaRPr lang="en-GB" dirty="0"/>
                     </a:p>
                   </a:txBody>
                   <a:tcPr/>
@@ -5933,10 +5766,9 @@
                     <a:lstStyle/>
                     <a:p>
                       <a:r>
-                        <a:rPr lang="en-GB" dirty="0" smtClean="0"/>
+                        <a:rPr lang="en-GB" dirty="0"/>
                         <a:t>n = 1050</a:t>
                       </a:r>
-                      <a:endParaRPr lang="en-GB" dirty="0"/>
                     </a:p>
                   </a:txBody>
                   <a:tcPr/>
@@ -5974,10 +5806,9 @@
           <a:lstStyle/>
           <a:p>
             <a:r>
-              <a:rPr lang="en-GB" b="1" dirty="0" smtClean="0"/>
+              <a:rPr lang="en-GB" b="1" dirty="0"/>
               <a:t>Resilience</a:t>
             </a:r>
-            <a:endParaRPr lang="en-GB" b="1" dirty="0"/>
           </a:p>
         </p:txBody>
       </p:sp>
@@ -6004,10 +5835,9 @@
           <a:lstStyle/>
           <a:p>
             <a:r>
-              <a:rPr lang="en-GB" b="1" dirty="0" smtClean="0"/>
+              <a:rPr lang="en-GB" b="1" dirty="0"/>
               <a:t>Adversity</a:t>
             </a:r>
-            <a:endParaRPr lang="en-GB" b="1" dirty="0"/>
           </a:p>
         </p:txBody>
       </p:sp>
@@ -6034,7 +5864,7 @@
           <a:lstStyle/>
           <a:p>
             <a:r>
-              <a:rPr lang="en-GB" sz="2000" dirty="0" smtClean="0">
+              <a:rPr lang="en-GB" sz="2000" dirty="0">
                 <a:solidFill>
                   <a:schemeClr val="tx2"/>
                 </a:solidFill>
@@ -6042,14 +5872,14 @@
               <a:t>Researchers look for:</a:t>
             </a:r>
             <a:br>
-              <a:rPr lang="en-GB" sz="2000" dirty="0" smtClean="0">
+              <a:rPr lang="en-GB" sz="2000" dirty="0">
                 <a:solidFill>
                   <a:schemeClr val="tx2"/>
                 </a:solidFill>
               </a:rPr>
             </a:br>
             <a:r>
-              <a:rPr lang="en-GB" sz="2000" dirty="0" smtClean="0"/>
+              <a:rPr lang="en-GB" sz="2000" dirty="0"/>
               <a:t>-    Main effect factor 1 (Resilience)</a:t>
             </a:r>
           </a:p>
@@ -6059,7 +5889,7 @@
               <a:buChar char="-"/>
             </a:pPr>
             <a:r>
-              <a:rPr lang="en-GB" sz="2000" dirty="0" smtClean="0"/>
+              <a:rPr lang="en-GB" sz="2000" dirty="0"/>
               <a:t>Main effect factor 2 (Adversity)</a:t>
             </a:r>
           </a:p>
@@ -6069,10 +5899,9 @@
               <a:buChar char="-"/>
             </a:pPr>
             <a:r>
-              <a:rPr lang="en-GB" sz="2000" dirty="0" smtClean="0"/>
+              <a:rPr lang="en-GB" sz="2000" dirty="0"/>
               <a:t>Interaction between factors </a:t>
             </a:r>
-            <a:endParaRPr lang="en-GB" sz="2000" dirty="0"/>
           </a:p>
         </p:txBody>
       </p:sp>
@@ -6468,18 +6297,9 @@
               <a:buNone/>
             </a:pPr>
             <a:r>
-              <a:rPr lang="en-GB" b="1" dirty="0" smtClean="0"/>
-              <a:t>Main </a:t>
-            </a:r>
-            <a:r>
               <a:rPr lang="en-GB" b="1" dirty="0"/>
-              <a:t>effect </a:t>
-            </a:r>
-            <a:r>
-              <a:rPr lang="en-GB" b="1" dirty="0" smtClean="0"/>
-              <a:t>Resilience</a:t>
-            </a:r>
-            <a:endParaRPr lang="en-GB" b="1" dirty="0"/>
+              <a:t>Main effect Resilience</a:t>
+            </a:r>
           </a:p>
         </p:txBody>
       </p:sp>
@@ -6547,18 +6367,13 @@
                     <a:lstStyle/>
                     <a:p>
                       <a:r>
-                        <a:rPr lang="en-GB" b="1" dirty="0" smtClean="0">
+                        <a:rPr lang="en-GB" b="1" dirty="0">
                           <a:solidFill>
                             <a:schemeClr val="tx2"/>
                           </a:solidFill>
                         </a:rPr>
                         <a:t>High</a:t>
                       </a:r>
-                      <a:endParaRPr lang="en-GB" b="1" dirty="0">
-                        <a:solidFill>
-                          <a:schemeClr val="tx2"/>
-                        </a:solidFill>
-                      </a:endParaRPr>
                     </a:p>
                   </a:txBody>
                   <a:tcPr/>
@@ -6569,18 +6384,13 @@
                     <a:lstStyle/>
                     <a:p>
                       <a:r>
-                        <a:rPr lang="en-GB" b="1" dirty="0" smtClean="0">
+                        <a:rPr lang="en-GB" b="1" dirty="0">
                           <a:solidFill>
                             <a:schemeClr val="tx2"/>
                           </a:solidFill>
                         </a:rPr>
                         <a:t>Low</a:t>
                       </a:r>
-                      <a:endParaRPr lang="en-GB" b="1" dirty="0">
-                        <a:solidFill>
-                          <a:schemeClr val="tx2"/>
-                        </a:solidFill>
-                      </a:endParaRPr>
                     </a:p>
                   </a:txBody>
                   <a:tcPr/>
@@ -6598,18 +6408,13 @@
                     <a:lstStyle/>
                     <a:p>
                       <a:r>
-                        <a:rPr lang="en-GB" b="1" dirty="0" smtClean="0">
+                        <a:rPr lang="en-GB" b="1" dirty="0">
                           <a:solidFill>
                             <a:schemeClr val="tx2"/>
                           </a:solidFill>
                         </a:rPr>
                         <a:t>High</a:t>
                       </a:r>
-                      <a:endParaRPr lang="en-GB" b="1" dirty="0">
-                        <a:solidFill>
-                          <a:schemeClr val="tx2"/>
-                        </a:solidFill>
-                      </a:endParaRPr>
                     </a:p>
                   </a:txBody>
                   <a:tcPr/>
@@ -6661,18 +6466,13 @@
                     <a:lstStyle/>
                     <a:p>
                       <a:r>
-                        <a:rPr lang="en-GB" b="1" dirty="0" smtClean="0">
+                        <a:rPr lang="en-GB" b="1" dirty="0">
                           <a:solidFill>
                             <a:schemeClr val="tx2"/>
                           </a:solidFill>
                         </a:rPr>
                         <a:t>Low</a:t>
                       </a:r>
-                      <a:endParaRPr lang="en-GB" b="1" dirty="0">
-                        <a:solidFill>
-                          <a:schemeClr val="tx2"/>
-                        </a:solidFill>
-                      </a:endParaRPr>
                     </a:p>
                   </a:txBody>
                   <a:tcPr/>
@@ -6744,10 +6544,9 @@
           <a:lstStyle/>
           <a:p>
             <a:r>
-              <a:rPr lang="en-GB" b="1" dirty="0" smtClean="0"/>
+              <a:rPr lang="en-GB" b="1" dirty="0"/>
               <a:t>Resilience</a:t>
             </a:r>
-            <a:endParaRPr lang="en-GB" b="1" dirty="0"/>
           </a:p>
         </p:txBody>
       </p:sp>
@@ -6774,10 +6573,9 @@
           <a:lstStyle/>
           <a:p>
             <a:r>
-              <a:rPr lang="en-GB" b="1" dirty="0" smtClean="0"/>
+              <a:rPr lang="en-GB" b="1" dirty="0"/>
               <a:t>Adversity</a:t>
             </a:r>
-            <a:endParaRPr lang="en-GB" b="1" dirty="0"/>
           </a:p>
         </p:txBody>
       </p:sp>
@@ -6843,11 +6641,11 @@
           <a:lstStyle/>
           <a:p>
             <a:r>
-              <a:rPr lang="en-GB" dirty="0" smtClean="0"/>
+              <a:rPr lang="en-GB" dirty="0"/>
               <a:t>Is there a difference between levels of </a:t>
             </a:r>
             <a:r>
-              <a:rPr lang="en-GB" dirty="0" smtClean="0">
+              <a:rPr lang="en-GB" dirty="0">
                 <a:solidFill>
                   <a:schemeClr val="tx2">
                     <a:lumMod val="60000"/>
@@ -6858,11 +6656,11 @@
               <a:t>Resilience</a:t>
             </a:r>
             <a:r>
-              <a:rPr lang="en-GB" dirty="0" smtClean="0"/>
+              <a:rPr lang="en-GB" dirty="0"/>
               <a:t>, ignoring levels of </a:t>
             </a:r>
             <a:r>
-              <a:rPr lang="en-GB" dirty="0" smtClean="0">
+              <a:rPr lang="en-GB" dirty="0">
                 <a:solidFill>
                   <a:schemeClr val="tx2">
                     <a:lumMod val="60000"/>
@@ -6873,10 +6671,9 @@
               <a:t>Adversity</a:t>
             </a:r>
             <a:r>
-              <a:rPr lang="en-GB" dirty="0" smtClean="0"/>
+              <a:rPr lang="en-GB" dirty="0"/>
               <a:t>?</a:t>
             </a:r>
-            <a:endParaRPr lang="en-GB" dirty="0"/>
           </a:p>
         </p:txBody>
       </p:sp>
@@ -7088,18 +6885,9 @@
               <a:buNone/>
             </a:pPr>
             <a:r>
-              <a:rPr lang="en-GB" b="1" dirty="0" smtClean="0"/>
-              <a:t>Main </a:t>
-            </a:r>
-            <a:r>
               <a:rPr lang="en-GB" b="1" dirty="0"/>
-              <a:t>effect </a:t>
-            </a:r>
-            <a:r>
-              <a:rPr lang="en-GB" b="1" dirty="0" smtClean="0"/>
-              <a:t>of Adversity</a:t>
-            </a:r>
-            <a:endParaRPr lang="en-GB" b="1" dirty="0"/>
+              <a:t>Main effect of Adversity</a:t>
+            </a:r>
           </a:p>
         </p:txBody>
       </p:sp>
@@ -7167,18 +6955,13 @@
                     <a:lstStyle/>
                     <a:p>
                       <a:r>
-                        <a:rPr lang="en-GB" b="1" dirty="0" smtClean="0">
+                        <a:rPr lang="en-GB" b="1" dirty="0">
                           <a:solidFill>
                             <a:schemeClr val="tx2"/>
                           </a:solidFill>
                         </a:rPr>
                         <a:t>High</a:t>
                       </a:r>
-                      <a:endParaRPr lang="en-GB" b="1" dirty="0">
-                        <a:solidFill>
-                          <a:schemeClr val="tx2"/>
-                        </a:solidFill>
-                      </a:endParaRPr>
                     </a:p>
                   </a:txBody>
                   <a:tcPr/>
@@ -7189,18 +6972,13 @@
                     <a:lstStyle/>
                     <a:p>
                       <a:r>
-                        <a:rPr lang="en-GB" b="1" dirty="0" smtClean="0">
+                        <a:rPr lang="en-GB" b="1" dirty="0">
                           <a:solidFill>
                             <a:schemeClr val="tx2"/>
                           </a:solidFill>
                         </a:rPr>
                         <a:t>Low</a:t>
                       </a:r>
-                      <a:endParaRPr lang="en-GB" b="1" dirty="0">
-                        <a:solidFill>
-                          <a:schemeClr val="tx2"/>
-                        </a:solidFill>
-                      </a:endParaRPr>
                     </a:p>
                   </a:txBody>
                   <a:tcPr/>
@@ -7218,18 +6996,13 @@
                     <a:lstStyle/>
                     <a:p>
                       <a:r>
-                        <a:rPr lang="en-GB" b="1" dirty="0" smtClean="0">
+                        <a:rPr lang="en-GB" b="1" dirty="0">
                           <a:solidFill>
                             <a:schemeClr val="tx2"/>
                           </a:solidFill>
                         </a:rPr>
                         <a:t>High</a:t>
                       </a:r>
-                      <a:endParaRPr lang="en-GB" b="1" dirty="0">
-                        <a:solidFill>
-                          <a:schemeClr val="tx2"/>
-                        </a:solidFill>
-                      </a:endParaRPr>
                     </a:p>
                   </a:txBody>
                   <a:tcPr/>
@@ -7281,18 +7054,13 @@
                     <a:lstStyle/>
                     <a:p>
                       <a:r>
-                        <a:rPr lang="en-GB" b="1" dirty="0" smtClean="0">
+                        <a:rPr lang="en-GB" b="1" dirty="0">
                           <a:solidFill>
                             <a:schemeClr val="tx2"/>
                           </a:solidFill>
                         </a:rPr>
                         <a:t>Low</a:t>
                       </a:r>
-                      <a:endParaRPr lang="en-GB" b="1" dirty="0">
-                        <a:solidFill>
-                          <a:schemeClr val="tx2"/>
-                        </a:solidFill>
-                      </a:endParaRPr>
                     </a:p>
                   </a:txBody>
                   <a:tcPr/>
@@ -7364,10 +7132,9 @@
           <a:lstStyle/>
           <a:p>
             <a:r>
-              <a:rPr lang="en-GB" b="1" dirty="0" smtClean="0"/>
+              <a:rPr lang="en-GB" b="1" dirty="0"/>
               <a:t>Resilience</a:t>
             </a:r>
-            <a:endParaRPr lang="en-GB" b="1" dirty="0"/>
           </a:p>
         </p:txBody>
       </p:sp>
@@ -7394,10 +7161,9 @@
           <a:lstStyle/>
           <a:p>
             <a:r>
-              <a:rPr lang="en-GB" b="1" dirty="0" smtClean="0"/>
+              <a:rPr lang="en-GB" b="1" dirty="0"/>
               <a:t>Adversity</a:t>
             </a:r>
-            <a:endParaRPr lang="en-GB" b="1" dirty="0"/>
           </a:p>
         </p:txBody>
       </p:sp>
@@ -7463,11 +7229,11 @@
           <a:lstStyle/>
           <a:p>
             <a:r>
-              <a:rPr lang="en-GB" dirty="0" smtClean="0"/>
+              <a:rPr lang="en-GB" dirty="0"/>
               <a:t>Is there a difference between levels of </a:t>
             </a:r>
             <a:r>
-              <a:rPr lang="en-GB" dirty="0" smtClean="0">
+              <a:rPr lang="en-GB" dirty="0">
                 <a:solidFill>
                   <a:schemeClr val="tx2"/>
                 </a:solidFill>
@@ -7475,11 +7241,11 @@
               <a:t>Adversity</a:t>
             </a:r>
             <a:r>
-              <a:rPr lang="en-GB" dirty="0" smtClean="0"/>
+              <a:rPr lang="en-GB" dirty="0"/>
               <a:t>, ignoring levels of </a:t>
             </a:r>
             <a:r>
-              <a:rPr lang="en-GB" dirty="0" smtClean="0">
+              <a:rPr lang="en-GB" dirty="0">
                 <a:solidFill>
                   <a:schemeClr val="tx2"/>
                 </a:solidFill>
@@ -7487,10 +7253,9 @@
               <a:t>Resilience</a:t>
             </a:r>
             <a:r>
-              <a:rPr lang="en-GB" dirty="0" smtClean="0"/>
+              <a:rPr lang="en-GB" dirty="0"/>
               <a:t>?</a:t>
             </a:r>
-            <a:endParaRPr lang="en-GB" dirty="0"/>
           </a:p>
         </p:txBody>
       </p:sp>
@@ -7702,10 +7467,9 @@
               <a:buNone/>
             </a:pPr>
             <a:r>
-              <a:rPr lang="en-GB" b="1" dirty="0" smtClean="0"/>
+              <a:rPr lang="en-GB" b="1" dirty="0"/>
               <a:t>Resilience x Adversity interaction</a:t>
             </a:r>
-            <a:endParaRPr lang="en-GB" b="1" dirty="0"/>
           </a:p>
         </p:txBody>
       </p:sp>
@@ -7773,18 +7537,13 @@
                     <a:lstStyle/>
                     <a:p>
                       <a:r>
-                        <a:rPr lang="en-GB" b="1" dirty="0" smtClean="0">
+                        <a:rPr lang="en-GB" b="1" dirty="0">
                           <a:solidFill>
                             <a:schemeClr val="tx2"/>
                           </a:solidFill>
                         </a:rPr>
                         <a:t>High</a:t>
                       </a:r>
-                      <a:endParaRPr lang="en-GB" b="1" dirty="0">
-                        <a:solidFill>
-                          <a:schemeClr val="tx2"/>
-                        </a:solidFill>
-                      </a:endParaRPr>
                     </a:p>
                   </a:txBody>
                   <a:tcPr/>
@@ -7795,18 +7554,13 @@
                     <a:lstStyle/>
                     <a:p>
                       <a:r>
-                        <a:rPr lang="en-GB" b="1" dirty="0" smtClean="0">
+                        <a:rPr lang="en-GB" b="1" dirty="0">
                           <a:solidFill>
                             <a:schemeClr val="tx2"/>
                           </a:solidFill>
                         </a:rPr>
                         <a:t>Low</a:t>
                       </a:r>
-                      <a:endParaRPr lang="en-GB" b="1" dirty="0">
-                        <a:solidFill>
-                          <a:schemeClr val="tx2"/>
-                        </a:solidFill>
-                      </a:endParaRPr>
                     </a:p>
                   </a:txBody>
                   <a:tcPr/>
@@ -7824,18 +7578,13 @@
                     <a:lstStyle/>
                     <a:p>
                       <a:r>
-                        <a:rPr lang="en-GB" b="1" dirty="0" smtClean="0">
+                        <a:rPr lang="en-GB" b="1" dirty="0">
                           <a:solidFill>
                             <a:schemeClr val="tx2"/>
                           </a:solidFill>
                         </a:rPr>
                         <a:t>High</a:t>
                       </a:r>
-                      <a:endParaRPr lang="en-GB" b="1" dirty="0">
-                        <a:solidFill>
-                          <a:schemeClr val="tx2"/>
-                        </a:solidFill>
-                      </a:endParaRPr>
                     </a:p>
                   </a:txBody>
                   <a:tcPr/>
@@ -7887,18 +7636,13 @@
                     <a:lstStyle/>
                     <a:p>
                       <a:r>
-                        <a:rPr lang="en-GB" b="1" dirty="0" smtClean="0">
+                        <a:rPr lang="en-GB" b="1" dirty="0">
                           <a:solidFill>
                             <a:schemeClr val="tx2"/>
                           </a:solidFill>
                         </a:rPr>
                         <a:t>Low</a:t>
                       </a:r>
-                      <a:endParaRPr lang="en-GB" b="1" dirty="0">
-                        <a:solidFill>
-                          <a:schemeClr val="tx2"/>
-                        </a:solidFill>
-                      </a:endParaRPr>
                     </a:p>
                   </a:txBody>
                   <a:tcPr/>
@@ -7970,10 +7714,9 @@
           <a:lstStyle/>
           <a:p>
             <a:r>
-              <a:rPr lang="en-GB" b="1" dirty="0" smtClean="0"/>
+              <a:rPr lang="en-GB" b="1" dirty="0"/>
               <a:t>Resilience</a:t>
             </a:r>
-            <a:endParaRPr lang="en-GB" b="1" dirty="0"/>
           </a:p>
         </p:txBody>
       </p:sp>
@@ -8000,10 +7743,9 @@
           <a:lstStyle/>
           <a:p>
             <a:r>
-              <a:rPr lang="en-GB" b="1" dirty="0" smtClean="0"/>
+              <a:rPr lang="en-GB" b="1" dirty="0"/>
               <a:t>Adversity</a:t>
             </a:r>
-            <a:endParaRPr lang="en-GB" b="1" dirty="0"/>
           </a:p>
         </p:txBody>
       </p:sp>
@@ -8034,7 +7776,7 @@
               <a:buChar char="•"/>
             </a:pPr>
             <a:r>
-              <a:rPr lang="en-GB" dirty="0" smtClean="0"/>
+              <a:rPr lang="en-GB" dirty="0"/>
               <a:t>Two factors interact if the effect of one factor is different at each level of the other.</a:t>
             </a:r>
           </a:p>
@@ -8044,22 +7786,18 @@
               <a:buChar char="•"/>
             </a:pPr>
             <a:r>
-              <a:rPr lang="en-GB" dirty="0" smtClean="0"/>
-              <a:t>Is </a:t>
-            </a:r>
-            <a:r>
               <a:rPr lang="en-GB" dirty="0"/>
-              <a:t>the effect of adversity different at each level of resilience?</a:t>
+              <a:t>Is the effect of adversity different at each level of resilience?</a:t>
             </a:r>
             <a:br>
               <a:rPr lang="en-GB" dirty="0"/>
             </a:br>
             <a:r>
-              <a:rPr lang="en-GB" dirty="0" smtClean="0"/>
+              <a:rPr lang="en-GB" dirty="0"/>
               <a:t>(sometimes easier to understand by looking at a plot of means</a:t>
             </a:r>
             <a:r>
-              <a:rPr lang="en-GB" dirty="0" smtClean="0">
+              <a:rPr lang="en-GB" dirty="0">
                 <a:sym typeface="Wingdings" panose="05000000000000000000" pitchFamily="2" charset="2"/>
               </a:rPr>
               <a:t>)</a:t>
@@ -8414,13 +8152,13 @@
           <a:lstStyle/>
           <a:p>
             <a:r>
-              <a:rPr lang="en-GB" dirty="0" err="1" smtClean="0">
+              <a:rPr lang="en-GB" dirty="0" err="1">
                 <a:latin typeface="Lucida Console" panose="020B0609040504020204" pitchFamily="49" charset="0"/>
               </a:rPr>
               <a:t>ggerrorplot</a:t>
             </a:r>
             <a:r>
-              <a:rPr lang="en-GB" dirty="0" smtClean="0">
+              <a:rPr lang="en-GB" dirty="0">
                 <a:latin typeface="Lucida Console" panose="020B0609040504020204" pitchFamily="49" charset="0"/>
               </a:rPr>
               <a:t>()</a:t>
@@ -8453,28 +8191,12 @@
           <a:lstStyle/>
           <a:p>
             <a:r>
-              <a:rPr lang="en-GB" sz="2200" b="1" dirty="0" smtClean="0">
-                <a:solidFill>
-                  <a:schemeClr val="tx2"/>
-                </a:solidFill>
-              </a:rPr>
-              <a:t>Main </a:t>
-            </a:r>
-            <a:r>
               <a:rPr lang="en-GB" sz="2200" b="1" dirty="0">
                 <a:solidFill>
                   <a:schemeClr val="tx2"/>
                 </a:solidFill>
               </a:rPr>
-              <a:t>effect </a:t>
-            </a:r>
-            <a:r>
-              <a:rPr lang="en-GB" sz="2200" b="1" dirty="0" smtClean="0">
-                <a:solidFill>
-                  <a:schemeClr val="tx2"/>
-                </a:solidFill>
-              </a:rPr>
-              <a:t>Resilience: </a:t>
+              <a:t>Main effect Resilience: </a:t>
             </a:r>
           </a:p>
           <a:p>
@@ -8483,13 +8205,13 @@
               <a:buChar char="•"/>
             </a:pPr>
             <a:r>
-              <a:rPr lang="en-GB" sz="2200" dirty="0" smtClean="0"/>
+              <a:rPr lang="en-GB" sz="2200" dirty="0"/>
               <a:t>Are the distress scores on the left lower than those on the right?</a:t>
             </a:r>
           </a:p>
           <a:p>
             <a:r>
-              <a:rPr lang="en-GB" sz="2200" b="1" dirty="0" smtClean="0">
+              <a:rPr lang="en-GB" sz="2200" b="1" dirty="0">
                 <a:solidFill>
                   <a:schemeClr val="tx2"/>
                 </a:solidFill>
@@ -8503,24 +8225,19 @@
               <a:buChar char="•"/>
             </a:pPr>
             <a:r>
-              <a:rPr lang="en-GB" sz="2200" dirty="0" smtClean="0"/>
+              <a:rPr lang="en-GB" sz="2200" dirty="0"/>
               <a:t>Are the distress scores in red, higher than those in blue?</a:t>
             </a:r>
           </a:p>
           <a:p>
             <a:r>
-              <a:rPr lang="en-GB" sz="2200" b="1" dirty="0" smtClean="0">
+              <a:rPr lang="en-GB" sz="2200" b="1" dirty="0">
                 <a:solidFill>
                   <a:schemeClr val="tx2"/>
                 </a:solidFill>
               </a:rPr>
               <a:t>Interaction between Resilience and Adversity (arrows)</a:t>
             </a:r>
-            <a:endParaRPr lang="en-GB" sz="2200" b="1" dirty="0">
-              <a:solidFill>
-                <a:schemeClr val="tx2"/>
-              </a:solidFill>
-            </a:endParaRPr>
           </a:p>
           <a:p>
             <a:pPr marL="285750" indent="-285750">
@@ -8528,18 +8245,14 @@
               <a:buChar char="•"/>
             </a:pPr>
             <a:r>
-              <a:rPr lang="en-GB" sz="2200" dirty="0" smtClean="0"/>
+              <a:rPr lang="en-GB" sz="2200" dirty="0"/>
               <a:t>Is the effect of adversity different at each level of resilience?</a:t>
-            </a:r>
-            <a:r>
-              <a:rPr lang="en-GB" sz="2200" dirty="0"/>
-              <a:t/>
             </a:r>
             <a:br>
               <a:rPr lang="en-GB" sz="2200" dirty="0"/>
             </a:br>
             <a:r>
-              <a:rPr lang="en-GB" sz="2200" dirty="0" smtClean="0"/>
+              <a:rPr lang="en-GB" sz="2200" dirty="0"/>
               <a:t>(Is the difference between red and blue points the same on the left as on the right?)</a:t>
             </a:r>
           </a:p>
@@ -8648,18 +8361,13 @@
           <a:lstStyle/>
           <a:p>
             <a:r>
-              <a:rPr lang="en-GB" sz="2400" b="1" dirty="0" smtClean="0">
+              <a:rPr lang="en-GB" sz="2400" b="1" dirty="0">
                 <a:solidFill>
                   <a:schemeClr val="tx2"/>
                 </a:solidFill>
               </a:rPr>
               <a:t>Plot of the means</a:t>
             </a:r>
-            <a:endParaRPr lang="en-GB" sz="2400" b="1" dirty="0">
-              <a:solidFill>
-                <a:schemeClr val="tx2"/>
-              </a:solidFill>
-            </a:endParaRPr>
           </a:p>
         </p:txBody>
       </p:sp>
@@ -9038,11 +8746,11 @@
           <a:lstStyle/>
           <a:p>
             <a:r>
-              <a:rPr lang="en-GB" dirty="0" smtClean="0"/>
+              <a:rPr lang="en-GB" dirty="0"/>
               <a:t>If there’s evidence for an interaction, </a:t>
             </a:r>
             <a:r>
-              <a:rPr lang="en-GB" dirty="0" smtClean="0">
+              <a:rPr lang="en-GB" dirty="0">
                 <a:solidFill>
                   <a:schemeClr val="tx2"/>
                 </a:solidFill>
@@ -9050,11 +8758,11 @@
               <a:t>follow-up</a:t>
             </a:r>
             <a:r>
-              <a:rPr lang="en-GB" dirty="0" smtClean="0"/>
+              <a:rPr lang="en-GB" dirty="0"/>
               <a:t> </a:t>
             </a:r>
             <a:r>
-              <a:rPr lang="en-GB" dirty="0" smtClean="0">
+              <a:rPr lang="en-GB" dirty="0">
                 <a:solidFill>
                   <a:schemeClr val="tx2"/>
                 </a:solidFill>
@@ -9062,28 +8770,28 @@
               <a:t>comparisons</a:t>
             </a:r>
             <a:r>
-              <a:rPr lang="en-GB" dirty="0" smtClean="0"/>
+              <a:rPr lang="en-GB" dirty="0"/>
               <a:t> can be conducted to determine whether there’s evidence for an effect of a factor </a:t>
             </a:r>
             <a:r>
-              <a:rPr lang="en-GB" i="1" dirty="0" smtClean="0"/>
+              <a:rPr lang="en-GB" i="1" dirty="0"/>
               <a:t>within</a:t>
             </a:r>
             <a:r>
-              <a:rPr lang="en-GB" dirty="0" smtClean="0"/>
+              <a:rPr lang="en-GB" dirty="0"/>
               <a:t> each level of the other factor. </a:t>
             </a:r>
           </a:p>
           <a:p>
             <a:r>
-              <a:rPr lang="en-GB" dirty="0" smtClean="0"/>
+              <a:rPr lang="en-GB" dirty="0"/>
               <a:t>e.g., </a:t>
             </a:r>
           </a:p>
           <a:p>
             <a:pPr lvl="1"/>
             <a:r>
-              <a:rPr lang="en-GB" dirty="0" smtClean="0"/>
+              <a:rPr lang="en-GB" dirty="0"/>
               <a:t>is there evidence of an effect of adversity within high resilience individuals?</a:t>
             </a:r>
           </a:p>
@@ -9091,26 +8799,14 @@
             <a:pPr lvl="1"/>
             <a:r>
               <a:rPr lang="en-GB" dirty="0"/>
-              <a:t>is there evidence of an effect of adversity within </a:t>
-            </a:r>
-            <a:r>
-              <a:rPr lang="en-GB" dirty="0" smtClean="0"/>
-              <a:t>low </a:t>
-            </a:r>
-            <a:r>
-              <a:rPr lang="en-GB" dirty="0"/>
-              <a:t>resilience individuals</a:t>
-            </a:r>
-            <a:r>
-              <a:rPr lang="en-GB" dirty="0" smtClean="0"/>
-              <a:t>?</a:t>
+              <a:t>is there evidence of an effect of adversity within low resilience individuals?</a:t>
             </a:r>
           </a:p>
           <a:p>
             <a:pPr marL="457200" lvl="1" indent="0">
               <a:buNone/>
             </a:pPr>
-            <a:endParaRPr lang="en-GB" dirty="0" smtClean="0"/>
+            <a:endParaRPr lang="en-GB" dirty="0"/>
           </a:p>
           <a:p>
             <a:endParaRPr lang="en-GB" dirty="0"/>
@@ -9169,50 +8865,47 @@
           <a:lstStyle/>
           <a:p>
             <a:r>
-              <a:rPr lang="en-GB" dirty="0" smtClean="0">
+              <a:rPr lang="en-GB" dirty="0">
                 <a:latin typeface="+mj-lt"/>
               </a:rPr>
               <a:t>Subset the data for the groups we want, then use </a:t>
             </a:r>
             <a:r>
-              <a:rPr lang="en-GB" dirty="0" err="1" smtClean="0">
+              <a:rPr lang="en-GB" dirty="0" err="1">
                 <a:latin typeface="Lucida Console" panose="020B0609040504020204" pitchFamily="49" charset="0"/>
               </a:rPr>
               <a:t>anovaBF</a:t>
             </a:r>
             <a:r>
-              <a:rPr lang="en-GB" dirty="0" smtClean="0">
+              <a:rPr lang="en-GB" dirty="0">
                 <a:latin typeface="Lucida Console" panose="020B0609040504020204" pitchFamily="49" charset="0"/>
               </a:rPr>
               <a:t>()</a:t>
             </a:r>
             <a:r>
-              <a:rPr lang="en-GB" sz="900" dirty="0" smtClean="0">
+              <a:rPr lang="en-GB" sz="900" dirty="0">
                 <a:latin typeface="Lucida Console" panose="020B0609040504020204" pitchFamily="49" charset="0"/>
               </a:rPr>
               <a:t> </a:t>
             </a:r>
             <a:r>
-              <a:rPr lang="en-GB" dirty="0" smtClean="0">
+              <a:rPr lang="en-GB" dirty="0">
                 <a:latin typeface="+mj-lt"/>
               </a:rPr>
               <a:t>again but with the </a:t>
             </a:r>
             <a:r>
-              <a:rPr lang="en-GB" dirty="0" err="1" smtClean="0">
+              <a:rPr lang="en-GB" dirty="0" err="1">
                 <a:latin typeface="+mj-lt"/>
               </a:rPr>
               <a:t>subsetted</a:t>
             </a:r>
             <a:r>
-              <a:rPr lang="en-GB" dirty="0" smtClean="0">
+              <a:rPr lang="en-GB" dirty="0">
                 <a:latin typeface="+mj-lt"/>
               </a:rPr>
               <a:t> data</a:t>
             </a:r>
-            <a:endParaRPr lang="en-GB" dirty="0">
-              <a:latin typeface="+mj-lt"/>
-            </a:endParaRPr>
           </a:p>
         </p:txBody>
       </p:sp>
@@ -9474,10 +9167,9 @@
           <a:lstStyle/>
           <a:p>
             <a:r>
-              <a:rPr lang="en-GB" dirty="0" smtClean="0"/>
+              <a:rPr lang="en-GB" dirty="0"/>
               <a:t>Practical considerations</a:t>
             </a:r>
-            <a:endParaRPr lang="en-GB" dirty="0"/>
           </a:p>
         </p:txBody>
       </p:sp>
@@ -9504,11 +9196,11 @@
           <a:lstStyle/>
           <a:p>
             <a:r>
-              <a:rPr lang="en-GB" dirty="0" smtClean="0"/>
+              <a:rPr lang="en-GB" dirty="0"/>
               <a:t>In general, it’s recommended to have </a:t>
             </a:r>
             <a:r>
-              <a:rPr lang="en-GB" dirty="0" smtClean="0">
+              <a:rPr lang="en-GB" dirty="0">
                 <a:solidFill>
                   <a:schemeClr val="tx2"/>
                 </a:solidFill>
@@ -9516,13 +9208,13 @@
               <a:t>equal sample sizes </a:t>
             </a:r>
             <a:r>
-              <a:rPr lang="en-GB" dirty="0" smtClean="0"/>
+              <a:rPr lang="en-GB" dirty="0"/>
               <a:t>in between-subjects ANOVA designs. </a:t>
             </a:r>
           </a:p>
           <a:p>
             <a:r>
-              <a:rPr lang="en-GB" b="1" dirty="0" smtClean="0">
+              <a:rPr lang="en-GB" b="1" dirty="0">
                 <a:solidFill>
                   <a:schemeClr val="tx2"/>
                 </a:solidFill>
@@ -9533,46 +9225,37 @@
           <a:p>
             <a:pPr lvl="1"/>
             <a:r>
-              <a:rPr lang="en-GB" dirty="0" smtClean="0"/>
+              <a:rPr lang="en-GB" dirty="0"/>
               <a:t>Can lead to a correlation between the predictors in factorial ANOVA</a:t>
             </a:r>
           </a:p>
           <a:p>
             <a:pPr lvl="1"/>
             <a:r>
-              <a:rPr lang="en-GB" dirty="0" smtClean="0"/>
-              <a:t>This can reduce the unique variance explained by the main effects and interaction, leading to similar issues as with correlated predictors in multiple regression</a:t>
-            </a:r>
-            <a:r>
               <a:rPr lang="en-GB" dirty="0"/>
-              <a:t> </a:t>
-            </a:r>
-            <a:r>
-              <a:rPr lang="en-GB" dirty="0" smtClean="0"/>
-              <a:t>(previous session)</a:t>
+              <a:t>This can reduce the unique variance explained by the main effects and interaction, leading to similar issues as with correlated predictors in multiple regression (previous session)</a:t>
             </a:r>
           </a:p>
           <a:p>
             <a:pPr lvl="2"/>
             <a:r>
-              <a:rPr lang="en-GB" dirty="0" smtClean="0"/>
+              <a:rPr lang="en-GB" dirty="0"/>
               <a:t>Less likely to find evidence for main effects and interaction with unequal sample sizes. </a:t>
             </a:r>
           </a:p>
           <a:p>
             <a:pPr lvl="2"/>
             <a:r>
-              <a:rPr lang="en-GB" dirty="0" smtClean="0"/>
+              <a:rPr lang="en-GB" dirty="0"/>
               <a:t>Unequal sample sizes can lead to unequal variances</a:t>
             </a:r>
           </a:p>
           <a:p>
             <a:pPr lvl="1"/>
             <a:r>
-              <a:rPr lang="en-GB" dirty="0" smtClean="0"/>
+              <a:rPr lang="en-GB" dirty="0"/>
               <a:t>Common to see in literature despite this</a:t>
             </a:r>
-            <a:endParaRPr lang="en-GB" dirty="0"/>
           </a:p>
         </p:txBody>
       </p:sp>
@@ -9916,18 +9599,9 @@
           <a:lstStyle/>
           <a:p>
             <a:r>
-              <a:rPr lang="en-GB" dirty="0" smtClean="0"/>
-              <a:t>ANOVA (Analysis </a:t>
-            </a:r>
-            <a:r>
               <a:rPr lang="en-GB" dirty="0"/>
-              <a:t>O</a:t>
-            </a:r>
-            <a:r>
-              <a:rPr lang="en-GB" dirty="0" smtClean="0"/>
-              <a:t>f Variance)</a:t>
-            </a:r>
-            <a:endParaRPr lang="en-GB" dirty="0"/>
+              <a:t>ANOVA (Analysis Of Variance)</a:t>
+            </a:r>
           </a:p>
         </p:txBody>
       </p:sp>
@@ -9954,11 +9628,11 @@
           <a:lstStyle/>
           <a:p>
             <a:r>
-              <a:rPr lang="en-GB" dirty="0" smtClean="0"/>
+              <a:rPr lang="en-GB" dirty="0"/>
               <a:t>ANOVA is a special case of regression in which the predictor variable is </a:t>
             </a:r>
             <a:r>
-              <a:rPr lang="en-GB" dirty="0" smtClean="0">
+              <a:rPr lang="en-GB" dirty="0">
                 <a:solidFill>
                   <a:schemeClr val="tx2"/>
                 </a:solidFill>
@@ -9988,7 +9662,7 @@
               <a:buNone/>
             </a:pPr>
             <a:r>
-              <a:rPr lang="en-GB" b="1" dirty="0" smtClean="0">
+              <a:rPr lang="en-GB" b="1" dirty="0">
                 <a:solidFill>
                   <a:schemeClr val="tx2"/>
                 </a:solidFill>
@@ -10000,21 +9674,17 @@
             <a:pPr lvl="1"/>
             <a:r>
               <a:rPr lang="en-GB" dirty="0"/>
-              <a:t>C</a:t>
-            </a:r>
-            <a:r>
-              <a:rPr lang="en-GB" dirty="0" smtClean="0"/>
-              <a:t>ontinuous </a:t>
+              <a:t>Continuous </a:t>
             </a:r>
           </a:p>
           <a:p>
             <a:pPr lvl="1"/>
             <a:r>
-              <a:rPr lang="en-GB" dirty="0" smtClean="0"/>
+              <a:rPr lang="en-GB" dirty="0"/>
               <a:t>In ANOVA, usually referred to as the </a:t>
             </a:r>
             <a:r>
-              <a:rPr lang="en-GB" i="1" dirty="0" smtClean="0">
+              <a:rPr lang="en-GB" i="1" dirty="0">
                 <a:solidFill>
                   <a:schemeClr val="tx2"/>
                 </a:solidFill>
@@ -10022,11 +9692,11 @@
               <a:t>dependent </a:t>
             </a:r>
             <a:r>
-              <a:rPr lang="en-GB" dirty="0" smtClean="0"/>
+              <a:rPr lang="en-GB" dirty="0"/>
               <a:t>or</a:t>
             </a:r>
             <a:r>
-              <a:rPr lang="en-GB" i="1" dirty="0" smtClean="0">
+              <a:rPr lang="en-GB" i="1" dirty="0">
                 <a:solidFill>
                   <a:schemeClr val="tx2"/>
                 </a:solidFill>
@@ -10054,18 +9724,18 @@
           <a:p>
             <a:pPr lvl="1"/>
             <a:r>
-              <a:rPr lang="en-GB" dirty="0" smtClean="0"/>
+              <a:rPr lang="en-GB" dirty="0"/>
               <a:t>Categorical</a:t>
             </a:r>
           </a:p>
           <a:p>
             <a:pPr lvl="1"/>
             <a:r>
-              <a:rPr lang="en-GB" dirty="0" smtClean="0"/>
+              <a:rPr lang="en-GB" dirty="0"/>
               <a:t>In ANOVA, usually referred to as </a:t>
             </a:r>
             <a:r>
-              <a:rPr lang="en-GB" i="1" dirty="0" smtClean="0">
+              <a:rPr lang="en-GB" i="1" dirty="0">
                 <a:solidFill>
                   <a:schemeClr val="tx2"/>
                 </a:solidFill>
@@ -10077,13 +9747,13 @@
             <a:pPr marL="914400" lvl="2" indent="0">
               <a:buNone/>
             </a:pPr>
-            <a:endParaRPr lang="en-GB" dirty="0" smtClean="0"/>
-          </a:p>
-          <a:p>
             <a:endParaRPr lang="en-GB" dirty="0"/>
           </a:p>
           <a:p>
-            <a:endParaRPr lang="en-GB" dirty="0" smtClean="0"/>
+            <a:endParaRPr lang="en-GB" dirty="0"/>
+          </a:p>
+          <a:p>
+            <a:endParaRPr lang="en-GB" dirty="0"/>
           </a:p>
           <a:p>
             <a:endParaRPr lang="en-GB" dirty="0"/>
@@ -10497,17 +10167,17 @@
           <a:lstStyle/>
           <a:p>
             <a:r>
-              <a:rPr lang="en-GB" sz="3200" b="1" dirty="0" smtClean="0"/>
+              <a:rPr lang="en-GB" sz="3200" b="1" dirty="0"/>
               <a:t>Activity: Remainder of Session</a:t>
             </a:r>
           </a:p>
           <a:p>
             <a:r>
-              <a:rPr lang="en-GB" sz="3200" b="1" dirty="0" smtClean="0"/>
+              <a:rPr lang="en-GB" sz="3200" b="1" dirty="0"/>
               <a:t>Start Worksheet 3 and Exercises using </a:t>
             </a:r>
             <a:r>
-              <a:rPr lang="en-GB" sz="3200" b="1" dirty="0" err="1" smtClean="0"/>
+              <a:rPr lang="en-GB" sz="3200" b="1" dirty="0" err="1"/>
               <a:t>RStudio</a:t>
             </a:r>
             <a:endParaRPr lang="en-GB" sz="3200" b="1" dirty="0"/>
@@ -10542,10 +10212,9 @@
           <a:lstStyle/>
           <a:p>
             <a:r>
-              <a:rPr lang="en-GB" sz="3200" b="1" dirty="0" smtClean="0"/>
-              <a:t>Support session Friday 1-2pm on Zoom (Paul)</a:t>
-            </a:r>
-            <a:endParaRPr lang="en-GB" sz="3200" b="1" dirty="0"/>
+              <a:rPr lang="en-GB" sz="3200" b="1" dirty="0"/>
+              <a:t>Support session Friday 1-2pm</a:t>
+            </a:r>
           </a:p>
         </p:txBody>
       </p:sp>
@@ -10586,31 +10255,18 @@
           </a:p>
           <a:p>
             <a:r>
-              <a:rPr lang="en-GB" sz="2400" dirty="0" smtClean="0">
-                <a:hlinkClick r:id="rId3"/>
-              </a:rPr>
-              <a:t>https</a:t>
-            </a:r>
-            <a:r>
               <a:rPr lang="en-GB" sz="2400" dirty="0">
                 <a:hlinkClick r:id="rId3"/>
               </a:rPr>
-              <a:t>://chrisjberry.github.io/datafluencyCB</a:t>
-            </a:r>
-            <a:r>
-              <a:rPr lang="en-GB" sz="2400" dirty="0" smtClean="0">
-                <a:hlinkClick r:id="rId3"/>
-              </a:rPr>
-              <a:t>/</a:t>
-            </a:r>
-            <a:endParaRPr lang="en-GB" sz="2400" dirty="0" smtClean="0"/>
-          </a:p>
-          <a:p>
-            <a:r>
-              <a:rPr lang="en-GB" sz="2400" dirty="0" smtClean="0"/>
+              <a:t>https://chrisjberry.github.io/datafluencyCB/</a:t>
+            </a:r>
+            <a:endParaRPr lang="en-GB" sz="2400" dirty="0"/>
+          </a:p>
+          <a:p>
+            <a:r>
+              <a:rPr lang="en-GB" sz="2400" dirty="0"/>
               <a:t>(or DLE)</a:t>
             </a:r>
-            <a:endParaRPr lang="en-GB" sz="2400" dirty="0"/>
           </a:p>
         </p:txBody>
       </p:sp>
@@ -10637,17 +10293,16 @@
           <a:lstStyle/>
           <a:p>
             <a:r>
-              <a:rPr lang="en-GB" dirty="0" smtClean="0"/>
+              <a:rPr lang="en-GB" dirty="0"/>
               <a:t>Finish for next session.</a:t>
             </a:r>
             <a:br>
-              <a:rPr lang="en-GB" dirty="0" smtClean="0"/>
+              <a:rPr lang="en-GB" dirty="0"/>
             </a:br>
             <a:r>
-              <a:rPr lang="en-GB" dirty="0" smtClean="0"/>
+              <a:rPr lang="en-GB" dirty="0"/>
               <a:t>Please ask me or Paul if you have any questions on the code or concepts</a:t>
             </a:r>
-            <a:endParaRPr lang="en-GB" dirty="0"/>
           </a:p>
         </p:txBody>
       </p:sp>
@@ -10902,22 +10557,17 @@
               </a:rPr>
               <a:t> et al. (2020) </a:t>
             </a:r>
-            <a:endParaRPr lang="en-GB" b="1" dirty="0" smtClean="0">
-              <a:solidFill>
-                <a:schemeClr val="tx2"/>
-              </a:solidFill>
-            </a:endParaRPr>
           </a:p>
           <a:p>
             <a:pPr marL="0" indent="0">
               <a:buNone/>
             </a:pPr>
             <a:r>
-              <a:rPr lang="en-GB" dirty="0" smtClean="0"/>
+              <a:rPr lang="en-GB" dirty="0"/>
               <a:t>Used one-way between subjects ANOVA to look at the effects of viewing images of different </a:t>
             </a:r>
             <a:r>
-              <a:rPr lang="en-GB" dirty="0" smtClean="0">
+              <a:rPr lang="en-GB" dirty="0">
                 <a:solidFill>
                   <a:schemeClr val="tx2"/>
                 </a:solidFill>
@@ -10925,35 +10575,35 @@
               <a:t>aesthetic value </a:t>
             </a:r>
             <a:r>
-              <a:rPr lang="en-GB" dirty="0" smtClean="0"/>
+              <a:rPr lang="en-GB" dirty="0"/>
               <a:t>(</a:t>
             </a:r>
             <a:r>
-              <a:rPr lang="en-GB" i="1" dirty="0" smtClean="0"/>
+              <a:rPr lang="en-GB" i="1" dirty="0"/>
               <a:t>High</a:t>
             </a:r>
             <a:r>
-              <a:rPr lang="en-GB" dirty="0" smtClean="0"/>
+              <a:rPr lang="en-GB" dirty="0"/>
               <a:t>, </a:t>
             </a:r>
             <a:r>
-              <a:rPr lang="en-GB" i="1" dirty="0" smtClean="0"/>
+              <a:rPr lang="en-GB" i="1" dirty="0"/>
               <a:t>Low</a:t>
             </a:r>
             <a:r>
-              <a:rPr lang="en-GB" dirty="0" smtClean="0"/>
+              <a:rPr lang="en-GB" dirty="0"/>
               <a:t>, or </a:t>
             </a:r>
             <a:r>
-              <a:rPr lang="en-GB" i="1" dirty="0" smtClean="0"/>
+              <a:rPr lang="en-GB" i="1" dirty="0"/>
               <a:t>Very Low</a:t>
             </a:r>
             <a:r>
-              <a:rPr lang="en-GB" dirty="0" smtClean="0"/>
+              <a:rPr lang="en-GB" dirty="0"/>
               <a:t>) on </a:t>
             </a:r>
             <a:r>
-              <a:rPr lang="en-GB" dirty="0" smtClean="0">
+              <a:rPr lang="en-GB" dirty="0">
                 <a:solidFill>
                   <a:schemeClr val="tx2"/>
                 </a:solidFill>
@@ -10961,10 +10611,9 @@
               <a:t>mood </a:t>
             </a:r>
             <a:r>
-              <a:rPr lang="en-GB" dirty="0" smtClean="0"/>
+              <a:rPr lang="en-GB" dirty="0"/>
               <a:t>scores. </a:t>
             </a:r>
-            <a:endParaRPr lang="en-GB" dirty="0"/>
           </a:p>
         </p:txBody>
       </p:sp>
@@ -11136,20 +10785,19 @@
           <a:lstStyle/>
           <a:p>
             <a:r>
-              <a:rPr lang="en-GB" b="1" dirty="0" smtClean="0"/>
+              <a:rPr lang="en-GB" b="1" dirty="0"/>
               <a:t>High</a:t>
             </a:r>
             <a:r>
-              <a:rPr lang="en-GB" dirty="0" smtClean="0"/>
+              <a:rPr lang="en-GB" dirty="0"/>
               <a:t> Aesthetic Value</a:t>
             </a:r>
           </a:p>
           <a:p>
             <a:r>
-              <a:rPr lang="en-GB" dirty="0" smtClean="0"/>
+              <a:rPr lang="en-GB" dirty="0"/>
               <a:t>n=104 participants</a:t>
             </a:r>
-            <a:endParaRPr lang="en-GB" dirty="0"/>
           </a:p>
         </p:txBody>
       </p:sp>
@@ -11176,28 +10824,19 @@
           <a:lstStyle/>
           <a:p>
             <a:r>
-              <a:rPr lang="en-GB" b="1" dirty="0" smtClean="0"/>
+              <a:rPr lang="en-GB" b="1" dirty="0"/>
               <a:t>Low</a:t>
             </a:r>
             <a:r>
-              <a:rPr lang="en-GB" dirty="0" smtClean="0"/>
-              <a:t> </a:t>
-            </a:r>
-            <a:r>
               <a:rPr lang="en-GB" dirty="0"/>
-              <a:t>Aesthetic </a:t>
-            </a:r>
-            <a:r>
-              <a:rPr lang="en-GB" dirty="0" smtClean="0"/>
-              <a:t>Value</a:t>
-            </a:r>
-          </a:p>
-          <a:p>
-            <a:r>
-              <a:rPr lang="en-GB" dirty="0" smtClean="0"/>
+              <a:t> Aesthetic Value</a:t>
+            </a:r>
+          </a:p>
+          <a:p>
+            <a:r>
+              <a:rPr lang="en-GB" dirty="0"/>
               <a:t>n =100 participants</a:t>
             </a:r>
-            <a:endParaRPr lang="en-GB" dirty="0"/>
           </a:p>
         </p:txBody>
       </p:sp>
@@ -11224,28 +10863,27 @@
           <a:lstStyle/>
           <a:p>
             <a:r>
-              <a:rPr lang="en-GB" b="1" dirty="0" smtClean="0"/>
+              <a:rPr lang="en-GB" b="1" dirty="0"/>
               <a:t>Very</a:t>
             </a:r>
             <a:r>
-              <a:rPr lang="en-GB" dirty="0" smtClean="0"/>
+              <a:rPr lang="en-GB" dirty="0"/>
               <a:t> </a:t>
             </a:r>
             <a:r>
-              <a:rPr lang="en-GB" b="1" dirty="0" smtClean="0"/>
+              <a:rPr lang="en-GB" b="1" dirty="0"/>
               <a:t>Low</a:t>
             </a:r>
             <a:r>
-              <a:rPr lang="en-GB" dirty="0" smtClean="0"/>
+              <a:rPr lang="en-GB" dirty="0"/>
               <a:t> Aesthetic Value</a:t>
             </a:r>
           </a:p>
           <a:p>
             <a:r>
-              <a:rPr lang="en-GB" dirty="0" smtClean="0"/>
+              <a:rPr lang="en-GB" dirty="0"/>
               <a:t>n = 102 participants</a:t>
             </a:r>
-            <a:endParaRPr lang="en-GB" dirty="0"/>
           </a:p>
         </p:txBody>
       </p:sp>
@@ -11630,10 +11268,9 @@
           <a:lstStyle/>
           <a:p>
             <a:r>
-              <a:rPr lang="en-GB" dirty="0" smtClean="0"/>
+              <a:rPr lang="en-GB" dirty="0"/>
               <a:t>One-way between subjects ANOVA</a:t>
             </a:r>
-            <a:endParaRPr lang="en-GB" dirty="0"/>
           </a:p>
         </p:txBody>
       </p:sp>
@@ -11660,7 +11297,7 @@
           <a:lstStyle/>
           <a:p>
             <a:r>
-              <a:rPr lang="en-GB" b="1" dirty="0" smtClean="0">
+              <a:rPr lang="en-GB" b="1" dirty="0">
                 <a:solidFill>
                   <a:schemeClr val="tx2"/>
                 </a:solidFill>
@@ -11668,18 +11305,18 @@
               <a:t>One independent variable</a:t>
             </a:r>
             <a:r>
-              <a:rPr lang="en-GB" dirty="0" smtClean="0"/>
+              <a:rPr lang="en-GB" dirty="0"/>
               <a:t>: categorical</a:t>
             </a:r>
           </a:p>
           <a:p>
             <a:pPr lvl="1"/>
             <a:r>
-              <a:rPr lang="en-GB" dirty="0" smtClean="0"/>
+              <a:rPr lang="en-GB" dirty="0"/>
               <a:t>e.g., </a:t>
             </a:r>
             <a:r>
-              <a:rPr lang="en-GB" dirty="0" smtClean="0">
+              <a:rPr lang="en-GB" dirty="0">
                 <a:solidFill>
                   <a:schemeClr val="tx2"/>
                 </a:solidFill>
@@ -11687,18 +11324,18 @@
               <a:t>aesthetic value </a:t>
             </a:r>
             <a:r>
-              <a:rPr lang="en-GB" dirty="0" smtClean="0"/>
+              <a:rPr lang="en-GB" dirty="0"/>
               <a:t>of image</a:t>
             </a:r>
           </a:p>
           <a:p>
             <a:pPr lvl="1"/>
             <a:r>
-              <a:rPr lang="en-GB" dirty="0" smtClean="0"/>
+              <a:rPr lang="en-GB" dirty="0"/>
               <a:t>Two or more </a:t>
             </a:r>
             <a:r>
-              <a:rPr lang="en-GB" dirty="0" smtClean="0">
+              <a:rPr lang="en-GB" dirty="0">
                 <a:solidFill>
                   <a:schemeClr val="tx2"/>
                 </a:solidFill>
@@ -11706,13 +11343,13 @@
               <a:t>levels</a:t>
             </a:r>
             <a:r>
-              <a:rPr lang="en-GB" dirty="0" smtClean="0"/>
+              <a:rPr lang="en-GB" dirty="0"/>
               <a:t> (e.g., High, Low, Very Low)</a:t>
             </a:r>
           </a:p>
           <a:p>
             <a:r>
-              <a:rPr lang="en-GB" b="1" dirty="0" smtClean="0">
+              <a:rPr lang="en-GB" b="1" dirty="0">
                 <a:solidFill>
                   <a:schemeClr val="tx2"/>
                 </a:solidFill>
@@ -11720,18 +11357,18 @@
               <a:t>One dependent variable</a:t>
             </a:r>
             <a:r>
-              <a:rPr lang="en-GB" dirty="0" smtClean="0"/>
+              <a:rPr lang="en-GB" dirty="0"/>
               <a:t>: continuous</a:t>
             </a:r>
           </a:p>
           <a:p>
             <a:pPr lvl="1"/>
             <a:r>
-              <a:rPr lang="en-GB" dirty="0" smtClean="0"/>
+              <a:rPr lang="en-GB" dirty="0"/>
               <a:t>e.g., mood </a:t>
             </a:r>
             <a:r>
-              <a:rPr lang="en-GB" dirty="0" smtClean="0">
+              <a:rPr lang="en-GB" dirty="0">
                 <a:solidFill>
                   <a:schemeClr val="tx2"/>
                 </a:solidFill>
@@ -11739,7 +11376,7 @@
               <a:t>score</a:t>
             </a:r>
             <a:r>
-              <a:rPr lang="en-GB" dirty="0" smtClean="0"/>
+              <a:rPr lang="en-GB" dirty="0"/>
               <a:t> </a:t>
             </a:r>
           </a:p>
@@ -11747,11 +11384,11 @@
             <a:pPr marL="0" indent="0">
               <a:buNone/>
             </a:pPr>
-            <a:endParaRPr lang="en-GB" dirty="0" smtClean="0"/>
-          </a:p>
-          <a:p>
-            <a:r>
-              <a:rPr lang="en-GB" b="1" dirty="0" smtClean="0">
+            <a:endParaRPr lang="en-GB" dirty="0"/>
+          </a:p>
+          <a:p>
+            <a:r>
+              <a:rPr lang="en-GB" b="1" dirty="0">
                 <a:solidFill>
                   <a:schemeClr val="tx2"/>
                 </a:solidFill>
@@ -11759,25 +11396,25 @@
               <a:t>Between subjects</a:t>
             </a:r>
             <a:r>
-              <a:rPr lang="en-GB" dirty="0" smtClean="0"/>
+              <a:rPr lang="en-GB" dirty="0"/>
               <a:t>: </a:t>
             </a:r>
             <a:br>
-              <a:rPr lang="en-GB" dirty="0" smtClean="0"/>
+              <a:rPr lang="en-GB" dirty="0"/>
             </a:br>
             <a:r>
-              <a:rPr lang="en-GB" dirty="0" smtClean="0"/>
+              <a:rPr lang="en-GB" dirty="0"/>
               <a:t>A separate group of participants for each level of the independent variable. </a:t>
             </a:r>
             <a:br>
-              <a:rPr lang="en-GB" dirty="0" smtClean="0"/>
+              <a:rPr lang="en-GB" dirty="0"/>
             </a:br>
             <a:r>
-              <a:rPr lang="en-GB" dirty="0" smtClean="0"/>
+              <a:rPr lang="en-GB" dirty="0"/>
               <a:t>Each participant contributes exactly </a:t>
             </a:r>
             <a:r>
-              <a:rPr lang="en-GB" dirty="0" smtClean="0">
+              <a:rPr lang="en-GB" dirty="0">
                 <a:solidFill>
                   <a:schemeClr val="tx2"/>
                 </a:solidFill>
@@ -11785,7 +11422,7 @@
               <a:t>one score</a:t>
             </a:r>
             <a:r>
-              <a:rPr lang="en-GB" dirty="0" smtClean="0"/>
+              <a:rPr lang="en-GB" dirty="0"/>
               <a:t> to the design</a:t>
             </a:r>
           </a:p>
@@ -11794,23 +11431,23 @@
           </a:p>
           <a:p>
             <a:r>
-              <a:rPr lang="en-GB" b="1" dirty="0" smtClean="0"/>
+              <a:rPr lang="en-GB" b="1" dirty="0"/>
               <a:t>Key Q: </a:t>
             </a:r>
             <a:r>
-              <a:rPr lang="en-GB" dirty="0" smtClean="0"/>
+              <a:rPr lang="en-GB" dirty="0"/>
               <a:t>Do the mean scores on the dependent variable differ between groups?</a:t>
             </a:r>
           </a:p>
           <a:p>
             <a:pPr lvl="1"/>
             <a:r>
-              <a:rPr lang="en-GB" dirty="0" smtClean="0"/>
+              <a:rPr lang="en-GB" dirty="0"/>
               <a:t>e.g., Do mood scores differ between the three aesthetic value groups?</a:t>
             </a:r>
           </a:p>
           <a:p>
-            <a:endParaRPr lang="en-GB" dirty="0" smtClean="0"/>
+            <a:endParaRPr lang="en-GB" dirty="0"/>
           </a:p>
           <a:p>
             <a:endParaRPr lang="en-GB" dirty="0"/>
@@ -12198,7 +11835,7 @@
           <a:lstStyle/>
           <a:p>
             <a:r>
-              <a:rPr lang="en-GB" b="1" dirty="0" smtClean="0"/>
+              <a:rPr lang="en-GB" b="1" dirty="0"/>
               <a:t>Inspect</a:t>
             </a:r>
           </a:p>
@@ -12208,7 +11845,7 @@
               <a:buChar char="•"/>
             </a:pPr>
             <a:r>
-              <a:rPr lang="en-GB" dirty="0" smtClean="0"/>
+              <a:rPr lang="en-GB" dirty="0"/>
               <a:t>Scores approximately normal in each group</a:t>
             </a:r>
           </a:p>
@@ -12218,20 +11855,20 @@
               <a:buChar char="•"/>
             </a:pPr>
             <a:r>
-              <a:rPr lang="en-GB" dirty="0" smtClean="0"/>
+              <a:rPr lang="en-GB" dirty="0"/>
               <a:t>Spread of scores (variance) approximately equal</a:t>
             </a:r>
             <a:br>
-              <a:rPr lang="en-GB" dirty="0" smtClean="0"/>
+              <a:rPr lang="en-GB" dirty="0"/>
             </a:br>
             <a:r>
-              <a:rPr lang="en-GB" dirty="0" smtClean="0"/>
+              <a:rPr lang="en-GB" dirty="0"/>
               <a:t>(homogeneity of variance)</a:t>
             </a:r>
           </a:p>
           <a:p>
             <a:r>
-              <a:rPr lang="en-GB" dirty="0" smtClean="0"/>
+              <a:rPr lang="en-GB" dirty="0"/>
               <a:t>[</a:t>
             </a:r>
             <a:r>
@@ -12240,40 +11877,11 @@
                   <a:schemeClr val="tx2"/>
                 </a:solidFill>
               </a:rPr>
-              <a:t>In practice, ANOVA </a:t>
-            </a:r>
-            <a:r>
-              <a:rPr lang="en-GB" dirty="0" smtClean="0">
-                <a:solidFill>
-                  <a:schemeClr val="tx2"/>
-                </a:solidFill>
-              </a:rPr>
-              <a:t>is reasonably </a:t>
-            </a:r>
-            <a:r>
-              <a:rPr lang="en-GB" dirty="0">
-                <a:solidFill>
-                  <a:schemeClr val="tx2"/>
-                </a:solidFill>
-              </a:rPr>
-              <a:t>robust against violations of these </a:t>
-            </a:r>
-            <a:r>
-              <a:rPr lang="en-GB" dirty="0" smtClean="0">
-                <a:solidFill>
-                  <a:schemeClr val="tx2"/>
-                </a:solidFill>
-              </a:rPr>
-              <a:t>assumptions]</a:t>
-            </a:r>
-            <a:endParaRPr lang="en-GB" dirty="0">
-              <a:solidFill>
-                <a:schemeClr val="tx2"/>
-              </a:solidFill>
-            </a:endParaRPr>
-          </a:p>
-          <a:p>
-            <a:endParaRPr lang="en-GB" dirty="0" smtClean="0"/>
+              <a:t>In practice, ANOVA is reasonably robust against violations of these assumptions]</a:t>
+            </a:r>
+          </a:p>
+          <a:p>
+            <a:endParaRPr lang="en-GB" dirty="0"/>
           </a:p>
         </p:txBody>
       </p:sp>
@@ -12304,13 +11912,13 @@
           <a:lstStyle/>
           <a:p>
             <a:r>
-              <a:rPr lang="en-GB" sz="2000" dirty="0" err="1" smtClean="0">
+              <a:rPr lang="en-GB" sz="2000" dirty="0" err="1">
                 <a:latin typeface="Lucida Console" panose="020B0609040504020204" pitchFamily="49" charset="0"/>
               </a:rPr>
               <a:t>geom_histogram</a:t>
             </a:r>
             <a:r>
-              <a:rPr lang="en-GB" sz="2000" dirty="0" smtClean="0">
+              <a:rPr lang="en-GB" sz="2000" dirty="0">
                 <a:latin typeface="Lucida Console" panose="020B0609040504020204" pitchFamily="49" charset="0"/>
               </a:rPr>
               <a:t>()</a:t>
@@ -12344,18 +11952,13 @@
           <a:lstStyle/>
           <a:p>
             <a:r>
-              <a:rPr lang="en-GB" sz="2400" b="1" dirty="0" smtClean="0">
+              <a:rPr lang="en-GB" sz="2400" b="1" dirty="0">
                 <a:solidFill>
                   <a:schemeClr val="tx2"/>
                 </a:solidFill>
               </a:rPr>
               <a:t>Distribution of scores</a:t>
             </a:r>
-            <a:endParaRPr lang="en-GB" sz="2400" b="1" dirty="0">
-              <a:solidFill>
-                <a:schemeClr val="tx2"/>
-              </a:solidFill>
-            </a:endParaRPr>
           </a:p>
         </p:txBody>
       </p:sp>
@@ -12559,20 +12162,17 @@
           <a:lstStyle/>
           <a:p>
             <a:r>
-              <a:rPr lang="en-GB" sz="2000" dirty="0" err="1" smtClean="0">
+              <a:rPr lang="en-GB" sz="2000" dirty="0" err="1">
                 <a:latin typeface="Lucida Console" panose="020B0609040504020204" pitchFamily="49" charset="0"/>
               </a:rPr>
               <a:t>ggerrorplot</a:t>
             </a:r>
             <a:r>
-              <a:rPr lang="en-GB" sz="2000" dirty="0" smtClean="0">
+              <a:rPr lang="en-GB" sz="2000" dirty="0">
                 <a:latin typeface="Lucida Console" panose="020B0609040504020204" pitchFamily="49" charset="0"/>
               </a:rPr>
               <a:t>()</a:t>
             </a:r>
-            <a:endParaRPr lang="en-GB" sz="2000" dirty="0">
-              <a:latin typeface="Lucida Console" panose="020B0609040504020204" pitchFamily="49" charset="0"/>
-            </a:endParaRPr>
           </a:p>
         </p:txBody>
       </p:sp>
@@ -12599,26 +12199,22 @@
           <a:lstStyle/>
           <a:p>
             <a:r>
-              <a:rPr lang="en-GB" dirty="0" smtClean="0"/>
+              <a:rPr lang="en-GB" dirty="0"/>
               <a:t>In </a:t>
             </a:r>
             <a:r>
-              <a:rPr lang="en-GB" dirty="0" err="1" smtClean="0">
+              <a:rPr lang="en-GB" dirty="0" err="1">
                 <a:latin typeface="Lucida Console" panose="020B0609040504020204" pitchFamily="49" charset="0"/>
               </a:rPr>
               <a:t>ggpubr</a:t>
             </a:r>
             <a:r>
-              <a:rPr lang="en-GB" dirty="0" smtClean="0">
+              <a:rPr lang="en-GB" dirty="0">
                 <a:latin typeface="Arial" panose="020B0604020202020204" pitchFamily="34" charset="0"/>
                 <a:cs typeface="Arial" panose="020B0604020202020204" pitchFamily="34" charset="0"/>
               </a:rPr>
               <a:t> package</a:t>
             </a:r>
-            <a:endParaRPr lang="en-GB" dirty="0">
-              <a:latin typeface="Arial" panose="020B0604020202020204" pitchFamily="34" charset="0"/>
-              <a:cs typeface="Arial" panose="020B0604020202020204" pitchFamily="34" charset="0"/>
-            </a:endParaRPr>
           </a:p>
         </p:txBody>
       </p:sp>
@@ -12647,10 +12243,9 @@
           <a:lstStyle/>
           <a:p>
             <a:r>
-              <a:rPr lang="en-GB" dirty="0" smtClean="0"/>
+              <a:rPr lang="en-GB" dirty="0"/>
               <a:t>Mean change in mood score</a:t>
             </a:r>
-            <a:endParaRPr lang="en-GB" dirty="0"/>
           </a:p>
         </p:txBody>
       </p:sp>
@@ -12677,10 +12272,9 @@
           <a:lstStyle/>
           <a:p>
             <a:r>
-              <a:rPr lang="en-GB" dirty="0" smtClean="0"/>
+              <a:rPr lang="en-GB" dirty="0"/>
               <a:t>Look at ordering of the means</a:t>
             </a:r>
-            <a:endParaRPr lang="en-GB" dirty="0"/>
           </a:p>
         </p:txBody>
       </p:sp>
@@ -12707,7 +12301,7 @@
           <a:lstStyle/>
           <a:p>
             <a:r>
-              <a:rPr lang="en-GB" dirty="0" smtClean="0"/>
+              <a:rPr lang="en-GB" dirty="0"/>
               <a:t>Bars indicate standard error of the mean</a:t>
             </a:r>
           </a:p>
@@ -12736,18 +12330,13 @@
           <a:lstStyle/>
           <a:p>
             <a:r>
-              <a:rPr lang="en-GB" sz="2400" b="1" dirty="0" smtClean="0">
+              <a:rPr lang="en-GB" sz="2400" b="1" dirty="0">
                 <a:solidFill>
                   <a:schemeClr val="tx2"/>
                 </a:solidFill>
               </a:rPr>
               <a:t>Plot the means</a:t>
             </a:r>
-            <a:endParaRPr lang="en-GB" sz="2400" b="1" dirty="0">
-              <a:solidFill>
-                <a:schemeClr val="tx2"/>
-              </a:solidFill>
-            </a:endParaRPr>
           </a:p>
         </p:txBody>
       </p:sp>
@@ -12761,13 +12350,6 @@
   <p:clrMapOvr>
     <a:masterClrMapping/>
   </p:clrMapOvr>
-  <p:timing>
-    <p:tnLst>
-      <p:par>
-        <p:cTn id="1" dur="indefinite" restart="never" nodeType="tmRoot"/>
-      </p:par>
-    </p:tnLst>
-  </p:timing>
 </p:sld>
 </file>
 
@@ -12809,10 +12391,9 @@
           <a:lstStyle/>
           <a:p>
             <a:r>
-              <a:rPr lang="en-GB" dirty="0" smtClean="0"/>
+              <a:rPr lang="en-GB" dirty="0"/>
               <a:t>ANOVA: Bayes factor</a:t>
             </a:r>
-            <a:endParaRPr lang="en-GB" dirty="0"/>
           </a:p>
         </p:txBody>
       </p:sp>
@@ -12840,61 +12421,13 @@
           <a:p>
             <a:r>
               <a:rPr lang="en-GB" dirty="0"/>
-              <a:t>The Bayes </a:t>
-            </a:r>
-            <a:r>
-              <a:rPr lang="en-GB" dirty="0" smtClean="0"/>
-              <a:t>factor </a:t>
-            </a:r>
+              <a:t>The Bayes factor tells us whether there’s evidence that the means of our groups differ or not.</a:t>
+            </a:r>
+          </a:p>
+          <a:p>
             <a:r>
               <a:rPr lang="en-GB" dirty="0"/>
-              <a:t>tells us whether </a:t>
-            </a:r>
-            <a:r>
-              <a:rPr lang="en-GB" dirty="0" smtClean="0"/>
-              <a:t>there’s evidence that the </a:t>
-            </a:r>
-            <a:r>
-              <a:rPr lang="en-GB" dirty="0"/>
-              <a:t>means </a:t>
-            </a:r>
-            <a:r>
-              <a:rPr lang="en-GB" dirty="0" smtClean="0"/>
-              <a:t>of our groups differ </a:t>
-            </a:r>
-            <a:r>
-              <a:rPr lang="en-GB" dirty="0"/>
-              <a:t>or not</a:t>
-            </a:r>
-            <a:r>
-              <a:rPr lang="en-GB" dirty="0" smtClean="0"/>
-              <a:t>.</a:t>
-            </a:r>
-          </a:p>
-          <a:p>
-            <a:r>
-              <a:rPr lang="en-GB" dirty="0" smtClean="0"/>
-              <a:t>The BF is how much more likely the model </a:t>
-            </a:r>
-            <a:r>
-              <a:rPr lang="en-GB" dirty="0"/>
-              <a:t>with group means </a:t>
-            </a:r>
-            <a:r>
-              <a:rPr lang="en-GB" dirty="0" smtClean="0"/>
-              <a:t>is, relative to the intercept only model (</a:t>
-            </a:r>
-            <a:r>
-              <a:rPr lang="en-GB" dirty="0"/>
-              <a:t>a model with one </a:t>
-            </a:r>
-            <a:r>
-              <a:rPr lang="en-GB" dirty="0" smtClean="0"/>
-              <a:t>grand mean), </a:t>
-            </a:r>
-            <a:r>
-              <a:rPr lang="en-GB" dirty="0"/>
-              <a:t>given the data.</a:t>
+              <a:t>The BF is how much more likely the model with group means is, relative to the intercept only model (a model with one grand mean), given the data.</a:t>
             </a:r>
           </a:p>
           <a:p>
@@ -13276,20 +12809,19 @@
           <a:lstStyle/>
           <a:p>
             <a:r>
-              <a:rPr lang="en-GB" sz="1300" dirty="0" smtClean="0"/>
+              <a:rPr lang="en-GB" sz="1300" dirty="0"/>
               <a:t>Grand mean = </a:t>
             </a:r>
           </a:p>
           <a:p>
             <a:r>
-              <a:rPr lang="en-GB" sz="1300" dirty="0" smtClean="0"/>
+              <a:rPr lang="en-GB" sz="1300" dirty="0"/>
               <a:t>Mean score (ignoring group</a:t>
             </a:r>
             <a:r>
-              <a:rPr lang="en-GB" sz="1200" dirty="0" smtClean="0"/>
+              <a:rPr lang="en-GB" sz="1200" dirty="0"/>
               <a:t>)</a:t>
             </a:r>
-            <a:endParaRPr lang="en-GB" sz="1200" dirty="0"/>
           </a:p>
         </p:txBody>
       </p:sp>
@@ -13316,10 +12848,9 @@
           <a:lstStyle/>
           <a:p>
             <a:r>
-              <a:rPr lang="en-GB" dirty="0" smtClean="0"/>
+              <a:rPr lang="en-GB" dirty="0"/>
               <a:t>vs.</a:t>
             </a:r>
-            <a:endParaRPr lang="en-GB" dirty="0"/>
           </a:p>
         </p:txBody>
       </p:sp>
@@ -13346,18 +12877,13 @@
           <a:lstStyle/>
           <a:p>
             <a:r>
-              <a:rPr lang="en-GB" dirty="0" smtClean="0">
+              <a:rPr lang="en-GB" dirty="0">
                 <a:solidFill>
                   <a:schemeClr val="tx2"/>
                 </a:solidFill>
               </a:rPr>
               <a:t>Model with group means</a:t>
             </a:r>
-            <a:endParaRPr lang="en-GB" dirty="0">
-              <a:solidFill>
-                <a:schemeClr val="tx2"/>
-              </a:solidFill>
-            </a:endParaRPr>
           </a:p>
         </p:txBody>
       </p:sp>
@@ -13384,18 +12910,13 @@
           <a:lstStyle/>
           <a:p>
             <a:r>
-              <a:rPr lang="en-GB" dirty="0" smtClean="0">
+              <a:rPr lang="en-GB" dirty="0">
                 <a:solidFill>
                   <a:schemeClr val="tx2"/>
                 </a:solidFill>
               </a:rPr>
               <a:t>Intercept only model</a:t>
             </a:r>
-            <a:endParaRPr lang="en-GB" dirty="0">
-              <a:solidFill>
-                <a:schemeClr val="tx2"/>
-              </a:solidFill>
-            </a:endParaRPr>
           </a:p>
         </p:txBody>
       </p:sp>
@@ -13912,7 +13433,7 @@
               <a:tabLst/>
             </a:pPr>
             <a:r>
-              <a:rPr lang="en-US" altLang="en-US" sz="2000" b="0" dirty="0" err="1" smtClean="0">
+              <a:rPr lang="en-US" altLang="en-US" sz="2000" b="0" dirty="0" err="1">
                 <a:solidFill>
                   <a:srgbClr val="06287E"/>
                 </a:solidFill>
@@ -13921,7 +13442,7 @@
               <a:t>anova</a:t>
             </a:r>
             <a:r>
-              <a:rPr kumimoji="0" lang="en-US" altLang="en-US" sz="2000" b="0" i="0" u="none" strike="noStrike" cap="none" normalizeH="0" baseline="0" dirty="0" err="1" smtClean="0">
+              <a:rPr kumimoji="0" lang="en-US" altLang="en-US" sz="2000" b="0" i="0" u="none" strike="noStrike" cap="none" normalizeH="0" baseline="0" dirty="0" err="1">
                 <a:ln>
                   <a:noFill/>
                 </a:ln>
@@ -13934,7 +13455,7 @@
               <a:t>BF</a:t>
             </a:r>
             <a:r>
-              <a:rPr kumimoji="0" lang="en-US" altLang="en-US" sz="2000" b="0" i="0" u="none" strike="noStrike" cap="none" normalizeH="0" baseline="0" dirty="0" smtClean="0">
+              <a:rPr kumimoji="0" lang="en-US" altLang="en-US" sz="2000" b="0" i="0" u="none" strike="noStrike" cap="none" normalizeH="0" baseline="0" dirty="0">
                 <a:ln>
                   <a:noFill/>
                 </a:ln>
@@ -13947,7 +13468,7 @@
               <a:t>(score </a:t>
             </a:r>
             <a:r>
-              <a:rPr kumimoji="0" lang="en-US" altLang="en-US" sz="2000" b="0" i="0" u="none" strike="noStrike" cap="none" normalizeH="0" baseline="0" dirty="0" smtClean="0">
+              <a:rPr kumimoji="0" lang="en-US" altLang="en-US" sz="2000" b="0" i="0" u="none" strike="noStrike" cap="none" normalizeH="0" baseline="0" dirty="0">
                 <a:ln>
                   <a:noFill/>
                 </a:ln>
@@ -13960,7 +13481,7 @@
               <a:t>~</a:t>
             </a:r>
             <a:r>
-              <a:rPr kumimoji="0" lang="en-US" altLang="en-US" sz="2000" b="0" i="0" u="none" strike="noStrike" cap="none" normalizeH="0" baseline="0" dirty="0" smtClean="0">
+              <a:rPr kumimoji="0" lang="en-US" altLang="en-US" sz="2000" b="0" i="0" u="none" strike="noStrike" cap="none" normalizeH="0" baseline="0" dirty="0">
                 <a:ln>
                   <a:noFill/>
                 </a:ln>
@@ -13973,7 +13494,7 @@
               <a:t> group, </a:t>
             </a:r>
             <a:r>
-              <a:rPr kumimoji="0" lang="en-US" altLang="en-US" sz="2000" b="0" i="0" u="none" strike="noStrike" cap="none" normalizeH="0" baseline="0" dirty="0" smtClean="0">
+              <a:rPr kumimoji="0" lang="en-US" altLang="en-US" sz="2000" b="0" i="0" u="none" strike="noStrike" cap="none" normalizeH="0" baseline="0" dirty="0">
                 <a:ln>
                   <a:noFill/>
                 </a:ln>
@@ -13986,7 +13507,7 @@
               <a:t>data =</a:t>
             </a:r>
             <a:r>
-              <a:rPr kumimoji="0" lang="en-US" altLang="en-US" sz="2000" b="0" i="0" u="none" strike="noStrike" cap="none" normalizeH="0" baseline="0" dirty="0" smtClean="0">
+              <a:rPr kumimoji="0" lang="en-US" altLang="en-US" sz="2000" b="0" i="0" u="none" strike="noStrike" cap="none" normalizeH="0" baseline="0" dirty="0">
                 <a:ln>
                   <a:noFill/>
                 </a:ln>
@@ -13999,7 +13520,7 @@
               <a:t> </a:t>
             </a:r>
             <a:r>
-              <a:rPr kumimoji="0" lang="en-US" altLang="en-US" sz="2000" b="0" i="0" u="none" strike="noStrike" cap="none" normalizeH="0" baseline="0" dirty="0" err="1" smtClean="0">
+              <a:rPr kumimoji="0" lang="en-US" altLang="en-US" sz="2000" b="0" i="0" u="none" strike="noStrike" cap="none" normalizeH="0" baseline="0" dirty="0" err="1">
                 <a:ln>
                   <a:noFill/>
                 </a:ln>
@@ -14012,7 +13533,7 @@
               <a:t>data.frame</a:t>
             </a:r>
             <a:r>
-              <a:rPr kumimoji="0" lang="en-US" altLang="en-US" sz="2000" b="0" i="0" u="none" strike="noStrike" cap="none" normalizeH="0" baseline="0" dirty="0" smtClean="0">
+              <a:rPr kumimoji="0" lang="en-US" altLang="en-US" sz="2000" b="0" i="0" u="none" strike="noStrike" cap="none" normalizeH="0" baseline="0" dirty="0">
                 <a:ln>
                   <a:noFill/>
                 </a:ln>
@@ -14025,7 +13546,7 @@
               <a:t>(</a:t>
             </a:r>
             <a:r>
-              <a:rPr kumimoji="0" lang="en-US" altLang="en-US" sz="2000" b="0" i="0" u="none" strike="noStrike" cap="none" normalizeH="0" baseline="0" dirty="0" err="1" smtClean="0">
+              <a:rPr kumimoji="0" lang="en-US" altLang="en-US" sz="2000" b="0" i="0" u="none" strike="noStrike" cap="none" normalizeH="0" baseline="0" dirty="0" err="1">
                 <a:ln>
                   <a:noFill/>
                 </a:ln>
@@ -14038,7 +13559,7 @@
               <a:t>affect_data</a:t>
             </a:r>
             <a:r>
-              <a:rPr kumimoji="0" lang="en-US" altLang="en-US" sz="2000" b="0" i="0" u="none" strike="noStrike" cap="none" normalizeH="0" baseline="0" dirty="0" smtClean="0">
+              <a:rPr kumimoji="0" lang="en-US" altLang="en-US" sz="2000" b="0" i="0" u="none" strike="noStrike" cap="none" normalizeH="0" baseline="0" dirty="0">
                 <a:ln>
                   <a:noFill/>
                 </a:ln>
@@ -14051,7 +13572,7 @@
               <a:t>))</a:t>
             </a:r>
             <a:r>
-              <a:rPr kumimoji="0" lang="en-US" altLang="en-US" sz="900" b="0" i="0" u="none" strike="noStrike" cap="none" normalizeH="0" baseline="0" dirty="0" smtClean="0">
+              <a:rPr kumimoji="0" lang="en-US" altLang="en-US" sz="900" b="0" i="0" u="none" strike="noStrike" cap="none" normalizeH="0" baseline="0" dirty="0">
                 <a:ln>
                   <a:noFill/>
                 </a:ln>
@@ -14062,7 +13583,7 @@
               </a:rPr>
               <a:t> </a:t>
             </a:r>
-            <a:endParaRPr kumimoji="0" lang="en-US" altLang="en-US" sz="900" b="0" i="0" u="none" strike="noStrike" cap="none" normalizeH="0" baseline="0" dirty="0" smtClean="0">
+            <a:endParaRPr kumimoji="0" lang="en-US" altLang="en-US" sz="900" b="0" i="0" u="none" strike="noStrike" cap="none" normalizeH="0" baseline="0" dirty="0">
               <a:ln>
                 <a:noFill/>
               </a:ln>
@@ -14148,7 +13669,7 @@
               <a:tabLst/>
             </a:pPr>
             <a:r>
-              <a:rPr kumimoji="0" lang="en-US" altLang="en-US" sz="2000" b="0" i="0" u="none" strike="noStrike" cap="none" normalizeH="0" baseline="0" dirty="0" smtClean="0">
+              <a:rPr kumimoji="0" lang="en-US" altLang="en-US" sz="2000" b="0" i="0" u="none" strike="noStrike" cap="none" normalizeH="0" baseline="0" dirty="0">
                 <a:ln>
                   <a:noFill/>
                 </a:ln>
@@ -14179,7 +13700,7 @@
               <a:tabLst/>
             </a:pPr>
             <a:r>
-              <a:rPr kumimoji="0" lang="en-US" altLang="en-US" sz="2000" b="0" i="0" u="none" strike="noStrike" cap="none" normalizeH="0" baseline="0" dirty="0" smtClean="0">
+              <a:rPr kumimoji="0" lang="en-US" altLang="en-US" sz="2000" b="0" i="0" u="none" strike="noStrike" cap="none" normalizeH="0" baseline="0" dirty="0">
                 <a:ln>
                   <a:noFill/>
                 </a:ln>
@@ -14210,7 +13731,7 @@
               <a:tabLst/>
             </a:pPr>
             <a:r>
-              <a:rPr kumimoji="0" lang="en-US" altLang="en-US" sz="2000" b="0" i="0" u="none" strike="noStrike" cap="none" normalizeH="0" baseline="0" dirty="0" smtClean="0">
+              <a:rPr kumimoji="0" lang="en-US" altLang="en-US" sz="2000" b="0" i="0" u="none" strike="noStrike" cap="none" normalizeH="0" baseline="0" dirty="0">
                 <a:ln>
                   <a:noFill/>
                 </a:ln>
@@ -14241,7 +13762,7 @@
               <a:tabLst/>
             </a:pPr>
             <a:r>
-              <a:rPr kumimoji="0" lang="en-US" altLang="en-US" sz="2000" b="0" i="0" u="none" strike="noStrike" cap="none" normalizeH="0" baseline="0" dirty="0" smtClean="0">
+              <a:rPr kumimoji="0" lang="en-US" altLang="en-US" sz="2000" b="0" i="0" u="none" strike="noStrike" cap="none" normalizeH="0" baseline="0" dirty="0">
                 <a:ln>
                   <a:noFill/>
                 </a:ln>
@@ -14272,7 +13793,7 @@
               <a:tabLst/>
             </a:pPr>
             <a:r>
-              <a:rPr kumimoji="0" lang="en-US" altLang="en-US" sz="2000" b="0" i="0" u="none" strike="noStrike" cap="none" normalizeH="0" baseline="0" dirty="0" smtClean="0">
+              <a:rPr kumimoji="0" lang="en-US" altLang="en-US" sz="2000" b="0" i="0" u="none" strike="noStrike" cap="none" normalizeH="0" baseline="0" dirty="0">
                 <a:ln>
                   <a:noFill/>
                 </a:ln>
@@ -14303,7 +13824,7 @@
               <a:tabLst/>
             </a:pPr>
             <a:r>
-              <a:rPr kumimoji="0" lang="en-US" altLang="en-US" sz="2000" b="0" i="0" u="none" strike="noStrike" cap="none" normalizeH="0" baseline="0" dirty="0" smtClean="0">
+              <a:rPr kumimoji="0" lang="en-US" altLang="en-US" sz="2000" b="0" i="0" u="none" strike="noStrike" cap="none" normalizeH="0" baseline="0" dirty="0">
                 <a:ln>
                   <a:noFill/>
                 </a:ln>
@@ -14334,7 +13855,7 @@
               <a:tabLst/>
             </a:pPr>
             <a:r>
-              <a:rPr kumimoji="0" lang="en-US" altLang="en-US" sz="2000" b="0" i="0" u="none" strike="noStrike" cap="none" normalizeH="0" baseline="0" dirty="0" smtClean="0">
+              <a:rPr kumimoji="0" lang="en-US" altLang="en-US" sz="2000" b="0" i="0" u="none" strike="noStrike" cap="none" normalizeH="0" baseline="0" dirty="0">
                 <a:ln>
                   <a:noFill/>
                 </a:ln>
@@ -14365,7 +13886,7 @@
               <a:tabLst/>
             </a:pPr>
             <a:r>
-              <a:rPr kumimoji="0" lang="en-US" altLang="en-US" sz="2000" b="0" i="0" u="none" strike="noStrike" cap="none" normalizeH="0" baseline="0" dirty="0" smtClean="0">
+              <a:rPr kumimoji="0" lang="en-US" altLang="en-US" sz="2000" b="0" i="0" u="none" strike="noStrike" cap="none" normalizeH="0" baseline="0" dirty="0">
                 <a:ln>
                   <a:noFill/>
                 </a:ln>
@@ -14378,7 +13899,7 @@
               <a:t>## Bayes factor type: </a:t>
             </a:r>
             <a:r>
-              <a:rPr kumimoji="0" lang="en-US" altLang="en-US" sz="2000" b="0" i="0" u="none" strike="noStrike" cap="none" normalizeH="0" baseline="0" dirty="0" err="1" smtClean="0">
+              <a:rPr kumimoji="0" lang="en-US" altLang="en-US" sz="2000" b="0" i="0" u="none" strike="noStrike" cap="none" normalizeH="0" baseline="0" dirty="0" err="1">
                 <a:ln>
                   <a:noFill/>
                 </a:ln>
@@ -14391,7 +13912,7 @@
               <a:t>BFlinearModel</a:t>
             </a:r>
             <a:r>
-              <a:rPr kumimoji="0" lang="en-US" altLang="en-US" sz="2000" b="0" i="0" u="none" strike="noStrike" cap="none" normalizeH="0" baseline="0" dirty="0" smtClean="0">
+              <a:rPr kumimoji="0" lang="en-US" altLang="en-US" sz="2000" b="0" i="0" u="none" strike="noStrike" cap="none" normalizeH="0" baseline="0" dirty="0">
                 <a:ln>
                   <a:noFill/>
                 </a:ln>
@@ -14404,7 +13925,7 @@
               <a:t>, JZS</a:t>
             </a:r>
             <a:r>
-              <a:rPr kumimoji="0" lang="en-US" altLang="en-US" sz="100" b="0" i="0" u="none" strike="noStrike" cap="none" normalizeH="0" baseline="0" dirty="0" smtClean="0">
+              <a:rPr kumimoji="0" lang="en-US" altLang="en-US" sz="100" b="0" i="0" u="none" strike="noStrike" cap="none" normalizeH="0" baseline="0" dirty="0">
                 <a:ln>
                   <a:noFill/>
                 </a:ln>
@@ -14415,7 +13936,7 @@
               </a:rPr>
               <a:t> </a:t>
             </a:r>
-            <a:endParaRPr kumimoji="0" lang="en-US" altLang="en-US" sz="100" b="0" i="0" u="none" strike="noStrike" cap="none" normalizeH="0" baseline="0" dirty="0" smtClean="0">
+            <a:endParaRPr kumimoji="0" lang="en-US" altLang="en-US" sz="100" b="0" i="0" u="none" strike="noStrike" cap="none" normalizeH="0" baseline="0" dirty="0">
               <a:ln>
                 <a:noFill/>
               </a:ln>
@@ -14451,10 +13972,9 @@
           <a:lstStyle/>
           <a:p>
             <a:r>
-              <a:rPr lang="en-GB" sz="2000" dirty="0" smtClean="0"/>
+              <a:rPr lang="en-GB" sz="2000" dirty="0"/>
               <a:t>It’s over 66 times more likely that there is a difference between the means than no difference.</a:t>
             </a:r>
-            <a:endParaRPr lang="en-GB" sz="2000" dirty="0"/>
           </a:p>
         </p:txBody>
       </p:sp>
@@ -15022,10 +14542,9 @@
           <a:lstStyle/>
           <a:p>
             <a:r>
-              <a:rPr lang="en-GB" dirty="0" smtClean="0"/>
+              <a:rPr lang="en-GB" dirty="0"/>
               <a:t>Coding categorical variables</a:t>
             </a:r>
-            <a:endParaRPr lang="en-GB" dirty="0"/>
           </a:p>
         </p:txBody>
       </p:sp>
@@ -15055,12 +14574,8 @@
               <a:buSzPct val="100000"/>
             </a:pPr>
             <a:r>
-              <a:rPr lang="en-US" altLang="en-US" dirty="0" smtClean="0"/>
-              <a:t>It </a:t>
-            </a:r>
-            <a:r>
               <a:rPr lang="en-US" altLang="en-US" dirty="0"/>
-              <a:t>would be </a:t>
+              <a:t>It would be </a:t>
             </a:r>
             <a:r>
               <a:rPr lang="en-US" altLang="en-US" dirty="0">
@@ -15072,37 +14587,8 @@
             </a:r>
             <a:r>
               <a:rPr lang="en-US" altLang="en-US" dirty="0"/>
-              <a:t> to </a:t>
-            </a:r>
-            <a:r>
-              <a:rPr lang="en-US" altLang="en-US" dirty="0" smtClean="0"/>
-              <a:t>simply enter </a:t>
-            </a:r>
-            <a:r>
-              <a:rPr lang="en-US" altLang="en-US" dirty="0"/>
-              <a:t>one column with codes, 0, 1, 2 (or 1, 2, 3</a:t>
-            </a:r>
-            <a:r>
-              <a:rPr lang="en-US" altLang="en-US" dirty="0" smtClean="0"/>
-              <a:t>) to the model. </a:t>
-            </a:r>
-            <a:r>
-              <a:rPr lang="en-US" altLang="en-US" dirty="0"/>
-              <a:t>The regression </a:t>
-            </a:r>
-            <a:r>
-              <a:rPr lang="en-US" altLang="en-US" dirty="0" smtClean="0"/>
-              <a:t>would </a:t>
-            </a:r>
-            <a:r>
-              <a:rPr lang="en-US" altLang="en-US" dirty="0"/>
-              <a:t>treat </a:t>
-            </a:r>
-            <a:r>
-              <a:rPr lang="en-US" altLang="en-US" dirty="0" smtClean="0"/>
-              <a:t>this as being continuous.</a:t>
-            </a:r>
-            <a:endParaRPr lang="en-US" altLang="en-US" dirty="0"/>
+              <a:t> to simply enter one column with codes, 0, 1, 2 (or 1, 2, 3) to the model. The regression would treat this as being continuous.</a:t>
+            </a:r>
           </a:p>
           <a:p>
             <a:r>
@@ -15120,33 +14606,29 @@
           </a:p>
           <a:p>
             <a:r>
-              <a:rPr lang="en-GB" dirty="0" smtClean="0"/>
+              <a:rPr lang="en-GB" dirty="0"/>
               <a:t>N – 1 columns are required to code N categories</a:t>
             </a:r>
           </a:p>
           <a:p>
             <a:r>
               <a:rPr lang="en-GB" dirty="0"/>
-              <a:t>In dummy coding</a:t>
-            </a:r>
-            <a:r>
-              <a:rPr lang="en-GB" dirty="0" smtClean="0"/>
-              <a:t>, one group is coded with zeros, and the others 0s and 1s</a:t>
-            </a:r>
-          </a:p>
-          <a:p>
-            <a:r>
-              <a:rPr lang="en-GB" dirty="0" smtClean="0"/>
+              <a:t>In dummy coding, one group is coded with zeros, and the others 0s and 1s</a:t>
+            </a:r>
+          </a:p>
+          <a:p>
+            <a:r>
+              <a:rPr lang="en-GB" dirty="0"/>
               <a:t>If the variable is first converted with </a:t>
             </a:r>
             <a:r>
-              <a:rPr lang="en-GB" sz="2200" dirty="0" smtClean="0">
+              <a:rPr lang="en-GB" sz="2200" dirty="0">
                 <a:latin typeface="Lucida Console" panose="020B0609040504020204" pitchFamily="49" charset="0"/>
               </a:rPr>
               <a:t>factor()</a:t>
             </a:r>
             <a:r>
-              <a:rPr lang="en-GB" dirty="0" smtClean="0"/>
+              <a:rPr lang="en-GB" dirty="0"/>
               <a:t>, R automatically creates coded variables behind the scenes</a:t>
             </a:r>
           </a:p>
@@ -15240,10 +14722,9 @@
                     <a:lstStyle/>
                     <a:p>
                       <a:r>
-                        <a:rPr lang="en-GB" dirty="0" smtClean="0"/>
+                        <a:rPr lang="en-GB" dirty="0"/>
                         <a:t>Dummy variable 1</a:t>
                       </a:r>
-                      <a:endParaRPr lang="en-GB" dirty="0"/>
                     </a:p>
                   </a:txBody>
                   <a:tcPr/>
@@ -15254,10 +14735,9 @@
                     <a:lstStyle/>
                     <a:p>
                       <a:r>
-                        <a:rPr lang="en-GB" dirty="0" smtClean="0"/>
+                        <a:rPr lang="en-GB" dirty="0"/>
                         <a:t>Dummy variable 2</a:t>
                       </a:r>
-                      <a:endParaRPr lang="en-GB" dirty="0"/>
                     </a:p>
                   </a:txBody>
                   <a:tcPr/>
@@ -15275,10 +14755,9 @@
                     <a:lstStyle/>
                     <a:p>
                       <a:r>
-                        <a:rPr lang="en-GB" dirty="0" smtClean="0"/>
+                        <a:rPr lang="en-GB" dirty="0"/>
                         <a:t>Group 1</a:t>
                       </a:r>
-                      <a:endParaRPr lang="en-GB" dirty="0"/>
                     </a:p>
                   </a:txBody>
                   <a:tcPr/>
@@ -15290,10 +14769,9 @@
                     <a:p>
                       <a:pPr algn="ctr"/>
                       <a:r>
-                        <a:rPr lang="en-GB" dirty="0" smtClean="0"/>
+                        <a:rPr lang="en-GB" dirty="0"/>
                         <a:t>0</a:t>
                       </a:r>
-                      <a:endParaRPr lang="en-GB" dirty="0"/>
                     </a:p>
                   </a:txBody>
                   <a:tcPr/>
@@ -15305,10 +14783,9 @@
                     <a:p>
                       <a:pPr algn="ctr"/>
                       <a:r>
-                        <a:rPr lang="en-GB" dirty="0" smtClean="0"/>
+                        <a:rPr lang="en-GB" dirty="0"/>
                         <a:t>0</a:t>
                       </a:r>
-                      <a:endParaRPr lang="en-GB" dirty="0"/>
                     </a:p>
                   </a:txBody>
                   <a:tcPr/>
@@ -15326,10 +14803,9 @@
                     <a:lstStyle/>
                     <a:p>
                       <a:r>
-                        <a:rPr lang="en-GB" dirty="0" smtClean="0"/>
+                        <a:rPr lang="en-GB" dirty="0"/>
                         <a:t>Group 2</a:t>
                       </a:r>
-                      <a:endParaRPr lang="en-GB" dirty="0"/>
                     </a:p>
                   </a:txBody>
                   <a:tcPr/>
@@ -15341,10 +14817,9 @@
                     <a:p>
                       <a:pPr algn="ctr"/>
                       <a:r>
-                        <a:rPr lang="en-GB" dirty="0" smtClean="0"/>
+                        <a:rPr lang="en-GB" dirty="0"/>
                         <a:t>1</a:t>
                       </a:r>
-                      <a:endParaRPr lang="en-GB" dirty="0"/>
                     </a:p>
                   </a:txBody>
                   <a:tcPr/>
@@ -15356,10 +14831,9 @@
                     <a:p>
                       <a:pPr algn="ctr"/>
                       <a:r>
-                        <a:rPr lang="en-GB" dirty="0" smtClean="0"/>
+                        <a:rPr lang="en-GB" dirty="0"/>
                         <a:t>0</a:t>
                       </a:r>
-                      <a:endParaRPr lang="en-GB" dirty="0"/>
                     </a:p>
                   </a:txBody>
                   <a:tcPr/>
@@ -15377,10 +14851,9 @@
                     <a:lstStyle/>
                     <a:p>
                       <a:r>
-                        <a:rPr lang="en-GB" dirty="0" smtClean="0"/>
+                        <a:rPr lang="en-GB" dirty="0"/>
                         <a:t>Group 3</a:t>
                       </a:r>
-                      <a:endParaRPr lang="en-GB" dirty="0"/>
                     </a:p>
                   </a:txBody>
                   <a:tcPr/>
@@ -15392,10 +14865,9 @@
                     <a:p>
                       <a:pPr algn="ctr"/>
                       <a:r>
-                        <a:rPr lang="en-GB" dirty="0" smtClean="0"/>
+                        <a:rPr lang="en-GB" dirty="0"/>
                         <a:t>0</a:t>
                       </a:r>
-                      <a:endParaRPr lang="en-GB" dirty="0"/>
                     </a:p>
                   </a:txBody>
                   <a:tcPr/>
@@ -15407,10 +14879,9 @@
                     <a:p>
                       <a:pPr algn="ctr"/>
                       <a:r>
-                        <a:rPr lang="en-GB" dirty="0" smtClean="0"/>
+                        <a:rPr lang="en-GB" dirty="0"/>
                         <a:t>1</a:t>
                       </a:r>
-                      <a:endParaRPr lang="en-GB" dirty="0"/>
                     </a:p>
                   </a:txBody>
                   <a:tcPr/>
@@ -15448,10 +14919,9 @@
           <a:lstStyle/>
           <a:p>
             <a:r>
-              <a:rPr lang="en-GB" b="1" dirty="0" smtClean="0"/>
+              <a:rPr lang="en-GB" b="1" dirty="0"/>
               <a:t>Dummy coding of three groups:</a:t>
             </a:r>
-            <a:endParaRPr lang="en-GB" b="1" dirty="0"/>
           </a:p>
         </p:txBody>
       </p:sp>

--- a/docs/slides/PSYC753_L3_ANOVA_1.pptx
+++ b/docs/slides/PSYC753_L3_ANOVA_1.pptx
@@ -5,10 +5,10 @@
     <p:sldMasterId id="2147483648" r:id="rId1"/>
   </p:sldMasterIdLst>
   <p:notesMasterIdLst>
-    <p:notesMasterId r:id="rId22"/>
+    <p:notesMasterId r:id="rId23"/>
   </p:notesMasterIdLst>
   <p:handoutMasterIdLst>
-    <p:handoutMasterId r:id="rId23"/>
+    <p:handoutMasterId r:id="rId24"/>
   </p:handoutMasterIdLst>
   <p:sldIdLst>
     <p:sldId id="257" r:id="rId2"/>
@@ -28,9 +28,10 @@
     <p:sldId id="371" r:id="rId16"/>
     <p:sldId id="372" r:id="rId17"/>
     <p:sldId id="369" r:id="rId18"/>
-    <p:sldId id="373" r:id="rId19"/>
-    <p:sldId id="352" r:id="rId20"/>
-    <p:sldId id="361" r:id="rId21"/>
+    <p:sldId id="375" r:id="rId19"/>
+    <p:sldId id="376" r:id="rId20"/>
+    <p:sldId id="373" r:id="rId21"/>
+    <p:sldId id="361" r:id="rId22"/>
   </p:sldIdLst>
   <p:sldSz cx="12192000" cy="6858000"/>
   <p:notesSz cx="6858000" cy="9945688"/>
@@ -162,6 +163,500 @@
 </p:presentation>
 </file>
 
+<file path=ppt/revisionInfo.xml><?xml version="1.0" encoding="utf-8"?>
+<p1510:revInfo xmlns:a="http://schemas.openxmlformats.org/drawingml/2006/main" xmlns:r="http://schemas.openxmlformats.org/officeDocument/2006/relationships" xmlns:p1510="http://schemas.microsoft.com/office/powerpoint/2015/10/main">
+  <p1510:revLst>
+    <p1510:client id="{7734FE06-F296-44CF-94B7-6C1342FFABF9}" v="86" dt="2023-01-26T09:54:42.411"/>
+  </p1510:revLst>
+</p1510:revInfo>
+</file>
+
+<file path=ppt/changesInfos/changesInfo1.xml><?xml version="1.0" encoding="utf-8"?>
+<pc:chgInfo xmlns:a="http://schemas.openxmlformats.org/drawingml/2006/main" xmlns:r="http://schemas.openxmlformats.org/officeDocument/2006/relationships" xmlns:ac="http://schemas.microsoft.com/office/drawing/2013/main/command" xmlns:pc="http://schemas.microsoft.com/office/powerpoint/2013/main/command">
+  <pc:docChgLst>
+    <pc:chgData name="Christopher Berry" userId="468ae48a-5539-4b21-98ea-6081f4d86140" providerId="ADAL" clId="{D1F397CF-E129-4003-9C81-DBBA255AFCE2}"/>
+    <pc:docChg chg="custSel modSld">
+      <pc:chgData name="Christopher Berry" userId="468ae48a-5539-4b21-98ea-6081f4d86140" providerId="ADAL" clId="{D1F397CF-E129-4003-9C81-DBBA255AFCE2}" dt="2023-01-26T09:57:17.407" v="39" actId="368"/>
+      <pc:docMkLst>
+        <pc:docMk/>
+      </pc:docMkLst>
+      <pc:sldChg chg="modNotes">
+        <pc:chgData name="Christopher Berry" userId="468ae48a-5539-4b21-98ea-6081f4d86140" providerId="ADAL" clId="{D1F397CF-E129-4003-9C81-DBBA255AFCE2}" dt="2023-01-26T09:57:17.300" v="1" actId="368"/>
+        <pc:sldMkLst>
+          <pc:docMk/>
+          <pc:sldMk cId="1337738250" sldId="257"/>
+        </pc:sldMkLst>
+      </pc:sldChg>
+      <pc:sldChg chg="modNotes">
+        <pc:chgData name="Christopher Berry" userId="468ae48a-5539-4b21-98ea-6081f4d86140" providerId="ADAL" clId="{D1F397CF-E129-4003-9C81-DBBA255AFCE2}" dt="2023-01-26T09:57:17.329" v="9" actId="368"/>
+        <pc:sldMkLst>
+          <pc:docMk/>
+          <pc:sldMk cId="1055923940" sldId="348"/>
+        </pc:sldMkLst>
+      </pc:sldChg>
+      <pc:sldChg chg="modNotes">
+        <pc:chgData name="Christopher Berry" userId="468ae48a-5539-4b21-98ea-6081f4d86140" providerId="ADAL" clId="{D1F397CF-E129-4003-9C81-DBBA255AFCE2}" dt="2023-01-26T09:57:17.323" v="7" actId="368"/>
+        <pc:sldMkLst>
+          <pc:docMk/>
+          <pc:sldMk cId="3489443553" sldId="350"/>
+        </pc:sldMkLst>
+      </pc:sldChg>
+      <pc:sldChg chg="modNotes">
+        <pc:chgData name="Christopher Berry" userId="468ae48a-5539-4b21-98ea-6081f4d86140" providerId="ADAL" clId="{D1F397CF-E129-4003-9C81-DBBA255AFCE2}" dt="2023-01-26T09:57:17.370" v="25" actId="368"/>
+        <pc:sldMkLst>
+          <pc:docMk/>
+          <pc:sldMk cId="2078444575" sldId="351"/>
+        </pc:sldMkLst>
+      </pc:sldChg>
+      <pc:sldChg chg="modNotes">
+        <pc:chgData name="Christopher Berry" userId="468ae48a-5539-4b21-98ea-6081f4d86140" providerId="ADAL" clId="{D1F397CF-E129-4003-9C81-DBBA255AFCE2}" dt="2023-01-26T09:57:17.350" v="17" actId="368"/>
+        <pc:sldMkLst>
+          <pc:docMk/>
+          <pc:sldMk cId="1117088601" sldId="353"/>
+        </pc:sldMkLst>
+      </pc:sldChg>
+      <pc:sldChg chg="modNotes">
+        <pc:chgData name="Christopher Berry" userId="468ae48a-5539-4b21-98ea-6081f4d86140" providerId="ADAL" clId="{D1F397CF-E129-4003-9C81-DBBA255AFCE2}" dt="2023-01-26T09:57:17.308" v="3" actId="368"/>
+        <pc:sldMkLst>
+          <pc:docMk/>
+          <pc:sldMk cId="4116815434" sldId="354"/>
+        </pc:sldMkLst>
+      </pc:sldChg>
+      <pc:sldChg chg="modNotes">
+        <pc:chgData name="Christopher Berry" userId="468ae48a-5539-4b21-98ea-6081f4d86140" providerId="ADAL" clId="{D1F397CF-E129-4003-9C81-DBBA255AFCE2}" dt="2023-01-26T09:57:17.340" v="13" actId="368"/>
+        <pc:sldMkLst>
+          <pc:docMk/>
+          <pc:sldMk cId="3492523608" sldId="355"/>
+        </pc:sldMkLst>
+      </pc:sldChg>
+      <pc:sldChg chg="modNotes">
+        <pc:chgData name="Christopher Berry" userId="468ae48a-5539-4b21-98ea-6081f4d86140" providerId="ADAL" clId="{D1F397CF-E129-4003-9C81-DBBA255AFCE2}" dt="2023-01-26T09:57:17.334" v="11" actId="368"/>
+        <pc:sldMkLst>
+          <pc:docMk/>
+          <pc:sldMk cId="4253518439" sldId="363"/>
+        </pc:sldMkLst>
+      </pc:sldChg>
+      <pc:sldChg chg="modNotes">
+        <pc:chgData name="Christopher Berry" userId="468ae48a-5539-4b21-98ea-6081f4d86140" providerId="ADAL" clId="{D1F397CF-E129-4003-9C81-DBBA255AFCE2}" dt="2023-01-26T09:57:17.317" v="5" actId="368"/>
+        <pc:sldMkLst>
+          <pc:docMk/>
+          <pc:sldMk cId="1133708175" sldId="365"/>
+        </pc:sldMkLst>
+      </pc:sldChg>
+      <pc:sldChg chg="modNotes">
+        <pc:chgData name="Christopher Berry" userId="468ae48a-5539-4b21-98ea-6081f4d86140" providerId="ADAL" clId="{D1F397CF-E129-4003-9C81-DBBA255AFCE2}" dt="2023-01-26T09:57:17.345" v="15" actId="368"/>
+        <pc:sldMkLst>
+          <pc:docMk/>
+          <pc:sldMk cId="2393506968" sldId="366"/>
+        </pc:sldMkLst>
+      </pc:sldChg>
+      <pc:sldChg chg="modNotes">
+        <pc:chgData name="Christopher Berry" userId="468ae48a-5539-4b21-98ea-6081f4d86140" providerId="ADAL" clId="{D1F397CF-E129-4003-9C81-DBBA255AFCE2}" dt="2023-01-26T09:57:17.355" v="19" actId="368"/>
+        <pc:sldMkLst>
+          <pc:docMk/>
+          <pc:sldMk cId="2911927704" sldId="367"/>
+        </pc:sldMkLst>
+      </pc:sldChg>
+      <pc:sldChg chg="modNotes">
+        <pc:chgData name="Christopher Berry" userId="468ae48a-5539-4b21-98ea-6081f4d86140" providerId="ADAL" clId="{D1F397CF-E129-4003-9C81-DBBA255AFCE2}" dt="2023-01-26T09:57:17.365" v="23" actId="368"/>
+        <pc:sldMkLst>
+          <pc:docMk/>
+          <pc:sldMk cId="2317624308" sldId="368"/>
+        </pc:sldMkLst>
+      </pc:sldChg>
+      <pc:sldChg chg="modNotes">
+        <pc:chgData name="Christopher Berry" userId="468ae48a-5539-4b21-98ea-6081f4d86140" providerId="ADAL" clId="{D1F397CF-E129-4003-9C81-DBBA255AFCE2}" dt="2023-01-26T09:57:17.391" v="33" actId="368"/>
+        <pc:sldMkLst>
+          <pc:docMk/>
+          <pc:sldMk cId="554658345" sldId="369"/>
+        </pc:sldMkLst>
+      </pc:sldChg>
+      <pc:sldChg chg="modNotes">
+        <pc:chgData name="Christopher Berry" userId="468ae48a-5539-4b21-98ea-6081f4d86140" providerId="ADAL" clId="{D1F397CF-E129-4003-9C81-DBBA255AFCE2}" dt="2023-01-26T09:57:17.375" v="27" actId="368"/>
+        <pc:sldMkLst>
+          <pc:docMk/>
+          <pc:sldMk cId="347747758" sldId="370"/>
+        </pc:sldMkLst>
+      </pc:sldChg>
+      <pc:sldChg chg="modNotes">
+        <pc:chgData name="Christopher Berry" userId="468ae48a-5539-4b21-98ea-6081f4d86140" providerId="ADAL" clId="{D1F397CF-E129-4003-9C81-DBBA255AFCE2}" dt="2023-01-26T09:57:17.380" v="29" actId="368"/>
+        <pc:sldMkLst>
+          <pc:docMk/>
+          <pc:sldMk cId="642452097" sldId="371"/>
+        </pc:sldMkLst>
+      </pc:sldChg>
+      <pc:sldChg chg="modNotes">
+        <pc:chgData name="Christopher Berry" userId="468ae48a-5539-4b21-98ea-6081f4d86140" providerId="ADAL" clId="{D1F397CF-E129-4003-9C81-DBBA255AFCE2}" dt="2023-01-26T09:57:17.386" v="31" actId="368"/>
+        <pc:sldMkLst>
+          <pc:docMk/>
+          <pc:sldMk cId="1933367484" sldId="372"/>
+        </pc:sldMkLst>
+      </pc:sldChg>
+      <pc:sldChg chg="modNotes">
+        <pc:chgData name="Christopher Berry" userId="468ae48a-5539-4b21-98ea-6081f4d86140" providerId="ADAL" clId="{D1F397CF-E129-4003-9C81-DBBA255AFCE2}" dt="2023-01-26T09:57:17.407" v="39" actId="368"/>
+        <pc:sldMkLst>
+          <pc:docMk/>
+          <pc:sldMk cId="2919478918" sldId="373"/>
+        </pc:sldMkLst>
+      </pc:sldChg>
+      <pc:sldChg chg="modNotes">
+        <pc:chgData name="Christopher Berry" userId="468ae48a-5539-4b21-98ea-6081f4d86140" providerId="ADAL" clId="{D1F397CF-E129-4003-9C81-DBBA255AFCE2}" dt="2023-01-26T09:57:17.360" v="21" actId="368"/>
+        <pc:sldMkLst>
+          <pc:docMk/>
+          <pc:sldMk cId="3321235260" sldId="374"/>
+        </pc:sldMkLst>
+      </pc:sldChg>
+      <pc:sldChg chg="modNotes">
+        <pc:chgData name="Christopher Berry" userId="468ae48a-5539-4b21-98ea-6081f4d86140" providerId="ADAL" clId="{D1F397CF-E129-4003-9C81-DBBA255AFCE2}" dt="2023-01-26T09:57:17.396" v="35" actId="368"/>
+        <pc:sldMkLst>
+          <pc:docMk/>
+          <pc:sldMk cId="3849195748" sldId="375"/>
+        </pc:sldMkLst>
+      </pc:sldChg>
+      <pc:sldChg chg="modNotes">
+        <pc:chgData name="Christopher Berry" userId="468ae48a-5539-4b21-98ea-6081f4d86140" providerId="ADAL" clId="{D1F397CF-E129-4003-9C81-DBBA255AFCE2}" dt="2023-01-26T09:57:17.402" v="37" actId="368"/>
+        <pc:sldMkLst>
+          <pc:docMk/>
+          <pc:sldMk cId="2628349082" sldId="376"/>
+        </pc:sldMkLst>
+      </pc:sldChg>
+    </pc:docChg>
+  </pc:docChgLst>
+  <pc:docChgLst>
+    <pc:chgData name="Christopher Berry" userId="468ae48a-5539-4b21-98ea-6081f4d86140" providerId="ADAL" clId="{7734FE06-F296-44CF-94B7-6C1342FFABF9}"/>
+    <pc:docChg chg="undo custSel addSld delSld modSld">
+      <pc:chgData name="Christopher Berry" userId="468ae48a-5539-4b21-98ea-6081f4d86140" providerId="ADAL" clId="{7734FE06-F296-44CF-94B7-6C1342FFABF9}" dt="2023-01-26T09:54:42.411" v="219"/>
+      <pc:docMkLst>
+        <pc:docMk/>
+      </pc:docMkLst>
+      <pc:sldChg chg="del">
+        <pc:chgData name="Christopher Berry" userId="468ae48a-5539-4b21-98ea-6081f4d86140" providerId="ADAL" clId="{7734FE06-F296-44CF-94B7-6C1342FFABF9}" dt="2023-01-26T09:51:19.413" v="199" actId="47"/>
+        <pc:sldMkLst>
+          <pc:docMk/>
+          <pc:sldMk cId="1320947981" sldId="352"/>
+        </pc:sldMkLst>
+      </pc:sldChg>
+      <pc:sldChg chg="modSp">
+        <pc:chgData name="Christopher Berry" userId="468ae48a-5539-4b21-98ea-6081f4d86140" providerId="ADAL" clId="{7734FE06-F296-44CF-94B7-6C1342FFABF9}" dt="2023-01-25T16:24:04.737" v="43" actId="20577"/>
+        <pc:sldMkLst>
+          <pc:docMk/>
+          <pc:sldMk cId="1117088601" sldId="353"/>
+        </pc:sldMkLst>
+        <pc:spChg chg="mod">
+          <ac:chgData name="Christopher Berry" userId="468ae48a-5539-4b21-98ea-6081f4d86140" providerId="ADAL" clId="{7734FE06-F296-44CF-94B7-6C1342FFABF9}" dt="2023-01-25T16:24:04.737" v="43" actId="20577"/>
+          <ac:spMkLst>
+            <pc:docMk/>
+            <pc:sldMk cId="1117088601" sldId="353"/>
+            <ac:spMk id="3" creationId="{00000000-0000-0000-0000-000000000000}"/>
+          </ac:spMkLst>
+        </pc:spChg>
+      </pc:sldChg>
+      <pc:sldChg chg="modSp mod">
+        <pc:chgData name="Christopher Berry" userId="468ae48a-5539-4b21-98ea-6081f4d86140" providerId="ADAL" clId="{7734FE06-F296-44CF-94B7-6C1342FFABF9}" dt="2023-01-25T16:08:16.893" v="6" actId="14100"/>
+        <pc:sldMkLst>
+          <pc:docMk/>
+          <pc:sldMk cId="4116815434" sldId="354"/>
+        </pc:sldMkLst>
+        <pc:spChg chg="mod">
+          <ac:chgData name="Christopher Berry" userId="468ae48a-5539-4b21-98ea-6081f4d86140" providerId="ADAL" clId="{7734FE06-F296-44CF-94B7-6C1342FFABF9}" dt="2023-01-25T16:08:16.893" v="6" actId="14100"/>
+          <ac:spMkLst>
+            <pc:docMk/>
+            <pc:sldMk cId="4116815434" sldId="354"/>
+            <ac:spMk id="3" creationId="{00000000-0000-0000-0000-000000000000}"/>
+          </ac:spMkLst>
+        </pc:spChg>
+      </pc:sldChg>
+      <pc:sldChg chg="modSp">
+        <pc:chgData name="Christopher Berry" userId="468ae48a-5539-4b21-98ea-6081f4d86140" providerId="ADAL" clId="{7734FE06-F296-44CF-94B7-6C1342FFABF9}" dt="2023-01-26T09:51:31.743" v="203" actId="20577"/>
+        <pc:sldMkLst>
+          <pc:docMk/>
+          <pc:sldMk cId="2175137303" sldId="361"/>
+        </pc:sldMkLst>
+        <pc:spChg chg="mod">
+          <ac:chgData name="Christopher Berry" userId="468ae48a-5539-4b21-98ea-6081f4d86140" providerId="ADAL" clId="{7734FE06-F296-44CF-94B7-6C1342FFABF9}" dt="2023-01-26T09:51:31.743" v="203" actId="20577"/>
+          <ac:spMkLst>
+            <pc:docMk/>
+            <pc:sldMk cId="2175137303" sldId="361"/>
+            <ac:spMk id="3" creationId="{00000000-0000-0000-0000-000000000000}"/>
+          </ac:spMkLst>
+        </pc:spChg>
+      </pc:sldChg>
+      <pc:sldChg chg="modSp mod">
+        <pc:chgData name="Christopher Berry" userId="468ae48a-5539-4b21-98ea-6081f4d86140" providerId="ADAL" clId="{7734FE06-F296-44CF-94B7-6C1342FFABF9}" dt="2023-01-25T16:11:40.413" v="8" actId="20577"/>
+        <pc:sldMkLst>
+          <pc:docMk/>
+          <pc:sldMk cId="1133708175" sldId="365"/>
+        </pc:sldMkLst>
+        <pc:spChg chg="mod">
+          <ac:chgData name="Christopher Berry" userId="468ae48a-5539-4b21-98ea-6081f4d86140" providerId="ADAL" clId="{7734FE06-F296-44CF-94B7-6C1342FFABF9}" dt="2023-01-25T16:11:40.413" v="8" actId="20577"/>
+          <ac:spMkLst>
+            <pc:docMk/>
+            <pc:sldMk cId="1133708175" sldId="365"/>
+            <ac:spMk id="3" creationId="{00000000-0000-0000-0000-000000000000}"/>
+          </ac:spMkLst>
+        </pc:spChg>
+      </pc:sldChg>
+      <pc:sldChg chg="modSp mod">
+        <pc:chgData name="Christopher Berry" userId="468ae48a-5539-4b21-98ea-6081f4d86140" providerId="ADAL" clId="{7734FE06-F296-44CF-94B7-6C1342FFABF9}" dt="2023-01-25T16:25:24.466" v="78" actId="20577"/>
+        <pc:sldMkLst>
+          <pc:docMk/>
+          <pc:sldMk cId="2911927704" sldId="367"/>
+        </pc:sldMkLst>
+        <pc:spChg chg="mod">
+          <ac:chgData name="Christopher Berry" userId="468ae48a-5539-4b21-98ea-6081f4d86140" providerId="ADAL" clId="{7734FE06-F296-44CF-94B7-6C1342FFABF9}" dt="2023-01-25T16:24:59.627" v="74" actId="115"/>
+          <ac:spMkLst>
+            <pc:docMk/>
+            <pc:sldMk cId="2911927704" sldId="367"/>
+            <ac:spMk id="7" creationId="{00000000-0000-0000-0000-000000000000}"/>
+          </ac:spMkLst>
+        </pc:spChg>
+        <pc:spChg chg="mod">
+          <ac:chgData name="Christopher Berry" userId="468ae48a-5539-4b21-98ea-6081f4d86140" providerId="ADAL" clId="{7734FE06-F296-44CF-94B7-6C1342FFABF9}" dt="2023-01-25T16:25:24.466" v="78" actId="20577"/>
+          <ac:spMkLst>
+            <pc:docMk/>
+            <pc:sldMk cId="2911927704" sldId="367"/>
+            <ac:spMk id="9" creationId="{00000000-0000-0000-0000-000000000000}"/>
+          </ac:spMkLst>
+        </pc:spChg>
+      </pc:sldChg>
+      <pc:sldChg chg="addSp delSp modSp mod delAnim modAnim">
+        <pc:chgData name="Christopher Berry" userId="468ae48a-5539-4b21-98ea-6081f4d86140" providerId="ADAL" clId="{7734FE06-F296-44CF-94B7-6C1342FFABF9}" dt="2023-01-26T09:53:15.962" v="206"/>
+        <pc:sldMkLst>
+          <pc:docMk/>
+          <pc:sldMk cId="554658345" sldId="369"/>
+        </pc:sldMkLst>
+        <pc:spChg chg="add mod">
+          <ac:chgData name="Christopher Berry" userId="468ae48a-5539-4b21-98ea-6081f4d86140" providerId="ADAL" clId="{7734FE06-F296-44CF-94B7-6C1342FFABF9}" dt="2023-01-25T16:35:19.616" v="89" actId="693"/>
+          <ac:spMkLst>
+            <pc:docMk/>
+            <pc:sldMk cId="554658345" sldId="369"/>
+            <ac:spMk id="2" creationId="{86E41597-B2CD-4C55-945F-5C09750B2EAC}"/>
+          </ac:spMkLst>
+        </pc:spChg>
+        <pc:spChg chg="add del mod">
+          <ac:chgData name="Christopher Berry" userId="468ae48a-5539-4b21-98ea-6081f4d86140" providerId="ADAL" clId="{7734FE06-F296-44CF-94B7-6C1342FFABF9}" dt="2023-01-25T16:35:58.146" v="99" actId="478"/>
+          <ac:spMkLst>
+            <pc:docMk/>
+            <pc:sldMk cId="554658345" sldId="369"/>
+            <ac:spMk id="3" creationId="{8F6EDCB2-FA85-4DED-B296-8AF0515BDE07}"/>
+          </ac:spMkLst>
+        </pc:spChg>
+        <pc:spChg chg="mod">
+          <ac:chgData name="Christopher Berry" userId="468ae48a-5539-4b21-98ea-6081f4d86140" providerId="ADAL" clId="{7734FE06-F296-44CF-94B7-6C1342FFABF9}" dt="2023-01-25T16:34:30.483" v="81" actId="20577"/>
+          <ac:spMkLst>
+            <pc:docMk/>
+            <pc:sldMk cId="554658345" sldId="369"/>
+            <ac:spMk id="5" creationId="{00000000-0000-0000-0000-000000000000}"/>
+          </ac:spMkLst>
+        </pc:spChg>
+        <pc:spChg chg="add mod">
+          <ac:chgData name="Christopher Berry" userId="468ae48a-5539-4b21-98ea-6081f4d86140" providerId="ADAL" clId="{7734FE06-F296-44CF-94B7-6C1342FFABF9}" dt="2023-01-25T16:35:29.825" v="93" actId="14100"/>
+          <ac:spMkLst>
+            <pc:docMk/>
+            <pc:sldMk cId="554658345" sldId="369"/>
+            <ac:spMk id="10" creationId="{CFFF157D-4242-4C01-AA5D-B7F3201A2800}"/>
+          </ac:spMkLst>
+        </pc:spChg>
+        <pc:picChg chg="mod">
+          <ac:chgData name="Christopher Berry" userId="468ae48a-5539-4b21-98ea-6081f4d86140" providerId="ADAL" clId="{7734FE06-F296-44CF-94B7-6C1342FFABF9}" dt="2023-01-25T16:35:55.627" v="98" actId="1076"/>
+          <ac:picMkLst>
+            <pc:docMk/>
+            <pc:sldMk cId="554658345" sldId="369"/>
+            <ac:picMk id="8194" creationId="{00000000-0000-0000-0000-000000000000}"/>
+          </ac:picMkLst>
+        </pc:picChg>
+        <pc:cxnChg chg="del">
+          <ac:chgData name="Christopher Berry" userId="468ae48a-5539-4b21-98ea-6081f4d86140" providerId="ADAL" clId="{7734FE06-F296-44CF-94B7-6C1342FFABF9}" dt="2023-01-25T16:34:46.134" v="83" actId="478"/>
+          <ac:cxnSpMkLst>
+            <pc:docMk/>
+            <pc:sldMk cId="554658345" sldId="369"/>
+            <ac:cxnSpMk id="12" creationId="{00000000-0000-0000-0000-000000000000}"/>
+          </ac:cxnSpMkLst>
+        </pc:cxnChg>
+        <pc:cxnChg chg="add mod">
+          <ac:chgData name="Christopher Berry" userId="468ae48a-5539-4b21-98ea-6081f4d86140" providerId="ADAL" clId="{7734FE06-F296-44CF-94B7-6C1342FFABF9}" dt="2023-01-25T16:37:53.866" v="132" actId="692"/>
+          <ac:cxnSpMkLst>
+            <pc:docMk/>
+            <pc:sldMk cId="554658345" sldId="369"/>
+            <ac:cxnSpMk id="13" creationId="{EDD64EE4-884F-4B59-96F2-D07FF44F4096}"/>
+          </ac:cxnSpMkLst>
+        </pc:cxnChg>
+        <pc:cxnChg chg="del mod">
+          <ac:chgData name="Christopher Berry" userId="468ae48a-5539-4b21-98ea-6081f4d86140" providerId="ADAL" clId="{7734FE06-F296-44CF-94B7-6C1342FFABF9}" dt="2023-01-25T16:34:50.236" v="85" actId="478"/>
+          <ac:cxnSpMkLst>
+            <pc:docMk/>
+            <pc:sldMk cId="554658345" sldId="369"/>
+            <ac:cxnSpMk id="16" creationId="{00000000-0000-0000-0000-000000000000}"/>
+          </ac:cxnSpMkLst>
+        </pc:cxnChg>
+      </pc:sldChg>
+      <pc:sldChg chg="modSp mod">
+        <pc:chgData name="Christopher Berry" userId="468ae48a-5539-4b21-98ea-6081f4d86140" providerId="ADAL" clId="{7734FE06-F296-44CF-94B7-6C1342FFABF9}" dt="2023-01-25T16:40:29.178" v="170" actId="20577"/>
+        <pc:sldMkLst>
+          <pc:docMk/>
+          <pc:sldMk cId="347747758" sldId="370"/>
+        </pc:sldMkLst>
+        <pc:spChg chg="mod">
+          <ac:chgData name="Christopher Berry" userId="468ae48a-5539-4b21-98ea-6081f4d86140" providerId="ADAL" clId="{7734FE06-F296-44CF-94B7-6C1342FFABF9}" dt="2023-01-25T16:40:29.178" v="170" actId="20577"/>
+          <ac:spMkLst>
+            <pc:docMk/>
+            <pc:sldMk cId="347747758" sldId="370"/>
+            <ac:spMk id="5" creationId="{00000000-0000-0000-0000-000000000000}"/>
+          </ac:spMkLst>
+        </pc:spChg>
+      </pc:sldChg>
+      <pc:sldChg chg="modSp mod">
+        <pc:chgData name="Christopher Berry" userId="468ae48a-5539-4b21-98ea-6081f4d86140" providerId="ADAL" clId="{7734FE06-F296-44CF-94B7-6C1342FFABF9}" dt="2023-01-25T16:40:33.756" v="171" actId="207"/>
+        <pc:sldMkLst>
+          <pc:docMk/>
+          <pc:sldMk cId="642452097" sldId="371"/>
+        </pc:sldMkLst>
+        <pc:spChg chg="mod">
+          <ac:chgData name="Christopher Berry" userId="468ae48a-5539-4b21-98ea-6081f4d86140" providerId="ADAL" clId="{7734FE06-F296-44CF-94B7-6C1342FFABF9}" dt="2023-01-25T16:40:33.756" v="171" actId="207"/>
+          <ac:spMkLst>
+            <pc:docMk/>
+            <pc:sldMk cId="642452097" sldId="371"/>
+            <ac:spMk id="5" creationId="{00000000-0000-0000-0000-000000000000}"/>
+          </ac:spMkLst>
+        </pc:spChg>
+      </pc:sldChg>
+      <pc:sldChg chg="modSp mod">
+        <pc:chgData name="Christopher Berry" userId="468ae48a-5539-4b21-98ea-6081f4d86140" providerId="ADAL" clId="{7734FE06-F296-44CF-94B7-6C1342FFABF9}" dt="2023-01-25T16:40:52.664" v="198" actId="1076"/>
+        <pc:sldMkLst>
+          <pc:docMk/>
+          <pc:sldMk cId="1933367484" sldId="372"/>
+        </pc:sldMkLst>
+        <pc:spChg chg="mod">
+          <ac:chgData name="Christopher Berry" userId="468ae48a-5539-4b21-98ea-6081f4d86140" providerId="ADAL" clId="{7734FE06-F296-44CF-94B7-6C1342FFABF9}" dt="2023-01-25T16:40:52.664" v="198" actId="1076"/>
+          <ac:spMkLst>
+            <pc:docMk/>
+            <pc:sldMk cId="1933367484" sldId="372"/>
+            <ac:spMk id="5" creationId="{00000000-0000-0000-0000-000000000000}"/>
+          </ac:spMkLst>
+        </pc:spChg>
+      </pc:sldChg>
+      <pc:sldChg chg="modSp">
+        <pc:chgData name="Christopher Berry" userId="468ae48a-5539-4b21-98ea-6081f4d86140" providerId="ADAL" clId="{7734FE06-F296-44CF-94B7-6C1342FFABF9}" dt="2023-01-25T16:40:05.674" v="166" actId="20577"/>
+        <pc:sldMkLst>
+          <pc:docMk/>
+          <pc:sldMk cId="2919478918" sldId="373"/>
+        </pc:sldMkLst>
+        <pc:spChg chg="mod">
+          <ac:chgData name="Christopher Berry" userId="468ae48a-5539-4b21-98ea-6081f4d86140" providerId="ADAL" clId="{7734FE06-F296-44CF-94B7-6C1342FFABF9}" dt="2023-01-25T16:40:05.674" v="166" actId="20577"/>
+          <ac:spMkLst>
+            <pc:docMk/>
+            <pc:sldMk cId="2919478918" sldId="373"/>
+            <ac:spMk id="3" creationId="{00000000-0000-0000-0000-000000000000}"/>
+          </ac:spMkLst>
+        </pc:spChg>
+      </pc:sldChg>
+      <pc:sldChg chg="addSp delSp modSp add mod delAnim modAnim">
+        <pc:chgData name="Christopher Berry" userId="468ae48a-5539-4b21-98ea-6081f4d86140" providerId="ADAL" clId="{7734FE06-F296-44CF-94B7-6C1342FFABF9}" dt="2023-01-26T09:54:00.244" v="213"/>
+        <pc:sldMkLst>
+          <pc:docMk/>
+          <pc:sldMk cId="3849195748" sldId="375"/>
+        </pc:sldMkLst>
+        <pc:spChg chg="mod">
+          <ac:chgData name="Christopher Berry" userId="468ae48a-5539-4b21-98ea-6081f4d86140" providerId="ADAL" clId="{7734FE06-F296-44CF-94B7-6C1342FFABF9}" dt="2023-01-25T16:34:35.990" v="82" actId="20577"/>
+          <ac:spMkLst>
+            <pc:docMk/>
+            <pc:sldMk cId="3849195748" sldId="375"/>
+            <ac:spMk id="5" creationId="{00000000-0000-0000-0000-000000000000}"/>
+          </ac:spMkLst>
+        </pc:spChg>
+        <pc:spChg chg="add mod">
+          <ac:chgData name="Christopher Berry" userId="468ae48a-5539-4b21-98ea-6081f4d86140" providerId="ADAL" clId="{7734FE06-F296-44CF-94B7-6C1342FFABF9}" dt="2023-01-25T16:37:01.066" v="117" actId="1076"/>
+          <ac:spMkLst>
+            <pc:docMk/>
+            <pc:sldMk cId="3849195748" sldId="375"/>
+            <ac:spMk id="9" creationId="{9242827D-5B36-47D9-9171-7641E4E758D8}"/>
+          </ac:spMkLst>
+        </pc:spChg>
+        <pc:spChg chg="add del mod">
+          <ac:chgData name="Christopher Berry" userId="468ae48a-5539-4b21-98ea-6081f4d86140" providerId="ADAL" clId="{7734FE06-F296-44CF-94B7-6C1342FFABF9}" dt="2023-01-25T16:37:05.736" v="118" actId="478"/>
+          <ac:spMkLst>
+            <pc:docMk/>
+            <pc:sldMk cId="3849195748" sldId="375"/>
+            <ac:spMk id="10" creationId="{B5F978B0-B1D0-4CEE-92EB-BBD2673B54E8}"/>
+          </ac:spMkLst>
+        </pc:spChg>
+        <pc:spChg chg="add mod">
+          <ac:chgData name="Christopher Berry" userId="468ae48a-5539-4b21-98ea-6081f4d86140" providerId="ADAL" clId="{7734FE06-F296-44CF-94B7-6C1342FFABF9}" dt="2023-01-25T16:38:12.691" v="138" actId="1076"/>
+          <ac:spMkLst>
+            <pc:docMk/>
+            <pc:sldMk cId="3849195748" sldId="375"/>
+            <ac:spMk id="11" creationId="{EFE78DEB-38B5-40B4-87A2-0530F66D98D5}"/>
+          </ac:spMkLst>
+        </pc:spChg>
+        <pc:picChg chg="mod">
+          <ac:chgData name="Christopher Berry" userId="468ae48a-5539-4b21-98ea-6081f4d86140" providerId="ADAL" clId="{7734FE06-F296-44CF-94B7-6C1342FFABF9}" dt="2023-01-25T16:37:21.612" v="125" actId="1076"/>
+          <ac:picMkLst>
+            <pc:docMk/>
+            <pc:sldMk cId="3849195748" sldId="375"/>
+            <ac:picMk id="8194" creationId="{00000000-0000-0000-0000-000000000000}"/>
+          </ac:picMkLst>
+        </pc:picChg>
+        <pc:cxnChg chg="del">
+          <ac:chgData name="Christopher Berry" userId="468ae48a-5539-4b21-98ea-6081f4d86140" providerId="ADAL" clId="{7734FE06-F296-44CF-94B7-6C1342FFABF9}" dt="2023-01-25T16:36:43.612" v="111" actId="478"/>
+          <ac:cxnSpMkLst>
+            <pc:docMk/>
+            <pc:sldMk cId="3849195748" sldId="375"/>
+            <ac:cxnSpMk id="12" creationId="{00000000-0000-0000-0000-000000000000}"/>
+          </ac:cxnSpMkLst>
+        </pc:cxnChg>
+        <pc:cxnChg chg="add mod">
+          <ac:chgData name="Christopher Berry" userId="468ae48a-5539-4b21-98ea-6081f4d86140" providerId="ADAL" clId="{7734FE06-F296-44CF-94B7-6C1342FFABF9}" dt="2023-01-25T16:39:06.381" v="152" actId="14100"/>
+          <ac:cxnSpMkLst>
+            <pc:docMk/>
+            <pc:sldMk cId="3849195748" sldId="375"/>
+            <ac:cxnSpMk id="13" creationId="{E72858DB-5784-4EBB-982C-1D2C3DE9F9BD}"/>
+          </ac:cxnSpMkLst>
+        </pc:cxnChg>
+        <pc:cxnChg chg="del">
+          <ac:chgData name="Christopher Berry" userId="468ae48a-5539-4b21-98ea-6081f4d86140" providerId="ADAL" clId="{7734FE06-F296-44CF-94B7-6C1342FFABF9}" dt="2023-01-25T16:36:44.748" v="112" actId="478"/>
+          <ac:cxnSpMkLst>
+            <pc:docMk/>
+            <pc:sldMk cId="3849195748" sldId="375"/>
+            <ac:cxnSpMk id="16" creationId="{00000000-0000-0000-0000-000000000000}"/>
+          </ac:cxnSpMkLst>
+        </pc:cxnChg>
+      </pc:sldChg>
+      <pc:sldChg chg="addSp modSp add mod modAnim">
+        <pc:chgData name="Christopher Berry" userId="468ae48a-5539-4b21-98ea-6081f4d86140" providerId="ADAL" clId="{7734FE06-F296-44CF-94B7-6C1342FFABF9}" dt="2023-01-26T09:54:42.411" v="219"/>
+        <pc:sldMkLst>
+          <pc:docMk/>
+          <pc:sldMk cId="2628349082" sldId="376"/>
+        </pc:sldMkLst>
+        <pc:cxnChg chg="add mod">
+          <ac:chgData name="Christopher Berry" userId="468ae48a-5539-4b21-98ea-6081f4d86140" providerId="ADAL" clId="{7734FE06-F296-44CF-94B7-6C1342FFABF9}" dt="2023-01-25T16:39:46.203" v="157" actId="1076"/>
+          <ac:cxnSpMkLst>
+            <pc:docMk/>
+            <pc:sldMk cId="2628349082" sldId="376"/>
+            <ac:cxnSpMk id="9" creationId="{E875A179-AAC9-4011-B72F-DD1DD9B0E56B}"/>
+          </ac:cxnSpMkLst>
+        </pc:cxnChg>
+        <pc:cxnChg chg="mod">
+          <ac:chgData name="Christopher Berry" userId="468ae48a-5539-4b21-98ea-6081f4d86140" providerId="ADAL" clId="{7734FE06-F296-44CF-94B7-6C1342FFABF9}" dt="2023-01-25T16:38:40.365" v="141" actId="692"/>
+          <ac:cxnSpMkLst>
+            <pc:docMk/>
+            <pc:sldMk cId="2628349082" sldId="376"/>
+            <ac:cxnSpMk id="12" creationId="{00000000-0000-0000-0000-000000000000}"/>
+          </ac:cxnSpMkLst>
+        </pc:cxnChg>
+        <pc:cxnChg chg="mod">
+          <ac:chgData name="Christopher Berry" userId="468ae48a-5539-4b21-98ea-6081f4d86140" providerId="ADAL" clId="{7734FE06-F296-44CF-94B7-6C1342FFABF9}" dt="2023-01-25T16:38:52.665" v="150" actId="1036"/>
+          <ac:cxnSpMkLst>
+            <pc:docMk/>
+            <pc:sldMk cId="2628349082" sldId="376"/>
+            <ac:cxnSpMk id="16" creationId="{00000000-0000-0000-0000-000000000000}"/>
+          </ac:cxnSpMkLst>
+        </pc:cxnChg>
+      </pc:sldChg>
+    </pc:docChg>
+  </pc:docChgLst>
+</pc:chgInfo>
+</file>
+
 <file path=ppt/handoutMasters/handoutMaster1.xml><?xml version="1.0" encoding="utf-8"?>
 <p:handoutMaster xmlns:a="http://schemas.openxmlformats.org/drawingml/2006/main" xmlns:r="http://schemas.openxmlformats.org/officeDocument/2006/relationships" xmlns:p="http://schemas.openxmlformats.org/presentationml/2006/main">
   <p:cSld>
@@ -244,7 +739,7 @@
           <a:p>
             <a:fld id="{39F2F66B-899D-484E-9C99-E1DBE23F9DE9}" type="datetimeFigureOut">
               <a:rPr lang="en-GB" smtClean="0"/>
-              <a:t>21/12/2022</a:t>
+              <a:t>26/01/2023</a:t>
             </a:fld>
             <a:endParaRPr lang="en-GB"/>
           </a:p>
@@ -410,7 +905,7 @@
             <a:fld id="{2C09A945-60CF-41CC-BF14-DA645D9ABE0F}" type="datetimeFigureOut">
               <a:rPr lang="en-GB" smtClean="0"/>
               <a:pPr/>
-              <a:t>21/12/2022</a:t>
+              <a:t>26/01/2023</a:t>
             </a:fld>
             <a:endParaRPr lang="en-GB"/>
           </a:p>
@@ -784,6 +1279,859 @@
 </p:notes>
 </file>
 
+<file path=ppt/notesSlides/notesSlide10.xml><?xml version="1.0" encoding="utf-8"?>
+<p:notes xmlns:a="http://schemas.openxmlformats.org/drawingml/2006/main" xmlns:r="http://schemas.openxmlformats.org/officeDocument/2006/relationships" xmlns:p="http://schemas.openxmlformats.org/presentationml/2006/main">
+  <p:cSld>
+    <p:spTree>
+      <p:nvGrpSpPr>
+        <p:cNvPr id="1" name=""/>
+        <p:cNvGrpSpPr/>
+        <p:nvPr/>
+      </p:nvGrpSpPr>
+      <p:grpSpPr>
+        <a:xfrm>
+          <a:off x="0" y="0"/>
+          <a:ext cx="0" cy="0"/>
+          <a:chOff x="0" y="0"/>
+          <a:chExt cx="0" cy="0"/>
+        </a:xfrm>
+      </p:grpSpPr>
+      <p:sp>
+        <p:nvSpPr>
+          <p:cNvPr id="2" name="Slide Image Placeholder 1"/>
+          <p:cNvSpPr>
+            <a:spLocks noGrp="1" noRot="1" noChangeAspect="1"/>
+          </p:cNvSpPr>
+          <p:nvPr>
+            <p:ph type="sldImg"/>
+          </p:nvPr>
+        </p:nvSpPr>
+        <p:spPr/>
+      </p:sp>
+      <p:sp>
+        <p:nvSpPr>
+          <p:cNvPr id="3" name="Notes Placeholder 2"/>
+          <p:cNvSpPr>
+            <a:spLocks noGrp="1"/>
+          </p:cNvSpPr>
+          <p:nvPr>
+            <p:ph type="body" idx="1"/>
+          </p:nvPr>
+        </p:nvSpPr>
+        <p:spPr/>
+        <p:txBody>
+          <a:bodyPr/>
+          <a:lstStyle/>
+          <a:p>
+            <a:endParaRPr lang="en-GB" dirty="0"/>
+          </a:p>
+        </p:txBody>
+      </p:sp>
+      <p:sp>
+        <p:nvSpPr>
+          <p:cNvPr id="4" name="Slide Number Placeholder 3"/>
+          <p:cNvSpPr>
+            <a:spLocks noGrp="1"/>
+          </p:cNvSpPr>
+          <p:nvPr>
+            <p:ph type="sldNum" sz="quarter" idx="10"/>
+          </p:nvPr>
+        </p:nvSpPr>
+        <p:spPr/>
+        <p:txBody>
+          <a:bodyPr/>
+          <a:lstStyle/>
+          <a:p>
+            <a:fld id="{46EF6F6D-23AC-402A-8000-0A495137CF31}" type="slidenum">
+              <a:rPr lang="en-GB" smtClean="0"/>
+              <a:pPr/>
+              <a:t>10</a:t>
+            </a:fld>
+            <a:endParaRPr lang="en-GB"/>
+          </a:p>
+        </p:txBody>
+      </p:sp>
+    </p:spTree>
+    <p:extLst>
+      <p:ext uri="{BB962C8B-B14F-4D97-AF65-F5344CB8AC3E}">
+        <p14:creationId xmlns:p14="http://schemas.microsoft.com/office/powerpoint/2010/main" val="3431732267"/>
+      </p:ext>
+    </p:extLst>
+  </p:cSld>
+  <p:clrMapOvr>
+    <a:masterClrMapping/>
+  </p:clrMapOvr>
+</p:notes>
+</file>
+
+<file path=ppt/notesSlides/notesSlide11.xml><?xml version="1.0" encoding="utf-8"?>
+<p:notes xmlns:a="http://schemas.openxmlformats.org/drawingml/2006/main" xmlns:r="http://schemas.openxmlformats.org/officeDocument/2006/relationships" xmlns:p="http://schemas.openxmlformats.org/presentationml/2006/main">
+  <p:cSld>
+    <p:spTree>
+      <p:nvGrpSpPr>
+        <p:cNvPr id="1" name=""/>
+        <p:cNvGrpSpPr/>
+        <p:nvPr/>
+      </p:nvGrpSpPr>
+      <p:grpSpPr>
+        <a:xfrm>
+          <a:off x="0" y="0"/>
+          <a:ext cx="0" cy="0"/>
+          <a:chOff x="0" y="0"/>
+          <a:chExt cx="0" cy="0"/>
+        </a:xfrm>
+      </p:grpSpPr>
+      <p:sp>
+        <p:nvSpPr>
+          <p:cNvPr id="2" name="Slide Image Placeholder 1"/>
+          <p:cNvSpPr>
+            <a:spLocks noGrp="1" noRot="1" noChangeAspect="1"/>
+          </p:cNvSpPr>
+          <p:nvPr>
+            <p:ph type="sldImg"/>
+          </p:nvPr>
+        </p:nvSpPr>
+        <p:spPr/>
+      </p:sp>
+      <p:sp>
+        <p:nvSpPr>
+          <p:cNvPr id="3" name="Notes Placeholder 2"/>
+          <p:cNvSpPr>
+            <a:spLocks noGrp="1"/>
+          </p:cNvSpPr>
+          <p:nvPr>
+            <p:ph type="body" idx="1"/>
+          </p:nvPr>
+        </p:nvSpPr>
+        <p:spPr/>
+        <p:txBody>
+          <a:bodyPr/>
+          <a:lstStyle/>
+          <a:p>
+            <a:endParaRPr lang="en-GB" dirty="0"/>
+          </a:p>
+        </p:txBody>
+      </p:sp>
+      <p:sp>
+        <p:nvSpPr>
+          <p:cNvPr id="4" name="Slide Number Placeholder 3"/>
+          <p:cNvSpPr>
+            <a:spLocks noGrp="1"/>
+          </p:cNvSpPr>
+          <p:nvPr>
+            <p:ph type="sldNum" sz="quarter" idx="10"/>
+          </p:nvPr>
+        </p:nvSpPr>
+        <p:spPr/>
+        <p:txBody>
+          <a:bodyPr/>
+          <a:lstStyle/>
+          <a:p>
+            <a:fld id="{46EF6F6D-23AC-402A-8000-0A495137CF31}" type="slidenum">
+              <a:rPr lang="en-GB" smtClean="0"/>
+              <a:pPr/>
+              <a:t>11</a:t>
+            </a:fld>
+            <a:endParaRPr lang="en-GB"/>
+          </a:p>
+        </p:txBody>
+      </p:sp>
+    </p:spTree>
+    <p:extLst>
+      <p:ext uri="{BB962C8B-B14F-4D97-AF65-F5344CB8AC3E}">
+        <p14:creationId xmlns:p14="http://schemas.microsoft.com/office/powerpoint/2010/main" val="1929392821"/>
+      </p:ext>
+    </p:extLst>
+  </p:cSld>
+  <p:clrMapOvr>
+    <a:masterClrMapping/>
+  </p:clrMapOvr>
+</p:notes>
+</file>
+
+<file path=ppt/notesSlides/notesSlide12.xml><?xml version="1.0" encoding="utf-8"?>
+<p:notes xmlns:a="http://schemas.openxmlformats.org/drawingml/2006/main" xmlns:r="http://schemas.openxmlformats.org/officeDocument/2006/relationships" xmlns:p="http://schemas.openxmlformats.org/presentationml/2006/main">
+  <p:cSld>
+    <p:spTree>
+      <p:nvGrpSpPr>
+        <p:cNvPr id="1" name=""/>
+        <p:cNvGrpSpPr/>
+        <p:nvPr/>
+      </p:nvGrpSpPr>
+      <p:grpSpPr>
+        <a:xfrm>
+          <a:off x="0" y="0"/>
+          <a:ext cx="0" cy="0"/>
+          <a:chOff x="0" y="0"/>
+          <a:chExt cx="0" cy="0"/>
+        </a:xfrm>
+      </p:grpSpPr>
+      <p:sp>
+        <p:nvSpPr>
+          <p:cNvPr id="2" name="Slide Image Placeholder 1"/>
+          <p:cNvSpPr>
+            <a:spLocks noGrp="1" noRot="1" noChangeAspect="1"/>
+          </p:cNvSpPr>
+          <p:nvPr>
+            <p:ph type="sldImg"/>
+          </p:nvPr>
+        </p:nvSpPr>
+        <p:spPr/>
+      </p:sp>
+      <p:sp>
+        <p:nvSpPr>
+          <p:cNvPr id="3" name="Notes Placeholder 2"/>
+          <p:cNvSpPr>
+            <a:spLocks noGrp="1"/>
+          </p:cNvSpPr>
+          <p:nvPr>
+            <p:ph type="body" idx="1"/>
+          </p:nvPr>
+        </p:nvSpPr>
+        <p:spPr/>
+        <p:txBody>
+          <a:bodyPr/>
+          <a:lstStyle/>
+          <a:p>
+            <a:endParaRPr lang="en-GB" dirty="0"/>
+          </a:p>
+        </p:txBody>
+      </p:sp>
+      <p:sp>
+        <p:nvSpPr>
+          <p:cNvPr id="4" name="Slide Number Placeholder 3"/>
+          <p:cNvSpPr>
+            <a:spLocks noGrp="1"/>
+          </p:cNvSpPr>
+          <p:nvPr>
+            <p:ph type="sldNum" sz="quarter" idx="10"/>
+          </p:nvPr>
+        </p:nvSpPr>
+        <p:spPr/>
+        <p:txBody>
+          <a:bodyPr/>
+          <a:lstStyle/>
+          <a:p>
+            <a:fld id="{46EF6F6D-23AC-402A-8000-0A495137CF31}" type="slidenum">
+              <a:rPr lang="en-GB" smtClean="0"/>
+              <a:pPr/>
+              <a:t>12</a:t>
+            </a:fld>
+            <a:endParaRPr lang="en-GB"/>
+          </a:p>
+        </p:txBody>
+      </p:sp>
+    </p:spTree>
+    <p:extLst>
+      <p:ext uri="{BB962C8B-B14F-4D97-AF65-F5344CB8AC3E}">
+        <p14:creationId xmlns:p14="http://schemas.microsoft.com/office/powerpoint/2010/main" val="1270653618"/>
+      </p:ext>
+    </p:extLst>
+  </p:cSld>
+  <p:clrMapOvr>
+    <a:masterClrMapping/>
+  </p:clrMapOvr>
+</p:notes>
+</file>
+
+<file path=ppt/notesSlides/notesSlide13.xml><?xml version="1.0" encoding="utf-8"?>
+<p:notes xmlns:a="http://schemas.openxmlformats.org/drawingml/2006/main" xmlns:r="http://schemas.openxmlformats.org/officeDocument/2006/relationships" xmlns:p="http://schemas.openxmlformats.org/presentationml/2006/main">
+  <p:cSld>
+    <p:spTree>
+      <p:nvGrpSpPr>
+        <p:cNvPr id="1" name=""/>
+        <p:cNvGrpSpPr/>
+        <p:nvPr/>
+      </p:nvGrpSpPr>
+      <p:grpSpPr>
+        <a:xfrm>
+          <a:off x="0" y="0"/>
+          <a:ext cx="0" cy="0"/>
+          <a:chOff x="0" y="0"/>
+          <a:chExt cx="0" cy="0"/>
+        </a:xfrm>
+      </p:grpSpPr>
+      <p:sp>
+        <p:nvSpPr>
+          <p:cNvPr id="2" name="Slide Image Placeholder 1"/>
+          <p:cNvSpPr>
+            <a:spLocks noGrp="1" noRot="1" noChangeAspect="1"/>
+          </p:cNvSpPr>
+          <p:nvPr>
+            <p:ph type="sldImg"/>
+          </p:nvPr>
+        </p:nvSpPr>
+        <p:spPr/>
+      </p:sp>
+      <p:sp>
+        <p:nvSpPr>
+          <p:cNvPr id="3" name="Notes Placeholder 2"/>
+          <p:cNvSpPr>
+            <a:spLocks noGrp="1"/>
+          </p:cNvSpPr>
+          <p:nvPr>
+            <p:ph type="body" idx="1"/>
+          </p:nvPr>
+        </p:nvSpPr>
+        <p:spPr/>
+        <p:txBody>
+          <a:bodyPr/>
+          <a:lstStyle/>
+          <a:p>
+            <a:pPr marL="0" indent="0">
+              <a:buNone/>
+            </a:pPr>
+            <a:endParaRPr lang="en-GB" dirty="0"/>
+          </a:p>
+        </p:txBody>
+      </p:sp>
+      <p:sp>
+        <p:nvSpPr>
+          <p:cNvPr id="4" name="Slide Number Placeholder 3"/>
+          <p:cNvSpPr>
+            <a:spLocks noGrp="1"/>
+          </p:cNvSpPr>
+          <p:nvPr>
+            <p:ph type="sldNum" sz="quarter" idx="10"/>
+          </p:nvPr>
+        </p:nvSpPr>
+        <p:spPr/>
+        <p:txBody>
+          <a:bodyPr/>
+          <a:lstStyle/>
+          <a:p>
+            <a:fld id="{46EF6F6D-23AC-402A-8000-0A495137CF31}" type="slidenum">
+              <a:rPr lang="en-GB" smtClean="0"/>
+              <a:pPr/>
+              <a:t>13</a:t>
+            </a:fld>
+            <a:endParaRPr lang="en-GB"/>
+          </a:p>
+        </p:txBody>
+      </p:sp>
+    </p:spTree>
+    <p:extLst>
+      <p:ext uri="{BB962C8B-B14F-4D97-AF65-F5344CB8AC3E}">
+        <p14:creationId xmlns:p14="http://schemas.microsoft.com/office/powerpoint/2010/main" val="2001727738"/>
+      </p:ext>
+    </p:extLst>
+  </p:cSld>
+  <p:clrMapOvr>
+    <a:masterClrMapping/>
+  </p:clrMapOvr>
+</p:notes>
+</file>
+
+<file path=ppt/notesSlides/notesSlide14.xml><?xml version="1.0" encoding="utf-8"?>
+<p:notes xmlns:a="http://schemas.openxmlformats.org/drawingml/2006/main" xmlns:r="http://schemas.openxmlformats.org/officeDocument/2006/relationships" xmlns:p="http://schemas.openxmlformats.org/presentationml/2006/main">
+  <p:cSld>
+    <p:spTree>
+      <p:nvGrpSpPr>
+        <p:cNvPr id="1" name=""/>
+        <p:cNvGrpSpPr/>
+        <p:nvPr/>
+      </p:nvGrpSpPr>
+      <p:grpSpPr>
+        <a:xfrm>
+          <a:off x="0" y="0"/>
+          <a:ext cx="0" cy="0"/>
+          <a:chOff x="0" y="0"/>
+          <a:chExt cx="0" cy="0"/>
+        </a:xfrm>
+      </p:grpSpPr>
+      <p:sp>
+        <p:nvSpPr>
+          <p:cNvPr id="2" name="Slide Image Placeholder 1"/>
+          <p:cNvSpPr>
+            <a:spLocks noGrp="1" noRot="1" noChangeAspect="1"/>
+          </p:cNvSpPr>
+          <p:nvPr>
+            <p:ph type="sldImg"/>
+          </p:nvPr>
+        </p:nvSpPr>
+        <p:spPr/>
+      </p:sp>
+      <p:sp>
+        <p:nvSpPr>
+          <p:cNvPr id="3" name="Notes Placeholder 2"/>
+          <p:cNvSpPr>
+            <a:spLocks noGrp="1"/>
+          </p:cNvSpPr>
+          <p:nvPr>
+            <p:ph type="body" idx="1"/>
+          </p:nvPr>
+        </p:nvSpPr>
+        <p:spPr/>
+        <p:txBody>
+          <a:bodyPr/>
+          <a:lstStyle/>
+          <a:p>
+            <a:endParaRPr lang="en-GB" dirty="0"/>
+          </a:p>
+        </p:txBody>
+      </p:sp>
+      <p:sp>
+        <p:nvSpPr>
+          <p:cNvPr id="4" name="Slide Number Placeholder 3"/>
+          <p:cNvSpPr>
+            <a:spLocks noGrp="1"/>
+          </p:cNvSpPr>
+          <p:nvPr>
+            <p:ph type="sldNum" sz="quarter" idx="10"/>
+          </p:nvPr>
+        </p:nvSpPr>
+        <p:spPr/>
+        <p:txBody>
+          <a:bodyPr/>
+          <a:lstStyle/>
+          <a:p>
+            <a:fld id="{46EF6F6D-23AC-402A-8000-0A495137CF31}" type="slidenum">
+              <a:rPr lang="en-GB" smtClean="0"/>
+              <a:pPr/>
+              <a:t>14</a:t>
+            </a:fld>
+            <a:endParaRPr lang="en-GB"/>
+          </a:p>
+        </p:txBody>
+      </p:sp>
+    </p:spTree>
+    <p:extLst>
+      <p:ext uri="{BB962C8B-B14F-4D97-AF65-F5344CB8AC3E}">
+        <p14:creationId xmlns:p14="http://schemas.microsoft.com/office/powerpoint/2010/main" val="2415858610"/>
+      </p:ext>
+    </p:extLst>
+  </p:cSld>
+  <p:clrMapOvr>
+    <a:masterClrMapping/>
+  </p:clrMapOvr>
+</p:notes>
+</file>
+
+<file path=ppt/notesSlides/notesSlide15.xml><?xml version="1.0" encoding="utf-8"?>
+<p:notes xmlns:a="http://schemas.openxmlformats.org/drawingml/2006/main" xmlns:r="http://schemas.openxmlformats.org/officeDocument/2006/relationships" xmlns:p="http://schemas.openxmlformats.org/presentationml/2006/main">
+  <p:cSld>
+    <p:spTree>
+      <p:nvGrpSpPr>
+        <p:cNvPr id="1" name=""/>
+        <p:cNvGrpSpPr/>
+        <p:nvPr/>
+      </p:nvGrpSpPr>
+      <p:grpSpPr>
+        <a:xfrm>
+          <a:off x="0" y="0"/>
+          <a:ext cx="0" cy="0"/>
+          <a:chOff x="0" y="0"/>
+          <a:chExt cx="0" cy="0"/>
+        </a:xfrm>
+      </p:grpSpPr>
+      <p:sp>
+        <p:nvSpPr>
+          <p:cNvPr id="2" name="Slide Image Placeholder 1"/>
+          <p:cNvSpPr>
+            <a:spLocks noGrp="1" noRot="1" noChangeAspect="1"/>
+          </p:cNvSpPr>
+          <p:nvPr>
+            <p:ph type="sldImg"/>
+          </p:nvPr>
+        </p:nvSpPr>
+        <p:spPr/>
+      </p:sp>
+      <p:sp>
+        <p:nvSpPr>
+          <p:cNvPr id="3" name="Notes Placeholder 2"/>
+          <p:cNvSpPr>
+            <a:spLocks noGrp="1"/>
+          </p:cNvSpPr>
+          <p:nvPr>
+            <p:ph type="body" idx="1"/>
+          </p:nvPr>
+        </p:nvSpPr>
+        <p:spPr/>
+        <p:txBody>
+          <a:bodyPr/>
+          <a:lstStyle/>
+          <a:p>
+            <a:endParaRPr lang="en-GB" dirty="0"/>
+          </a:p>
+        </p:txBody>
+      </p:sp>
+      <p:sp>
+        <p:nvSpPr>
+          <p:cNvPr id="4" name="Slide Number Placeholder 3"/>
+          <p:cNvSpPr>
+            <a:spLocks noGrp="1"/>
+          </p:cNvSpPr>
+          <p:nvPr>
+            <p:ph type="sldNum" sz="quarter" idx="10"/>
+          </p:nvPr>
+        </p:nvSpPr>
+        <p:spPr/>
+        <p:txBody>
+          <a:bodyPr/>
+          <a:lstStyle/>
+          <a:p>
+            <a:fld id="{46EF6F6D-23AC-402A-8000-0A495137CF31}" type="slidenum">
+              <a:rPr lang="en-GB" smtClean="0"/>
+              <a:pPr/>
+              <a:t>15</a:t>
+            </a:fld>
+            <a:endParaRPr lang="en-GB"/>
+          </a:p>
+        </p:txBody>
+      </p:sp>
+    </p:spTree>
+    <p:extLst>
+      <p:ext uri="{BB962C8B-B14F-4D97-AF65-F5344CB8AC3E}">
+        <p14:creationId xmlns:p14="http://schemas.microsoft.com/office/powerpoint/2010/main" val="2386976918"/>
+      </p:ext>
+    </p:extLst>
+  </p:cSld>
+  <p:clrMapOvr>
+    <a:masterClrMapping/>
+  </p:clrMapOvr>
+</p:notes>
+</file>
+
+<file path=ppt/notesSlides/notesSlide16.xml><?xml version="1.0" encoding="utf-8"?>
+<p:notes xmlns:a="http://schemas.openxmlformats.org/drawingml/2006/main" xmlns:r="http://schemas.openxmlformats.org/officeDocument/2006/relationships" xmlns:p="http://schemas.openxmlformats.org/presentationml/2006/main">
+  <p:cSld>
+    <p:spTree>
+      <p:nvGrpSpPr>
+        <p:cNvPr id="1" name=""/>
+        <p:cNvGrpSpPr/>
+        <p:nvPr/>
+      </p:nvGrpSpPr>
+      <p:grpSpPr>
+        <a:xfrm>
+          <a:off x="0" y="0"/>
+          <a:ext cx="0" cy="0"/>
+          <a:chOff x="0" y="0"/>
+          <a:chExt cx="0" cy="0"/>
+        </a:xfrm>
+      </p:grpSpPr>
+      <p:sp>
+        <p:nvSpPr>
+          <p:cNvPr id="2" name="Slide Image Placeholder 1"/>
+          <p:cNvSpPr>
+            <a:spLocks noGrp="1" noRot="1" noChangeAspect="1"/>
+          </p:cNvSpPr>
+          <p:nvPr>
+            <p:ph type="sldImg"/>
+          </p:nvPr>
+        </p:nvSpPr>
+        <p:spPr/>
+      </p:sp>
+      <p:sp>
+        <p:nvSpPr>
+          <p:cNvPr id="3" name="Notes Placeholder 2"/>
+          <p:cNvSpPr>
+            <a:spLocks noGrp="1"/>
+          </p:cNvSpPr>
+          <p:nvPr>
+            <p:ph type="body" idx="1"/>
+          </p:nvPr>
+        </p:nvSpPr>
+        <p:spPr/>
+        <p:txBody>
+          <a:bodyPr/>
+          <a:lstStyle/>
+          <a:p>
+            <a:endParaRPr lang="en-GB" dirty="0"/>
+          </a:p>
+        </p:txBody>
+      </p:sp>
+      <p:sp>
+        <p:nvSpPr>
+          <p:cNvPr id="4" name="Slide Number Placeholder 3"/>
+          <p:cNvSpPr>
+            <a:spLocks noGrp="1"/>
+          </p:cNvSpPr>
+          <p:nvPr>
+            <p:ph type="sldNum" sz="quarter" idx="10"/>
+          </p:nvPr>
+        </p:nvSpPr>
+        <p:spPr/>
+        <p:txBody>
+          <a:bodyPr/>
+          <a:lstStyle/>
+          <a:p>
+            <a:fld id="{46EF6F6D-23AC-402A-8000-0A495137CF31}" type="slidenum">
+              <a:rPr lang="en-GB" smtClean="0"/>
+              <a:pPr/>
+              <a:t>16</a:t>
+            </a:fld>
+            <a:endParaRPr lang="en-GB"/>
+          </a:p>
+        </p:txBody>
+      </p:sp>
+    </p:spTree>
+    <p:extLst>
+      <p:ext uri="{BB962C8B-B14F-4D97-AF65-F5344CB8AC3E}">
+        <p14:creationId xmlns:p14="http://schemas.microsoft.com/office/powerpoint/2010/main" val="869634941"/>
+      </p:ext>
+    </p:extLst>
+  </p:cSld>
+  <p:clrMapOvr>
+    <a:masterClrMapping/>
+  </p:clrMapOvr>
+</p:notes>
+</file>
+
+<file path=ppt/notesSlides/notesSlide17.xml><?xml version="1.0" encoding="utf-8"?>
+<p:notes xmlns:a="http://schemas.openxmlformats.org/drawingml/2006/main" xmlns:r="http://schemas.openxmlformats.org/officeDocument/2006/relationships" xmlns:p="http://schemas.openxmlformats.org/presentationml/2006/main">
+  <p:cSld>
+    <p:spTree>
+      <p:nvGrpSpPr>
+        <p:cNvPr id="1" name=""/>
+        <p:cNvGrpSpPr/>
+        <p:nvPr/>
+      </p:nvGrpSpPr>
+      <p:grpSpPr>
+        <a:xfrm>
+          <a:off x="0" y="0"/>
+          <a:ext cx="0" cy="0"/>
+          <a:chOff x="0" y="0"/>
+          <a:chExt cx="0" cy="0"/>
+        </a:xfrm>
+      </p:grpSpPr>
+      <p:sp>
+        <p:nvSpPr>
+          <p:cNvPr id="2" name="Slide Image Placeholder 1"/>
+          <p:cNvSpPr>
+            <a:spLocks noGrp="1" noRot="1" noChangeAspect="1"/>
+          </p:cNvSpPr>
+          <p:nvPr>
+            <p:ph type="sldImg"/>
+          </p:nvPr>
+        </p:nvSpPr>
+        <p:spPr/>
+      </p:sp>
+      <p:sp>
+        <p:nvSpPr>
+          <p:cNvPr id="3" name="Notes Placeholder 2"/>
+          <p:cNvSpPr>
+            <a:spLocks noGrp="1"/>
+          </p:cNvSpPr>
+          <p:nvPr>
+            <p:ph type="body" idx="1"/>
+          </p:nvPr>
+        </p:nvSpPr>
+        <p:spPr/>
+        <p:txBody>
+          <a:bodyPr/>
+          <a:lstStyle/>
+          <a:p>
+            <a:endParaRPr lang="en-GB" dirty="0"/>
+          </a:p>
+        </p:txBody>
+      </p:sp>
+      <p:sp>
+        <p:nvSpPr>
+          <p:cNvPr id="4" name="Slide Number Placeholder 3"/>
+          <p:cNvSpPr>
+            <a:spLocks noGrp="1"/>
+          </p:cNvSpPr>
+          <p:nvPr>
+            <p:ph type="sldNum" sz="quarter" idx="10"/>
+          </p:nvPr>
+        </p:nvSpPr>
+        <p:spPr/>
+        <p:txBody>
+          <a:bodyPr/>
+          <a:lstStyle/>
+          <a:p>
+            <a:fld id="{46EF6F6D-23AC-402A-8000-0A495137CF31}" type="slidenum">
+              <a:rPr lang="en-GB" smtClean="0"/>
+              <a:pPr/>
+              <a:t>17</a:t>
+            </a:fld>
+            <a:endParaRPr lang="en-GB"/>
+          </a:p>
+        </p:txBody>
+      </p:sp>
+    </p:spTree>
+    <p:extLst>
+      <p:ext uri="{BB962C8B-B14F-4D97-AF65-F5344CB8AC3E}">
+        <p14:creationId xmlns:p14="http://schemas.microsoft.com/office/powerpoint/2010/main" val="3298332084"/>
+      </p:ext>
+    </p:extLst>
+  </p:cSld>
+  <p:clrMapOvr>
+    <a:masterClrMapping/>
+  </p:clrMapOvr>
+</p:notes>
+</file>
+
+<file path=ppt/notesSlides/notesSlide18.xml><?xml version="1.0" encoding="utf-8"?>
+<p:notes xmlns:a="http://schemas.openxmlformats.org/drawingml/2006/main" xmlns:r="http://schemas.openxmlformats.org/officeDocument/2006/relationships" xmlns:p="http://schemas.openxmlformats.org/presentationml/2006/main">
+  <p:cSld>
+    <p:spTree>
+      <p:nvGrpSpPr>
+        <p:cNvPr id="1" name=""/>
+        <p:cNvGrpSpPr/>
+        <p:nvPr/>
+      </p:nvGrpSpPr>
+      <p:grpSpPr>
+        <a:xfrm>
+          <a:off x="0" y="0"/>
+          <a:ext cx="0" cy="0"/>
+          <a:chOff x="0" y="0"/>
+          <a:chExt cx="0" cy="0"/>
+        </a:xfrm>
+      </p:grpSpPr>
+      <p:sp>
+        <p:nvSpPr>
+          <p:cNvPr id="2" name="Slide Image Placeholder 1"/>
+          <p:cNvSpPr>
+            <a:spLocks noGrp="1" noRot="1" noChangeAspect="1"/>
+          </p:cNvSpPr>
+          <p:nvPr>
+            <p:ph type="sldImg"/>
+          </p:nvPr>
+        </p:nvSpPr>
+        <p:spPr/>
+      </p:sp>
+      <p:sp>
+        <p:nvSpPr>
+          <p:cNvPr id="3" name="Notes Placeholder 2"/>
+          <p:cNvSpPr>
+            <a:spLocks noGrp="1"/>
+          </p:cNvSpPr>
+          <p:nvPr>
+            <p:ph type="body" idx="1"/>
+          </p:nvPr>
+        </p:nvSpPr>
+        <p:spPr/>
+        <p:txBody>
+          <a:bodyPr/>
+          <a:lstStyle/>
+          <a:p>
+            <a:endParaRPr lang="en-GB" dirty="0"/>
+          </a:p>
+        </p:txBody>
+      </p:sp>
+      <p:sp>
+        <p:nvSpPr>
+          <p:cNvPr id="4" name="Slide Number Placeholder 3"/>
+          <p:cNvSpPr>
+            <a:spLocks noGrp="1"/>
+          </p:cNvSpPr>
+          <p:nvPr>
+            <p:ph type="sldNum" sz="quarter" idx="10"/>
+          </p:nvPr>
+        </p:nvSpPr>
+        <p:spPr/>
+        <p:txBody>
+          <a:bodyPr/>
+          <a:lstStyle/>
+          <a:p>
+            <a:fld id="{46EF6F6D-23AC-402A-8000-0A495137CF31}" type="slidenum">
+              <a:rPr lang="en-GB" smtClean="0"/>
+              <a:pPr/>
+              <a:t>18</a:t>
+            </a:fld>
+            <a:endParaRPr lang="en-GB"/>
+          </a:p>
+        </p:txBody>
+      </p:sp>
+    </p:spTree>
+    <p:extLst>
+      <p:ext uri="{BB962C8B-B14F-4D97-AF65-F5344CB8AC3E}">
+        <p14:creationId xmlns:p14="http://schemas.microsoft.com/office/powerpoint/2010/main" val="193444111"/>
+      </p:ext>
+    </p:extLst>
+  </p:cSld>
+  <p:clrMapOvr>
+    <a:masterClrMapping/>
+  </p:clrMapOvr>
+</p:notes>
+</file>
+
+<file path=ppt/notesSlides/notesSlide19.xml><?xml version="1.0" encoding="utf-8"?>
+<p:notes xmlns:a="http://schemas.openxmlformats.org/drawingml/2006/main" xmlns:r="http://schemas.openxmlformats.org/officeDocument/2006/relationships" xmlns:p="http://schemas.openxmlformats.org/presentationml/2006/main">
+  <p:cSld>
+    <p:spTree>
+      <p:nvGrpSpPr>
+        <p:cNvPr id="1" name=""/>
+        <p:cNvGrpSpPr/>
+        <p:nvPr/>
+      </p:nvGrpSpPr>
+      <p:grpSpPr>
+        <a:xfrm>
+          <a:off x="0" y="0"/>
+          <a:ext cx="0" cy="0"/>
+          <a:chOff x="0" y="0"/>
+          <a:chExt cx="0" cy="0"/>
+        </a:xfrm>
+      </p:grpSpPr>
+      <p:sp>
+        <p:nvSpPr>
+          <p:cNvPr id="2" name="Slide Image Placeholder 1"/>
+          <p:cNvSpPr>
+            <a:spLocks noGrp="1" noRot="1" noChangeAspect="1"/>
+          </p:cNvSpPr>
+          <p:nvPr>
+            <p:ph type="sldImg"/>
+          </p:nvPr>
+        </p:nvSpPr>
+        <p:spPr/>
+      </p:sp>
+      <p:sp>
+        <p:nvSpPr>
+          <p:cNvPr id="3" name="Notes Placeholder 2"/>
+          <p:cNvSpPr>
+            <a:spLocks noGrp="1"/>
+          </p:cNvSpPr>
+          <p:nvPr>
+            <p:ph type="body" idx="1"/>
+          </p:nvPr>
+        </p:nvSpPr>
+        <p:spPr/>
+        <p:txBody>
+          <a:bodyPr/>
+          <a:lstStyle/>
+          <a:p>
+            <a:endParaRPr lang="en-GB" dirty="0"/>
+          </a:p>
+        </p:txBody>
+      </p:sp>
+      <p:sp>
+        <p:nvSpPr>
+          <p:cNvPr id="4" name="Slide Number Placeholder 3"/>
+          <p:cNvSpPr>
+            <a:spLocks noGrp="1"/>
+          </p:cNvSpPr>
+          <p:nvPr>
+            <p:ph type="sldNum" sz="quarter" idx="10"/>
+          </p:nvPr>
+        </p:nvSpPr>
+        <p:spPr/>
+        <p:txBody>
+          <a:bodyPr/>
+          <a:lstStyle/>
+          <a:p>
+            <a:fld id="{46EF6F6D-23AC-402A-8000-0A495137CF31}" type="slidenum">
+              <a:rPr lang="en-GB" smtClean="0"/>
+              <a:pPr/>
+              <a:t>19</a:t>
+            </a:fld>
+            <a:endParaRPr lang="en-GB"/>
+          </a:p>
+        </p:txBody>
+      </p:sp>
+    </p:spTree>
+    <p:extLst>
+      <p:ext uri="{BB962C8B-B14F-4D97-AF65-F5344CB8AC3E}">
+        <p14:creationId xmlns:p14="http://schemas.microsoft.com/office/powerpoint/2010/main" val="778112743"/>
+      </p:ext>
+    </p:extLst>
+  </p:cSld>
+  <p:clrMapOvr>
+    <a:masterClrMapping/>
+  </p:clrMapOvr>
+</p:notes>
+</file>
+
 <file path=ppt/notesSlides/notesSlide2.xml><?xml version="1.0" encoding="utf-8"?>
 <p:notes xmlns:a="http://schemas.openxmlformats.org/drawingml/2006/main" xmlns:r="http://schemas.openxmlformats.org/officeDocument/2006/relationships" xmlns:p="http://schemas.openxmlformats.org/presentationml/2006/main">
   <p:cSld>
@@ -860,6 +2208,180 @@
     <p:extLst>
       <p:ext uri="{BB962C8B-B14F-4D97-AF65-F5344CB8AC3E}">
         <p14:creationId xmlns:p14="http://schemas.microsoft.com/office/powerpoint/2010/main" val="834813934"/>
+      </p:ext>
+    </p:extLst>
+  </p:cSld>
+  <p:clrMapOvr>
+    <a:masterClrMapping/>
+  </p:clrMapOvr>
+</p:notes>
+</file>
+
+<file path=ppt/notesSlides/notesSlide20.xml><?xml version="1.0" encoding="utf-8"?>
+<p:notes xmlns:a="http://schemas.openxmlformats.org/drawingml/2006/main" xmlns:r="http://schemas.openxmlformats.org/officeDocument/2006/relationships" xmlns:p="http://schemas.openxmlformats.org/presentationml/2006/main">
+  <p:cSld>
+    <p:spTree>
+      <p:nvGrpSpPr>
+        <p:cNvPr id="1" name=""/>
+        <p:cNvGrpSpPr/>
+        <p:nvPr/>
+      </p:nvGrpSpPr>
+      <p:grpSpPr>
+        <a:xfrm>
+          <a:off x="0" y="0"/>
+          <a:ext cx="0" cy="0"/>
+          <a:chOff x="0" y="0"/>
+          <a:chExt cx="0" cy="0"/>
+        </a:xfrm>
+      </p:grpSpPr>
+      <p:sp>
+        <p:nvSpPr>
+          <p:cNvPr id="2" name="Slide Image Placeholder 1"/>
+          <p:cNvSpPr>
+            <a:spLocks noGrp="1" noRot="1" noChangeAspect="1"/>
+          </p:cNvSpPr>
+          <p:nvPr>
+            <p:ph type="sldImg"/>
+          </p:nvPr>
+        </p:nvSpPr>
+        <p:spPr/>
+      </p:sp>
+      <p:sp>
+        <p:nvSpPr>
+          <p:cNvPr id="3" name="Notes Placeholder 2"/>
+          <p:cNvSpPr>
+            <a:spLocks noGrp="1"/>
+          </p:cNvSpPr>
+          <p:nvPr>
+            <p:ph type="body" idx="1"/>
+          </p:nvPr>
+        </p:nvSpPr>
+        <p:spPr/>
+        <p:txBody>
+          <a:bodyPr/>
+          <a:lstStyle/>
+          <a:p>
+            <a:endParaRPr lang="en-GB" dirty="0"/>
+          </a:p>
+        </p:txBody>
+      </p:sp>
+      <p:sp>
+        <p:nvSpPr>
+          <p:cNvPr id="4" name="Slide Number Placeholder 3"/>
+          <p:cNvSpPr>
+            <a:spLocks noGrp="1"/>
+          </p:cNvSpPr>
+          <p:nvPr>
+            <p:ph type="sldNum" sz="quarter" idx="10"/>
+          </p:nvPr>
+        </p:nvSpPr>
+        <p:spPr/>
+        <p:txBody>
+          <a:bodyPr/>
+          <a:lstStyle/>
+          <a:p>
+            <a:fld id="{46EF6F6D-23AC-402A-8000-0A495137CF31}" type="slidenum">
+              <a:rPr lang="en-GB" smtClean="0"/>
+              <a:pPr/>
+              <a:t>20</a:t>
+            </a:fld>
+            <a:endParaRPr lang="en-GB"/>
+          </a:p>
+        </p:txBody>
+      </p:sp>
+    </p:spTree>
+    <p:extLst>
+      <p:ext uri="{BB962C8B-B14F-4D97-AF65-F5344CB8AC3E}">
+        <p14:creationId xmlns:p14="http://schemas.microsoft.com/office/powerpoint/2010/main" val="3871306415"/>
+      </p:ext>
+    </p:extLst>
+  </p:cSld>
+  <p:clrMapOvr>
+    <a:masterClrMapping/>
+  </p:clrMapOvr>
+</p:notes>
+</file>
+
+<file path=ppt/notesSlides/notesSlide21.xml><?xml version="1.0" encoding="utf-8"?>
+<p:notes xmlns:a="http://schemas.openxmlformats.org/drawingml/2006/main" xmlns:r="http://schemas.openxmlformats.org/officeDocument/2006/relationships" xmlns:p="http://schemas.openxmlformats.org/presentationml/2006/main">
+  <p:cSld>
+    <p:spTree>
+      <p:nvGrpSpPr>
+        <p:cNvPr id="1" name=""/>
+        <p:cNvGrpSpPr/>
+        <p:nvPr/>
+      </p:nvGrpSpPr>
+      <p:grpSpPr>
+        <a:xfrm>
+          <a:off x="0" y="0"/>
+          <a:ext cx="0" cy="0"/>
+          <a:chOff x="0" y="0"/>
+          <a:chExt cx="0" cy="0"/>
+        </a:xfrm>
+      </p:grpSpPr>
+      <p:sp>
+        <p:nvSpPr>
+          <p:cNvPr id="2" name="Slide Image Placeholder 1"/>
+          <p:cNvSpPr>
+            <a:spLocks noGrp="1" noRot="1" noChangeAspect="1"/>
+          </p:cNvSpPr>
+          <p:nvPr>
+            <p:ph type="sldImg"/>
+          </p:nvPr>
+        </p:nvSpPr>
+        <p:spPr>
+          <a:xfrm>
+            <a:off x="114300" y="746125"/>
+            <a:ext cx="6629400" cy="3729038"/>
+          </a:xfrm>
+        </p:spPr>
+      </p:sp>
+      <p:sp>
+        <p:nvSpPr>
+          <p:cNvPr id="3" name="Notes Placeholder 2"/>
+          <p:cNvSpPr>
+            <a:spLocks noGrp="1"/>
+          </p:cNvSpPr>
+          <p:nvPr>
+            <p:ph type="body" idx="1"/>
+          </p:nvPr>
+        </p:nvSpPr>
+        <p:spPr/>
+        <p:txBody>
+          <a:bodyPr/>
+          <a:lstStyle/>
+          <a:p>
+            <a:endParaRPr lang="en-GB" dirty="0"/>
+          </a:p>
+        </p:txBody>
+      </p:sp>
+      <p:sp>
+        <p:nvSpPr>
+          <p:cNvPr id="4" name="Slide Number Placeholder 3"/>
+          <p:cNvSpPr>
+            <a:spLocks noGrp="1"/>
+          </p:cNvSpPr>
+          <p:nvPr>
+            <p:ph type="sldNum" sz="quarter" idx="10"/>
+          </p:nvPr>
+        </p:nvSpPr>
+        <p:spPr/>
+        <p:txBody>
+          <a:bodyPr/>
+          <a:lstStyle/>
+          <a:p>
+            <a:fld id="{46EF6F6D-23AC-402A-8000-0A495137CF31}" type="slidenum">
+              <a:rPr lang="en-GB" smtClean="0"/>
+              <a:t>21</a:t>
+            </a:fld>
+            <a:endParaRPr lang="en-GB" dirty="0"/>
+          </a:p>
+        </p:txBody>
+      </p:sp>
+    </p:spTree>
+    <p:extLst>
+      <p:ext uri="{BB962C8B-B14F-4D97-AF65-F5344CB8AC3E}">
+        <p14:creationId xmlns:p14="http://schemas.microsoft.com/office/powerpoint/2010/main" val="1966783269"/>
       </p:ext>
     </p:extLst>
   </p:cSld>
@@ -935,7 +2457,7 @@
             <a:fld id="{46EF6F6D-23AC-402A-8000-0A495137CF31}" type="slidenum">
               <a:rPr lang="en-GB" smtClean="0"/>
               <a:pPr/>
-              <a:t>4</a:t>
+              <a:t>3</a:t>
             </a:fld>
             <a:endParaRPr lang="en-GB"/>
           </a:p>
@@ -944,7 +2466,7 @@
     </p:spTree>
     <p:extLst>
       <p:ext uri="{BB962C8B-B14F-4D97-AF65-F5344CB8AC3E}">
-        <p14:creationId xmlns:p14="http://schemas.microsoft.com/office/powerpoint/2010/main" val="831047520"/>
+        <p14:creationId xmlns:p14="http://schemas.microsoft.com/office/powerpoint/2010/main" val="870965556"/>
       </p:ext>
     </p:extLst>
   </p:cSld>
@@ -1020,7 +2542,7 @@
             <a:fld id="{46EF6F6D-23AC-402A-8000-0A495137CF31}" type="slidenum">
               <a:rPr lang="en-GB" smtClean="0"/>
               <a:pPr/>
-              <a:t>5</a:t>
+              <a:t>4</a:t>
             </a:fld>
             <a:endParaRPr lang="en-GB"/>
           </a:p>
@@ -1029,7 +2551,7 @@
     </p:spTree>
     <p:extLst>
       <p:ext uri="{BB962C8B-B14F-4D97-AF65-F5344CB8AC3E}">
-        <p14:creationId xmlns:p14="http://schemas.microsoft.com/office/powerpoint/2010/main" val="1771839338"/>
+        <p14:creationId xmlns:p14="http://schemas.microsoft.com/office/powerpoint/2010/main" val="831047520"/>
       </p:ext>
     </p:extLst>
   </p:cSld>
@@ -1105,7 +2627,7 @@
             <a:fld id="{46EF6F6D-23AC-402A-8000-0A495137CF31}" type="slidenum">
               <a:rPr lang="en-GB" smtClean="0"/>
               <a:pPr/>
-              <a:t>7</a:t>
+              <a:t>5</a:t>
             </a:fld>
             <a:endParaRPr lang="en-GB"/>
           </a:p>
@@ -1114,7 +2636,7 @@
     </p:spTree>
     <p:extLst>
       <p:ext uri="{BB962C8B-B14F-4D97-AF65-F5344CB8AC3E}">
-        <p14:creationId xmlns:p14="http://schemas.microsoft.com/office/powerpoint/2010/main" val="3333613949"/>
+        <p14:creationId xmlns:p14="http://schemas.microsoft.com/office/powerpoint/2010/main" val="1771839338"/>
       </p:ext>
     </p:extLst>
   </p:cSld>
@@ -1190,7 +2712,7 @@
             <a:fld id="{46EF6F6D-23AC-402A-8000-0A495137CF31}" type="slidenum">
               <a:rPr lang="en-GB" smtClean="0"/>
               <a:pPr/>
-              <a:t>8</a:t>
+              <a:t>6</a:t>
             </a:fld>
             <a:endParaRPr lang="en-GB"/>
           </a:p>
@@ -1199,7 +2721,7 @@
     </p:spTree>
     <p:extLst>
       <p:ext uri="{BB962C8B-B14F-4D97-AF65-F5344CB8AC3E}">
-        <p14:creationId xmlns:p14="http://schemas.microsoft.com/office/powerpoint/2010/main" val="1531590621"/>
+        <p14:creationId xmlns:p14="http://schemas.microsoft.com/office/powerpoint/2010/main" val="135566016"/>
       </p:ext>
     </p:extLst>
   </p:cSld>
@@ -1253,9 +2775,6 @@
           <a:bodyPr/>
           <a:lstStyle/>
           <a:p>
-            <a:pPr marL="0" indent="0">
-              <a:buNone/>
-            </a:pPr>
             <a:endParaRPr lang="en-GB" dirty="0"/>
           </a:p>
         </p:txBody>
@@ -1278,7 +2797,7 @@
             <a:fld id="{46EF6F6D-23AC-402A-8000-0A495137CF31}" type="slidenum">
               <a:rPr lang="en-GB" smtClean="0"/>
               <a:pPr/>
-              <a:t>13</a:t>
+              <a:t>7</a:t>
             </a:fld>
             <a:endParaRPr lang="en-GB"/>
           </a:p>
@@ -1287,7 +2806,7 @@
     </p:spTree>
     <p:extLst>
       <p:ext uri="{BB962C8B-B14F-4D97-AF65-F5344CB8AC3E}">
-        <p14:creationId xmlns:p14="http://schemas.microsoft.com/office/powerpoint/2010/main" val="2001727738"/>
+        <p14:creationId xmlns:p14="http://schemas.microsoft.com/office/powerpoint/2010/main" val="3333613949"/>
       </p:ext>
     </p:extLst>
   </p:cSld>
@@ -1363,7 +2882,7 @@
             <a:fld id="{46EF6F6D-23AC-402A-8000-0A495137CF31}" type="slidenum">
               <a:rPr lang="en-GB" smtClean="0"/>
               <a:pPr/>
-              <a:t>19</a:t>
+              <a:t>8</a:t>
             </a:fld>
             <a:endParaRPr lang="en-GB"/>
           </a:p>
@@ -1372,7 +2891,7 @@
     </p:spTree>
     <p:extLst>
       <p:ext uri="{BB962C8B-B14F-4D97-AF65-F5344CB8AC3E}">
-        <p14:creationId xmlns:p14="http://schemas.microsoft.com/office/powerpoint/2010/main" val="2125462953"/>
+        <p14:creationId xmlns:p14="http://schemas.microsoft.com/office/powerpoint/2010/main" val="1531590621"/>
       </p:ext>
     </p:extLst>
   </p:cSld>
@@ -1409,12 +2928,7 @@
             <p:ph type="sldImg"/>
           </p:nvPr>
         </p:nvSpPr>
-        <p:spPr>
-          <a:xfrm>
-            <a:off x="114300" y="746125"/>
-            <a:ext cx="6629400" cy="3729038"/>
-          </a:xfrm>
-        </p:spPr>
+        <p:spPr/>
       </p:sp>
       <p:sp>
         <p:nvSpPr>
@@ -1452,16 +2966,17 @@
           <a:p>
             <a:fld id="{46EF6F6D-23AC-402A-8000-0A495137CF31}" type="slidenum">
               <a:rPr lang="en-GB" smtClean="0"/>
-              <a:t>20</a:t>
+              <a:pPr/>
+              <a:t>9</a:t>
             </a:fld>
-            <a:endParaRPr lang="en-GB" dirty="0"/>
+            <a:endParaRPr lang="en-GB"/>
           </a:p>
         </p:txBody>
       </p:sp>
     </p:spTree>
     <p:extLst>
       <p:ext uri="{BB962C8B-B14F-4D97-AF65-F5344CB8AC3E}">
-        <p14:creationId xmlns:p14="http://schemas.microsoft.com/office/powerpoint/2010/main" val="1966783269"/>
+        <p14:creationId xmlns:p14="http://schemas.microsoft.com/office/powerpoint/2010/main" val="3521861971"/>
       </p:ext>
     </p:extLst>
   </p:cSld>
@@ -1650,7 +3165,7 @@
           <a:p>
             <a:fld id="{EAF04C24-707B-4065-BD2A-174913E33CAD}" type="datetime1">
               <a:rPr lang="en-US" smtClean="0"/>
-              <a:t>12/21/2022</a:t>
+              <a:t>1/26/2023</a:t>
             </a:fld>
             <a:endParaRPr lang="en-US"/>
           </a:p>
@@ -1814,7 +3329,7 @@
           <a:p>
             <a:fld id="{FD9D9861-8C1D-4C98-92B3-BCC4B0D09560}" type="datetime1">
               <a:rPr lang="en-US" smtClean="0"/>
-              <a:t>12/21/2022</a:t>
+              <a:t>1/26/2023</a:t>
             </a:fld>
             <a:endParaRPr lang="en-US"/>
           </a:p>
@@ -1988,7 +3503,7 @@
           <a:p>
             <a:fld id="{AB0C0274-5C94-4B76-84EC-3A88467CFC15}" type="datetime1">
               <a:rPr lang="en-US" smtClean="0"/>
-              <a:t>12/21/2022</a:t>
+              <a:t>1/26/2023</a:t>
             </a:fld>
             <a:endParaRPr lang="en-US"/>
           </a:p>
@@ -2152,7 +3667,7 @@
           <a:p>
             <a:fld id="{14916CE5-BD76-41AC-9004-69129A8710E3}" type="datetime1">
               <a:rPr lang="en-US" smtClean="0"/>
-              <a:t>12/21/2022</a:t>
+              <a:t>1/26/2023</a:t>
             </a:fld>
             <a:endParaRPr lang="en-US"/>
           </a:p>
@@ -2393,7 +3908,7 @@
           <a:p>
             <a:fld id="{33B45A41-6E3C-4260-9C8A-BEADCFEA1C78}" type="datetime1">
               <a:rPr lang="en-US" smtClean="0"/>
-              <a:t>12/21/2022</a:t>
+              <a:t>1/26/2023</a:t>
             </a:fld>
             <a:endParaRPr lang="en-US"/>
           </a:p>
@@ -2674,7 +4189,7 @@
           <a:p>
             <a:fld id="{E9CFCFAF-687E-487C-ACB5-1179BE9033F5}" type="datetime1">
               <a:rPr lang="en-US" smtClean="0"/>
-              <a:t>12/21/2022</a:t>
+              <a:t>1/26/2023</a:t>
             </a:fld>
             <a:endParaRPr lang="en-US"/>
           </a:p>
@@ -3089,7 +4604,7 @@
           <a:p>
             <a:fld id="{DAF04FE4-8347-4CCD-A017-CDAFD39754C9}" type="datetime1">
               <a:rPr lang="en-US" smtClean="0"/>
-              <a:t>12/21/2022</a:t>
+              <a:t>1/26/2023</a:t>
             </a:fld>
             <a:endParaRPr lang="en-US"/>
           </a:p>
@@ -3202,7 +4717,7 @@
           <a:p>
             <a:fld id="{D1C64846-2780-4A47-8ECD-759CB4E9B7AA}" type="datetime1">
               <a:rPr lang="en-US" smtClean="0"/>
-              <a:t>12/21/2022</a:t>
+              <a:t>1/26/2023</a:t>
             </a:fld>
             <a:endParaRPr lang="en-US"/>
           </a:p>
@@ -3293,7 +4808,7 @@
           <a:p>
             <a:fld id="{2E685AD9-6FC3-4F6B-B3FB-7ACE342435AF}" type="datetime1">
               <a:rPr lang="en-US" smtClean="0"/>
-              <a:t>12/21/2022</a:t>
+              <a:t>1/26/2023</a:t>
             </a:fld>
             <a:endParaRPr lang="en-US"/>
           </a:p>
@@ -3564,7 +5079,7 @@
           <a:p>
             <a:fld id="{AF5C5D38-31D8-437D-88E3-6DEA8F6BCB57}" type="datetime1">
               <a:rPr lang="en-US" smtClean="0"/>
-              <a:t>12/21/2022</a:t>
+              <a:t>1/26/2023</a:t>
             </a:fld>
             <a:endParaRPr lang="en-US"/>
           </a:p>
@@ -3812,7 +5327,7 @@
           <a:p>
             <a:fld id="{1F837F4D-7011-48DC-831B-EC5FC5249B8E}" type="datetime1">
               <a:rPr lang="en-US" smtClean="0"/>
-              <a:t>12/21/2022</a:t>
+              <a:t>1/26/2023</a:t>
             </a:fld>
             <a:endParaRPr lang="en-US"/>
           </a:p>
@@ -4024,7 +5539,7 @@
           <a:p>
             <a:fld id="{24F82163-AB2B-4C5F-B49C-399ECE4A4D9E}" type="datetime1">
               <a:rPr lang="en-US" smtClean="0"/>
-              <a:t>12/21/2022</a:t>
+              <a:t>1/26/2023</a:t>
             </a:fld>
             <a:endParaRPr lang="en-US"/>
           </a:p>
@@ -4662,7 +6177,7 @@
           <p:nvPr/>
         </p:nvPicPr>
         <p:blipFill>
-          <a:blip r:embed="rId2">
+          <a:blip r:embed="rId3">
             <a:extLst>
               <a:ext uri="{28A0092B-C50C-407E-A947-70E740481C1C}">
                 <a14:useLocalDpi xmlns:a14="http://schemas.microsoft.com/office/drawing/2010/main" val="0"/>
@@ -4748,7 +6263,11 @@
           <a:lstStyle/>
           <a:p>
             <a:r>
-              <a:rPr lang="en-GB" sz="2000" dirty="0"/>
+              <a:rPr lang="en-GB" sz="2000" b="1" u="sng" dirty="0">
+                <a:solidFill>
+                  <a:schemeClr val="tx2"/>
+                </a:solidFill>
+              </a:rPr>
               <a:t>Pairwise comparisons:</a:t>
             </a:r>
           </a:p>
@@ -4869,7 +6388,7 @@
         <p:spPr>
           <a:xfrm>
             <a:off x="904872" y="1241929"/>
-            <a:ext cx="1194558" cy="461665"/>
+            <a:ext cx="4921988" cy="461665"/>
           </a:xfrm>
           <a:prstGeom prst="rect">
             <a:avLst/>
@@ -4888,7 +6407,7 @@
                   <a:schemeClr val="tx2"/>
                 </a:solidFill>
               </a:rPr>
-              <a:t>If BF &gt; 3</a:t>
+              <a:t>If the BF for ANOVA is greater than 3:</a:t>
             </a:r>
           </a:p>
         </p:txBody>
@@ -5282,7 +6801,7 @@
           <p:nvPr/>
         </p:nvPicPr>
         <p:blipFill rotWithShape="1">
-          <a:blip r:embed="rId2">
+          <a:blip r:embed="rId3">
             <a:extLst>
               <a:ext uri="{28A0092B-C50C-407E-A947-70E740481C1C}">
                 <a14:useLocalDpi xmlns:a14="http://schemas.microsoft.com/office/drawing/2010/main" val="0"/>
@@ -6280,7 +7799,7 @@
         <p:spPr>
           <a:xfrm>
             <a:off x="4375150" y="1171416"/>
-            <a:ext cx="3233257" cy="492443"/>
+            <a:ext cx="3593933" cy="492443"/>
           </a:xfrm>
           <a:prstGeom prst="rect">
             <a:avLst/>
@@ -6297,8 +7816,12 @@
               <a:buNone/>
             </a:pPr>
             <a:r>
-              <a:rPr lang="en-GB" b="1" dirty="0"/>
-              <a:t>Main effect Resilience</a:t>
+              <a:rPr lang="en-GB" b="1" dirty="0">
+                <a:solidFill>
+                  <a:schemeClr val="tx2"/>
+                </a:solidFill>
+              </a:rPr>
+              <a:t>Main effect of Resilience</a:t>
             </a:r>
           </a:p>
         </p:txBody>
@@ -6885,7 +8408,11 @@
               <a:buNone/>
             </a:pPr>
             <a:r>
-              <a:rPr lang="en-GB" b="1" dirty="0"/>
+              <a:rPr lang="en-GB" b="1" dirty="0">
+                <a:solidFill>
+                  <a:schemeClr val="tx2"/>
+                </a:solidFill>
+              </a:rPr>
               <a:t>Main effect of Adversity</a:t>
             </a:r>
           </a:p>
@@ -7449,8 +8976,8 @@
         </p:nvSpPr>
         <p:spPr>
           <a:xfrm>
-            <a:off x="3712559" y="1321863"/>
-            <a:ext cx="4766882" cy="492443"/>
+            <a:off x="3111094" y="1128028"/>
+            <a:ext cx="6441892" cy="492443"/>
           </a:xfrm>
           <a:prstGeom prst="rect">
             <a:avLst/>
@@ -7467,8 +8994,12 @@
               <a:buNone/>
             </a:pPr>
             <a:r>
-              <a:rPr lang="en-GB" b="1" dirty="0"/>
-              <a:t>Resilience x Adversity interaction</a:t>
+              <a:rPr lang="en-GB" b="1" dirty="0">
+                <a:solidFill>
+                  <a:schemeClr val="tx2"/>
+                </a:solidFill>
+              </a:rPr>
+              <a:t>Interaction between Resilience and Adversity</a:t>
             </a:r>
           </a:p>
         </p:txBody>
@@ -8093,7 +9624,7 @@
           <p:nvPr/>
         </p:nvPicPr>
         <p:blipFill>
-          <a:blip r:embed="rId2">
+          <a:blip r:embed="rId3">
             <a:extLst>
               <a:ext uri="{28A0092B-C50C-407E-A947-70E740481C1C}">
                 <a14:useLocalDpi xmlns:a14="http://schemas.microsoft.com/office/drawing/2010/main" val="0"/>
@@ -8107,7 +9638,7 @@
         </p:blipFill>
         <p:spPr bwMode="auto">
           <a:xfrm>
-            <a:off x="2865593" y="185419"/>
+            <a:off x="2926553" y="239026"/>
             <a:ext cx="6670675" cy="4002405"/>
           </a:xfrm>
           <a:prstGeom prst="rect">
@@ -8178,7 +9709,7 @@
         <p:spPr>
           <a:xfrm>
             <a:off x="1507398" y="4259263"/>
-            <a:ext cx="10075002" cy="2462213"/>
+            <a:ext cx="7842468" cy="769441"/>
           </a:xfrm>
           <a:prstGeom prst="rect">
             <a:avLst/>
@@ -8209,65 +9740,165 @@
               <a:t>Are the distress scores on the left lower than those on the right?</a:t>
             </a:r>
           </a:p>
-          <a:p>
-            <a:r>
-              <a:rPr lang="en-GB" sz="2200" b="1" dirty="0">
+        </p:txBody>
+      </p:sp>
+      <p:sp>
+        <p:nvSpPr>
+          <p:cNvPr id="8" name="TextBox 7"/>
+          <p:cNvSpPr txBox="1"/>
+          <p:nvPr/>
+        </p:nvSpPr>
+        <p:spPr>
+          <a:xfrm>
+            <a:off x="190752" y="559861"/>
+            <a:ext cx="2440092" cy="461665"/>
+          </a:xfrm>
+          <a:prstGeom prst="rect">
+            <a:avLst/>
+          </a:prstGeom>
+          <a:noFill/>
+        </p:spPr>
+        <p:txBody>
+          <a:bodyPr wrap="none" rtlCol="0">
+            <a:spAutoFit/>
+          </a:bodyPr>
+          <a:lstStyle/>
+          <a:p>
+            <a:r>
+              <a:rPr lang="en-GB" sz="2400" b="1" dirty="0">
                 <a:solidFill>
                   <a:schemeClr val="tx2"/>
                 </a:solidFill>
               </a:rPr>
-              <a:t>Main effect of Adversity:</a:t>
-            </a:r>
-          </a:p>
-          <a:p>
-            <a:pPr marL="285750" indent="-285750">
-              <a:buFont typeface="Arial" panose="020B0604020202020204" pitchFamily="34" charset="0"/>
-              <a:buChar char="•"/>
-            </a:pPr>
-            <a:r>
-              <a:rPr lang="en-GB" sz="2200" dirty="0"/>
-              <a:t>Are the distress scores in red, higher than those in blue?</a:t>
-            </a:r>
-          </a:p>
-          <a:p>
-            <a:r>
-              <a:rPr lang="en-GB" sz="2200" b="1" dirty="0">
-                <a:solidFill>
-                  <a:schemeClr val="tx2"/>
-                </a:solidFill>
-              </a:rPr>
-              <a:t>Interaction between Resilience and Adversity (arrows)</a:t>
-            </a:r>
-          </a:p>
-          <a:p>
-            <a:pPr marL="285750" indent="-285750">
-              <a:buFont typeface="Arial" panose="020B0604020202020204" pitchFamily="34" charset="0"/>
-              <a:buChar char="•"/>
-            </a:pPr>
-            <a:r>
-              <a:rPr lang="en-GB" sz="2200" dirty="0"/>
-              <a:t>Is the effect of adversity different at each level of resilience?</a:t>
-            </a:r>
-            <a:br>
-              <a:rPr lang="en-GB" sz="2200" dirty="0"/>
-            </a:br>
-            <a:r>
-              <a:rPr lang="en-GB" sz="2200" dirty="0"/>
-              <a:t>(Is the difference between red and blue points the same on the left as on the right?)</a:t>
-            </a:r>
+              <a:t>Plot of the means</a:t>
+            </a:r>
+          </a:p>
+        </p:txBody>
+      </p:sp>
+      <p:sp>
+        <p:nvSpPr>
+          <p:cNvPr id="2" name="Oval 1">
+            <a:extLst>
+              <a:ext uri="{FF2B5EF4-FFF2-40B4-BE49-F238E27FC236}">
+                <a16:creationId xmlns:a16="http://schemas.microsoft.com/office/drawing/2014/main" id="{86E41597-B2CD-4C55-945F-5C09750B2EAC}"/>
+              </a:ext>
+            </a:extLst>
+          </p:cNvPr>
+          <p:cNvSpPr/>
+          <p:nvPr/>
+        </p:nvSpPr>
+        <p:spPr>
+          <a:xfrm>
+            <a:off x="4419600" y="2468880"/>
+            <a:ext cx="1310640" cy="1478280"/>
+          </a:xfrm>
+          <a:prstGeom prst="ellipse">
+            <a:avLst/>
+          </a:prstGeom>
+          <a:noFill/>
+          <a:ln>
+            <a:solidFill>
+              <a:schemeClr val="accent2"/>
+            </a:solidFill>
+            <a:prstDash val="dash"/>
+          </a:ln>
+        </p:spPr>
+        <p:style>
+          <a:lnRef idx="2">
+            <a:schemeClr val="accent1">
+              <a:shade val="50000"/>
+            </a:schemeClr>
+          </a:lnRef>
+          <a:fillRef idx="1">
+            <a:schemeClr val="accent1"/>
+          </a:fillRef>
+          <a:effectRef idx="0">
+            <a:schemeClr val="accent1"/>
+          </a:effectRef>
+          <a:fontRef idx="minor">
+            <a:schemeClr val="lt1"/>
+          </a:fontRef>
+        </p:style>
+        <p:txBody>
+          <a:bodyPr rtlCol="0" anchor="ctr"/>
+          <a:lstStyle/>
+          <a:p>
+            <a:pPr algn="ctr"/>
+            <a:endParaRPr lang="en-GB"/>
+          </a:p>
+        </p:txBody>
+      </p:sp>
+      <p:sp>
+        <p:nvSpPr>
+          <p:cNvPr id="10" name="Oval 9">
+            <a:extLst>
+              <a:ext uri="{FF2B5EF4-FFF2-40B4-BE49-F238E27FC236}">
+                <a16:creationId xmlns:a16="http://schemas.microsoft.com/office/drawing/2014/main" id="{CFFF157D-4242-4C01-AA5D-B7F3201A2800}"/>
+              </a:ext>
+            </a:extLst>
+          </p:cNvPr>
+          <p:cNvSpPr/>
+          <p:nvPr/>
+        </p:nvSpPr>
+        <p:spPr>
+          <a:xfrm>
+            <a:off x="7086600" y="990600"/>
+            <a:ext cx="1432560" cy="2164080"/>
+          </a:xfrm>
+          <a:prstGeom prst="ellipse">
+            <a:avLst/>
+          </a:prstGeom>
+          <a:noFill/>
+          <a:ln>
+            <a:solidFill>
+              <a:schemeClr val="accent2"/>
+            </a:solidFill>
+            <a:prstDash val="dash"/>
+          </a:ln>
+        </p:spPr>
+        <p:style>
+          <a:lnRef idx="2">
+            <a:schemeClr val="accent1">
+              <a:shade val="50000"/>
+            </a:schemeClr>
+          </a:lnRef>
+          <a:fillRef idx="1">
+            <a:schemeClr val="accent1"/>
+          </a:fillRef>
+          <a:effectRef idx="0">
+            <a:schemeClr val="accent1"/>
+          </a:effectRef>
+          <a:fontRef idx="minor">
+            <a:schemeClr val="lt1"/>
+          </a:fontRef>
+        </p:style>
+        <p:txBody>
+          <a:bodyPr rtlCol="0" anchor="ctr"/>
+          <a:lstStyle/>
+          <a:p>
+            <a:pPr algn="ctr"/>
+            <a:endParaRPr lang="en-GB"/>
           </a:p>
         </p:txBody>
       </p:sp>
       <p:cxnSp>
         <p:nvCxnSpPr>
-          <p:cNvPr id="12" name="Straight Arrow Connector 11"/>
-          <p:cNvCxnSpPr/>
+          <p:cNvPr id="13" name="Straight Arrow Connector 12">
+            <a:extLst>
+              <a:ext uri="{FF2B5EF4-FFF2-40B4-BE49-F238E27FC236}">
+                <a16:creationId xmlns:a16="http://schemas.microsoft.com/office/drawing/2014/main" id="{EDD64EE4-884F-4B59-96F2-D07FF44F4096}"/>
+              </a:ext>
+            </a:extLst>
+          </p:cNvPr>
+          <p:cNvCxnSpPr>
+            <a:cxnSpLocks/>
+          </p:cNvCxnSpPr>
           <p:nvPr/>
         </p:nvCxnSpPr>
         <p:spPr>
-          <a:xfrm>
-            <a:off x="4900170" y="2849880"/>
-            <a:ext cx="388620" cy="321628"/>
+          <a:xfrm flipV="1">
+            <a:off x="5810986" y="2072640"/>
+            <a:ext cx="1168934" cy="752421"/>
           </a:xfrm>
           <a:prstGeom prst="straightConnector1">
             <a:avLst/>
@@ -8279,8 +9910,8 @@
               </a:schemeClr>
             </a:solidFill>
             <a:prstDash val="dash"/>
-            <a:headEnd type="triangle"/>
-            <a:tailEnd type="triangle"/>
+            <a:headEnd type="triangle" w="lg" len="lg"/>
+            <a:tailEnd type="triangle" w="lg" len="lg"/>
           </a:ln>
         </p:spPr>
         <p:style>
@@ -8298,79 +9929,6 @@
           </a:fontRef>
         </p:style>
       </p:cxnSp>
-      <p:cxnSp>
-        <p:nvCxnSpPr>
-          <p:cNvPr id="16" name="Straight Arrow Connector 15"/>
-          <p:cNvCxnSpPr/>
-          <p:nvPr/>
-        </p:nvCxnSpPr>
-        <p:spPr>
-          <a:xfrm>
-            <a:off x="7717609" y="1206192"/>
-            <a:ext cx="373380" cy="1249680"/>
-          </a:xfrm>
-          <a:prstGeom prst="straightConnector1">
-            <a:avLst/>
-          </a:prstGeom>
-          <a:ln w="19050">
-            <a:solidFill>
-              <a:schemeClr val="accent2">
-                <a:lumMod val="75000"/>
-              </a:schemeClr>
-            </a:solidFill>
-            <a:prstDash val="dash"/>
-            <a:headEnd type="triangle"/>
-            <a:tailEnd type="triangle"/>
-          </a:ln>
-        </p:spPr>
-        <p:style>
-          <a:lnRef idx="1">
-            <a:schemeClr val="accent1"/>
-          </a:lnRef>
-          <a:fillRef idx="0">
-            <a:schemeClr val="accent1"/>
-          </a:fillRef>
-          <a:effectRef idx="0">
-            <a:schemeClr val="accent1"/>
-          </a:effectRef>
-          <a:fontRef idx="minor">
-            <a:schemeClr val="tx1"/>
-          </a:fontRef>
-        </p:style>
-      </p:cxnSp>
-      <p:sp>
-        <p:nvSpPr>
-          <p:cNvPr id="8" name="TextBox 7"/>
-          <p:cNvSpPr txBox="1"/>
-          <p:nvPr/>
-        </p:nvSpPr>
-        <p:spPr>
-          <a:xfrm>
-            <a:off x="190752" y="559861"/>
-            <a:ext cx="2440092" cy="461665"/>
-          </a:xfrm>
-          <a:prstGeom prst="rect">
-            <a:avLst/>
-          </a:prstGeom>
-          <a:noFill/>
-        </p:spPr>
-        <p:txBody>
-          <a:bodyPr wrap="none" rtlCol="0">
-            <a:spAutoFit/>
-          </a:bodyPr>
-          <a:lstStyle/>
-          <a:p>
-            <a:r>
-              <a:rPr lang="en-GB" sz="2400" b="1" dirty="0">
-                <a:solidFill>
-                  <a:schemeClr val="tx2"/>
-                </a:solidFill>
-              </a:rPr>
-              <a:t>Plot of the means</a:t>
-            </a:r>
-          </a:p>
-        </p:txBody>
-      </p:sp>
     </p:spTree>
     <p:extLst>
       <p:ext uri="{BB962C8B-B14F-4D97-AF65-F5344CB8AC3E}">
@@ -8482,7 +10040,7 @@
                             </p:stCondLst>
                             <p:childTnLst>
                               <p:par>
-                                <p:cTn id="11" presetID="1" presetClass="entr" presetSubtype="0" fill="hold" nodeType="clickEffect">
+                                <p:cTn id="11" presetID="1" presetClass="entr" presetSubtype="0" fill="hold" grpId="0" nodeType="clickEffect">
                                   <p:stCondLst>
                                     <p:cond delay="0"/>
                                   </p:stCondLst>
@@ -8495,11 +10053,7 @@
                                           </p:stCondLst>
                                         </p:cTn>
                                         <p:tgtEl>
-                                          <p:spTgt spid="5">
-                                            <p:txEl>
-                                              <p:pRg st="2" end="2"/>
-                                            </p:txEl>
-                                          </p:spTgt>
+                                          <p:spTgt spid="2"/>
                                         </p:tgtEl>
                                         <p:attrNameLst>
                                           <p:attrName>style.visibility</p:attrName>
@@ -8513,7 +10067,7 @@
                                 </p:cTn>
                               </p:par>
                               <p:par>
-                                <p:cTn id="13" presetID="1" presetClass="entr" presetSubtype="0" fill="hold" nodeType="withEffect">
+                                <p:cTn id="13" presetID="1" presetClass="entr" presetSubtype="0" fill="hold" grpId="0" nodeType="withEffect">
                                   <p:stCondLst>
                                     <p:cond delay="0"/>
                                   </p:stCondLst>
@@ -8526,11 +10080,7 @@
                                           </p:stCondLst>
                                         </p:cTn>
                                         <p:tgtEl>
-                                          <p:spTgt spid="5">
-                                            <p:txEl>
-                                              <p:pRg st="3" end="3"/>
-                                            </p:txEl>
-                                          </p:spTgt>
+                                          <p:spTgt spid="10"/>
                                         </p:tgtEl>
                                         <p:attrNameLst>
                                           <p:attrName>style.visibility</p:attrName>
@@ -8575,96 +10125,7 @@
                                           </p:stCondLst>
                                         </p:cTn>
                                         <p:tgtEl>
-                                          <p:spTgt spid="5">
-                                            <p:txEl>
-                                              <p:pRg st="4" end="4"/>
-                                            </p:txEl>
-                                          </p:spTgt>
-                                        </p:tgtEl>
-                                        <p:attrNameLst>
-                                          <p:attrName>style.visibility</p:attrName>
-                                        </p:attrNameLst>
-                                      </p:cBhvr>
-                                      <p:to>
-                                        <p:strVal val="visible"/>
-                                      </p:to>
-                                    </p:set>
-                                  </p:childTnLst>
-                                </p:cTn>
-                              </p:par>
-                              <p:par>
-                                <p:cTn id="19" presetID="1" presetClass="entr" presetSubtype="0" fill="hold" nodeType="withEffect">
-                                  <p:stCondLst>
-                                    <p:cond delay="0"/>
-                                  </p:stCondLst>
-                                  <p:childTnLst>
-                                    <p:set>
-                                      <p:cBhvr>
-                                        <p:cTn id="20" dur="1" fill="hold">
-                                          <p:stCondLst>
-                                            <p:cond delay="0"/>
-                                          </p:stCondLst>
-                                        </p:cTn>
-                                        <p:tgtEl>
-                                          <p:spTgt spid="5">
-                                            <p:txEl>
-                                              <p:pRg st="5" end="5"/>
-                                            </p:txEl>
-                                          </p:spTgt>
-                                        </p:tgtEl>
-                                        <p:attrNameLst>
-                                          <p:attrName>style.visibility</p:attrName>
-                                        </p:attrNameLst>
-                                      </p:cBhvr>
-                                      <p:to>
-                                        <p:strVal val="visible"/>
-                                      </p:to>
-                                    </p:set>
-                                  </p:childTnLst>
-                                </p:cTn>
-                              </p:par>
-                              <p:par>
-                                <p:cTn id="21" presetID="1" presetClass="entr" presetSubtype="0" fill="hold" nodeType="withEffect">
-                                  <p:stCondLst>
-                                    <p:cond delay="0"/>
-                                  </p:stCondLst>
-                                  <p:childTnLst>
-                                    <p:set>
-                                      <p:cBhvr>
-                                        <p:cTn id="22" dur="1" fill="hold">
-                                          <p:stCondLst>
-                                            <p:cond delay="0"/>
-                                          </p:stCondLst>
-                                        </p:cTn>
-                                        <p:tgtEl>
-                                          <p:spTgt spid="12"/>
-                                        </p:tgtEl>
-                                        <p:attrNameLst>
-                                          <p:attrName>style.visibility</p:attrName>
-                                        </p:attrNameLst>
-                                      </p:cBhvr>
-                                      <p:to>
-                                        <p:strVal val="visible"/>
-                                      </p:to>
-                                    </p:set>
-                                  </p:childTnLst>
-                                </p:cTn>
-                              </p:par>
-                              <p:par>
-                                <p:cTn id="23" presetID="1" presetClass="entr" presetSubtype="0" fill="hold" nodeType="withEffect">
-                                  <p:stCondLst>
-                                    <p:cond delay="0"/>
-                                  </p:stCondLst>
-                                  <p:childTnLst>
-                                    <p:set>
-                                      <p:cBhvr>
-                                        <p:cTn id="24" dur="1" fill="hold">
-                                          <p:stCondLst>
-                                            <p:cond delay="0"/>
-                                          </p:stCondLst>
-                                        </p:cTn>
-                                        <p:tgtEl>
-                                          <p:spTgt spid="16"/>
+                                          <p:spTgt spid="13"/>
                                         </p:tgtEl>
                                         <p:attrNameLst>
                                           <p:attrName>style.visibility</p:attrName>
@@ -8704,6 +10165,10 @@
         </p:cTn>
       </p:par>
     </p:tnLst>
+    <p:bldLst>
+      <p:bldP spid="2" grpId="0" animBg="1"/>
+      <p:bldP spid="10" grpId="0" animBg="1"/>
+    </p:bldLst>
   </p:timing>
 </p:sld>
 </file>
@@ -8727,94 +10192,6 @@
       </p:grpSpPr>
       <p:sp>
         <p:nvSpPr>
-          <p:cNvPr id="3" name="Content Placeholder 2"/>
-          <p:cNvSpPr>
-            <a:spLocks noGrp="1"/>
-          </p:cNvSpPr>
-          <p:nvPr>
-            <p:ph idx="1"/>
-          </p:nvPr>
-        </p:nvSpPr>
-        <p:spPr>
-          <a:xfrm>
-            <a:off x="2162628" y="934634"/>
-            <a:ext cx="7866743" cy="4525963"/>
-          </a:xfrm>
-        </p:spPr>
-        <p:txBody>
-          <a:bodyPr/>
-          <a:lstStyle/>
-          <a:p>
-            <a:r>
-              <a:rPr lang="en-GB" dirty="0"/>
-              <a:t>If there’s evidence for an interaction, </a:t>
-            </a:r>
-            <a:r>
-              <a:rPr lang="en-GB" dirty="0">
-                <a:solidFill>
-                  <a:schemeClr val="tx2"/>
-                </a:solidFill>
-              </a:rPr>
-              <a:t>follow-up</a:t>
-            </a:r>
-            <a:r>
-              <a:rPr lang="en-GB" dirty="0"/>
-              <a:t> </a:t>
-            </a:r>
-            <a:r>
-              <a:rPr lang="en-GB" dirty="0">
-                <a:solidFill>
-                  <a:schemeClr val="tx2"/>
-                </a:solidFill>
-              </a:rPr>
-              <a:t>comparisons</a:t>
-            </a:r>
-            <a:r>
-              <a:rPr lang="en-GB" dirty="0"/>
-              <a:t> can be conducted to determine whether there’s evidence for an effect of a factor </a:t>
-            </a:r>
-            <a:r>
-              <a:rPr lang="en-GB" i="1" dirty="0"/>
-              <a:t>within</a:t>
-            </a:r>
-            <a:r>
-              <a:rPr lang="en-GB" dirty="0"/>
-              <a:t> each level of the other factor. </a:t>
-            </a:r>
-          </a:p>
-          <a:p>
-            <a:r>
-              <a:rPr lang="en-GB" dirty="0"/>
-              <a:t>e.g., </a:t>
-            </a:r>
-          </a:p>
-          <a:p>
-            <a:pPr lvl="1"/>
-            <a:r>
-              <a:rPr lang="en-GB" dirty="0"/>
-              <a:t>is there evidence of an effect of adversity within high resilience individuals?</a:t>
-            </a:r>
-          </a:p>
-          <a:p>
-            <a:pPr lvl="1"/>
-            <a:r>
-              <a:rPr lang="en-GB" dirty="0"/>
-              <a:t>is there evidence of an effect of adversity within low resilience individuals?</a:t>
-            </a:r>
-          </a:p>
-          <a:p>
-            <a:pPr marL="457200" lvl="1" indent="0">
-              <a:buNone/>
-            </a:pPr>
-            <a:endParaRPr lang="en-GB" dirty="0"/>
-          </a:p>
-          <a:p>
-            <a:endParaRPr lang="en-GB" dirty="0"/>
-          </a:p>
-        </p:txBody>
-      </p:sp>
-      <p:sp>
-        <p:nvSpPr>
           <p:cNvPr id="4" name="Slide Number Placeholder 3"/>
           <p:cNvSpPr>
             <a:spLocks noGrp="1"/>
@@ -8837,44 +10214,78 @@
           </a:p>
         </p:txBody>
       </p:sp>
-      <p:sp>
-        <p:nvSpPr>
-          <p:cNvPr id="5" name="TextBox 4"/>
+      <p:pic>
+        <p:nvPicPr>
+          <p:cNvPr id="8194" name="Picture 2" descr="Distress scores as a function of adversity and resilience (error bars indicate standard error of the mean)"/>
+          <p:cNvPicPr>
+            <a:picLocks noChangeAspect="1" noChangeArrowheads="1"/>
+          </p:cNvPicPr>
+          <p:nvPr/>
+        </p:nvPicPr>
+        <p:blipFill>
+          <a:blip r:embed="rId3">
+            <a:extLst>
+              <a:ext uri="{28A0092B-C50C-407E-A947-70E740481C1C}">
+                <a14:useLocalDpi xmlns:a14="http://schemas.microsoft.com/office/drawing/2010/main" val="0"/>
+              </a:ext>
+            </a:extLst>
+          </a:blip>
+          <a:srcRect/>
+          <a:stretch>
+            <a:fillRect/>
+          </a:stretch>
+        </p:blipFill>
+        <p:spPr bwMode="auto">
+          <a:xfrm>
+            <a:off x="2865593" y="185419"/>
+            <a:ext cx="6670675" cy="4002405"/>
+          </a:xfrm>
+          <a:prstGeom prst="rect">
+            <a:avLst/>
+          </a:prstGeom>
+          <a:noFill/>
+          <a:extLst>
+            <a:ext uri="{909E8E84-426E-40DD-AFC4-6F175D3DCCD1}">
+              <a14:hiddenFill xmlns:a14="http://schemas.microsoft.com/office/drawing/2010/main">
+                <a:solidFill>
+                  <a:srgbClr val="FFFFFF"/>
+                </a:solidFill>
+              </a14:hiddenFill>
+            </a:ext>
+          </a:extLst>
+        </p:spPr>
+      </p:pic>
+      <p:sp>
+        <p:nvSpPr>
+          <p:cNvPr id="6" name="TextBox 5"/>
           <p:cNvSpPr txBox="1"/>
           <p:nvPr/>
         </p:nvSpPr>
         <p:spPr>
           <a:xfrm>
-            <a:off x="5961867" y="5655469"/>
-            <a:ext cx="4973957" cy="646331"/>
+            <a:off x="190752" y="1021526"/>
+            <a:ext cx="1997663" cy="369332"/>
           </a:xfrm>
           <a:prstGeom prst="rect">
             <a:avLst/>
           </a:prstGeom>
           <a:solidFill>
-            <a:schemeClr val="accent6">
-              <a:lumMod val="60000"/>
-              <a:lumOff val="40000"/>
+            <a:schemeClr val="bg1">
+              <a:lumMod val="85000"/>
             </a:schemeClr>
           </a:solidFill>
         </p:spPr>
         <p:txBody>
-          <a:bodyPr wrap="square" rtlCol="0">
+          <a:bodyPr wrap="none" rtlCol="0">
             <a:spAutoFit/>
           </a:bodyPr>
           <a:lstStyle/>
           <a:p>
-            <a:r>
-              <a:rPr lang="en-GB" dirty="0">
-                <a:latin typeface="+mj-lt"/>
-              </a:rPr>
-              <a:t>Subset the data for the groups we want, then use </a:t>
-            </a:r>
             <a:r>
               <a:rPr lang="en-GB" dirty="0" err="1">
                 <a:latin typeface="Lucida Console" panose="020B0609040504020204" pitchFamily="49" charset="0"/>
               </a:rPr>
-              <a:t>anovaBF</a:t>
+              <a:t>ggerrorplot</a:t>
             </a:r>
             <a:r>
               <a:rPr lang="en-GB" dirty="0">
@@ -8882,37 +10293,265 @@
               </a:rPr>
               <a:t>()</a:t>
             </a:r>
-            <a:r>
-              <a:rPr lang="en-GB" sz="900" dirty="0">
-                <a:latin typeface="Lucida Console" panose="020B0609040504020204" pitchFamily="49" charset="0"/>
+            <a:endParaRPr lang="en-GB" sz="1400" dirty="0">
+              <a:latin typeface="Lucida Console" panose="020B0609040504020204" pitchFamily="49" charset="0"/>
+            </a:endParaRPr>
+          </a:p>
+        </p:txBody>
+      </p:sp>
+      <p:sp>
+        <p:nvSpPr>
+          <p:cNvPr id="5" name="Rectangle 4"/>
+          <p:cNvSpPr/>
+          <p:nvPr/>
+        </p:nvSpPr>
+        <p:spPr>
+          <a:xfrm>
+            <a:off x="1507398" y="4259263"/>
+            <a:ext cx="7842468" cy="1446550"/>
+          </a:xfrm>
+          <a:prstGeom prst="rect">
+            <a:avLst/>
+          </a:prstGeom>
+        </p:spPr>
+        <p:txBody>
+          <a:bodyPr wrap="none">
+            <a:spAutoFit/>
+          </a:bodyPr>
+          <a:lstStyle/>
+          <a:p>
+            <a:r>
+              <a:rPr lang="en-GB" sz="2200" b="1" dirty="0">
+                <a:solidFill>
+                  <a:schemeClr val="tx2"/>
+                </a:solidFill>
               </a:rPr>
-              <a:t> </a:t>
-            </a:r>
-            <a:r>
-              <a:rPr lang="en-GB" dirty="0">
-                <a:latin typeface="+mj-lt"/>
+              <a:t>Main effect Resilience: </a:t>
+            </a:r>
+          </a:p>
+          <a:p>
+            <a:pPr marL="285750" indent="-285750">
+              <a:buFont typeface="Arial" panose="020B0604020202020204" pitchFamily="34" charset="0"/>
+              <a:buChar char="•"/>
+            </a:pPr>
+            <a:r>
+              <a:rPr lang="en-GB" sz="2200" dirty="0"/>
+              <a:t>Are the distress scores on the left lower than those on the right?</a:t>
+            </a:r>
+          </a:p>
+          <a:p>
+            <a:r>
+              <a:rPr lang="en-GB" sz="2200" b="1" dirty="0">
+                <a:solidFill>
+                  <a:schemeClr val="tx2"/>
+                </a:solidFill>
               </a:rPr>
-              <a:t>again but with the </a:t>
-            </a:r>
-            <a:r>
-              <a:rPr lang="en-GB" dirty="0" err="1">
-                <a:latin typeface="+mj-lt"/>
+              <a:t>Main effect of Adversity:</a:t>
+            </a:r>
+          </a:p>
+          <a:p>
+            <a:pPr marL="285750" indent="-285750">
+              <a:buFont typeface="Arial" panose="020B0604020202020204" pitchFamily="34" charset="0"/>
+              <a:buChar char="•"/>
+            </a:pPr>
+            <a:r>
+              <a:rPr lang="en-GB" sz="2200" dirty="0"/>
+              <a:t>Are the distress scores in red, higher than those in blue?</a:t>
+            </a:r>
+          </a:p>
+        </p:txBody>
+      </p:sp>
+      <p:sp>
+        <p:nvSpPr>
+          <p:cNvPr id="8" name="TextBox 7"/>
+          <p:cNvSpPr txBox="1"/>
+          <p:nvPr/>
+        </p:nvSpPr>
+        <p:spPr>
+          <a:xfrm>
+            <a:off x="190752" y="559861"/>
+            <a:ext cx="2440092" cy="461665"/>
+          </a:xfrm>
+          <a:prstGeom prst="rect">
+            <a:avLst/>
+          </a:prstGeom>
+          <a:noFill/>
+        </p:spPr>
+        <p:txBody>
+          <a:bodyPr wrap="none" rtlCol="0">
+            <a:spAutoFit/>
+          </a:bodyPr>
+          <a:lstStyle/>
+          <a:p>
+            <a:r>
+              <a:rPr lang="en-GB" sz="2400" b="1" dirty="0">
+                <a:solidFill>
+                  <a:schemeClr val="tx2"/>
+                </a:solidFill>
               </a:rPr>
-              <a:t>subsetted</a:t>
-            </a:r>
-            <a:r>
-              <a:rPr lang="en-GB" dirty="0">
-                <a:latin typeface="+mj-lt"/>
-              </a:rPr>
-              <a:t> data</a:t>
-            </a:r>
-          </a:p>
-        </p:txBody>
-      </p:sp>
+              <a:t>Plot of the means</a:t>
+            </a:r>
+          </a:p>
+        </p:txBody>
+      </p:sp>
+      <p:sp>
+        <p:nvSpPr>
+          <p:cNvPr id="9" name="Oval 8">
+            <a:extLst>
+              <a:ext uri="{FF2B5EF4-FFF2-40B4-BE49-F238E27FC236}">
+                <a16:creationId xmlns:a16="http://schemas.microsoft.com/office/drawing/2014/main" id="{9242827D-5B36-47D9-9171-7641E4E758D8}"/>
+              </a:ext>
+            </a:extLst>
+          </p:cNvPr>
+          <p:cNvSpPr/>
+          <p:nvPr/>
+        </p:nvSpPr>
+        <p:spPr>
+          <a:xfrm rot="19699258">
+            <a:off x="3769273" y="1801419"/>
+            <a:ext cx="4930266" cy="711850"/>
+          </a:xfrm>
+          <a:prstGeom prst="ellipse">
+            <a:avLst/>
+          </a:prstGeom>
+          <a:noFill/>
+          <a:ln>
+            <a:solidFill>
+              <a:schemeClr val="accent2"/>
+            </a:solidFill>
+            <a:prstDash val="dash"/>
+          </a:ln>
+        </p:spPr>
+        <p:style>
+          <a:lnRef idx="2">
+            <a:schemeClr val="accent1">
+              <a:shade val="50000"/>
+            </a:schemeClr>
+          </a:lnRef>
+          <a:fillRef idx="1">
+            <a:schemeClr val="accent1"/>
+          </a:fillRef>
+          <a:effectRef idx="0">
+            <a:schemeClr val="accent1"/>
+          </a:effectRef>
+          <a:fontRef idx="minor">
+            <a:schemeClr val="lt1"/>
+          </a:fontRef>
+        </p:style>
+        <p:txBody>
+          <a:bodyPr rtlCol="0" anchor="ctr"/>
+          <a:lstStyle/>
+          <a:p>
+            <a:pPr algn="ctr"/>
+            <a:endParaRPr lang="en-GB"/>
+          </a:p>
+        </p:txBody>
+      </p:sp>
+      <p:sp>
+        <p:nvSpPr>
+          <p:cNvPr id="11" name="Oval 10">
+            <a:extLst>
+              <a:ext uri="{FF2B5EF4-FFF2-40B4-BE49-F238E27FC236}">
+                <a16:creationId xmlns:a16="http://schemas.microsoft.com/office/drawing/2014/main" id="{EFE78DEB-38B5-40B4-87A2-0530F66D98D5}"/>
+              </a:ext>
+            </a:extLst>
+          </p:cNvPr>
+          <p:cNvSpPr/>
+          <p:nvPr/>
+        </p:nvSpPr>
+        <p:spPr>
+          <a:xfrm rot="20845280">
+            <a:off x="4888360" y="2775751"/>
+            <a:ext cx="3956980" cy="509181"/>
+          </a:xfrm>
+          <a:prstGeom prst="ellipse">
+            <a:avLst/>
+          </a:prstGeom>
+          <a:noFill/>
+          <a:ln>
+            <a:solidFill>
+              <a:schemeClr val="accent2"/>
+            </a:solidFill>
+            <a:prstDash val="dash"/>
+          </a:ln>
+        </p:spPr>
+        <p:style>
+          <a:lnRef idx="2">
+            <a:schemeClr val="accent1">
+              <a:shade val="50000"/>
+            </a:schemeClr>
+          </a:lnRef>
+          <a:fillRef idx="1">
+            <a:schemeClr val="accent1"/>
+          </a:fillRef>
+          <a:effectRef idx="0">
+            <a:schemeClr val="accent1"/>
+          </a:effectRef>
+          <a:fontRef idx="minor">
+            <a:schemeClr val="lt1"/>
+          </a:fontRef>
+        </p:style>
+        <p:txBody>
+          <a:bodyPr rtlCol="0" anchor="ctr"/>
+          <a:lstStyle/>
+          <a:p>
+            <a:pPr algn="ctr"/>
+            <a:endParaRPr lang="en-GB"/>
+          </a:p>
+        </p:txBody>
+      </p:sp>
+      <p:cxnSp>
+        <p:nvCxnSpPr>
+          <p:cNvPr id="13" name="Straight Arrow Connector 12">
+            <a:extLst>
+              <a:ext uri="{FF2B5EF4-FFF2-40B4-BE49-F238E27FC236}">
+                <a16:creationId xmlns:a16="http://schemas.microsoft.com/office/drawing/2014/main" id="{E72858DB-5784-4EBB-982C-1D2C3DE9F9BD}"/>
+              </a:ext>
+            </a:extLst>
+          </p:cNvPr>
+          <p:cNvCxnSpPr>
+            <a:cxnSpLocks/>
+          </p:cNvCxnSpPr>
+          <p:nvPr/>
+        </p:nvCxnSpPr>
+        <p:spPr>
+          <a:xfrm>
+            <a:off x="6465797" y="2421053"/>
+            <a:ext cx="401053" cy="438683"/>
+          </a:xfrm>
+          <a:prstGeom prst="straightConnector1">
+            <a:avLst/>
+          </a:prstGeom>
+          <a:ln w="19050">
+            <a:solidFill>
+              <a:schemeClr val="accent2">
+                <a:lumMod val="75000"/>
+              </a:schemeClr>
+            </a:solidFill>
+            <a:prstDash val="dash"/>
+            <a:headEnd type="triangle" w="lg" len="lg"/>
+            <a:tailEnd type="triangle" w="lg" len="lg"/>
+          </a:ln>
+        </p:spPr>
+        <p:style>
+          <a:lnRef idx="1">
+            <a:schemeClr val="accent1"/>
+          </a:lnRef>
+          <a:fillRef idx="0">
+            <a:schemeClr val="accent1"/>
+          </a:fillRef>
+          <a:effectRef idx="0">
+            <a:schemeClr val="accent1"/>
+          </a:effectRef>
+          <a:fontRef idx="minor">
+            <a:schemeClr val="tx1"/>
+          </a:fontRef>
+        </p:style>
+      </p:cxnSp>
     </p:spTree>
     <p:extLst>
       <p:ext uri="{BB962C8B-B14F-4D97-AF65-F5344CB8AC3E}">
-        <p14:creationId xmlns:p14="http://schemas.microsoft.com/office/powerpoint/2010/main" val="2919478918"/>
+        <p14:creationId xmlns:p14="http://schemas.microsoft.com/office/powerpoint/2010/main" val="3849195748"/>
       </p:ext>
     </p:extLst>
   </p:cSld>
@@ -8953,9 +10592,9 @@
                                           </p:stCondLst>
                                         </p:cTn>
                                         <p:tgtEl>
-                                          <p:spTgt spid="3">
+                                          <p:spTgt spid="5">
                                             <p:txEl>
-                                              <p:pRg st="1" end="1"/>
+                                              <p:pRg st="2" end="2"/>
                                             </p:txEl>
                                           </p:spTgt>
                                         </p:tgtEl>
@@ -8984,9 +10623,629 @@
                                           </p:stCondLst>
                                         </p:cTn>
                                         <p:tgtEl>
-                                          <p:spTgt spid="3">
+                                          <p:spTgt spid="5">
                                             <p:txEl>
-                                              <p:pRg st="2" end="2"/>
+                                              <p:pRg st="3" end="3"/>
+                                            </p:txEl>
+                                          </p:spTgt>
+                                        </p:tgtEl>
+                                        <p:attrNameLst>
+                                          <p:attrName>style.visibility</p:attrName>
+                                        </p:attrNameLst>
+                                      </p:cBhvr>
+                                      <p:to>
+                                        <p:strVal val="visible"/>
+                                      </p:to>
+                                    </p:set>
+                                  </p:childTnLst>
+                                </p:cTn>
+                              </p:par>
+                            </p:childTnLst>
+                          </p:cTn>
+                        </p:par>
+                      </p:childTnLst>
+                    </p:cTn>
+                  </p:par>
+                  <p:par>
+                    <p:cTn id="9" fill="hold">
+                      <p:stCondLst>
+                        <p:cond delay="indefinite"/>
+                      </p:stCondLst>
+                      <p:childTnLst>
+                        <p:par>
+                          <p:cTn id="10" fill="hold">
+                            <p:stCondLst>
+                              <p:cond delay="0"/>
+                            </p:stCondLst>
+                            <p:childTnLst>
+                              <p:par>
+                                <p:cTn id="11" presetID="1" presetClass="entr" presetSubtype="0" fill="hold" grpId="0" nodeType="clickEffect">
+                                  <p:stCondLst>
+                                    <p:cond delay="0"/>
+                                  </p:stCondLst>
+                                  <p:childTnLst>
+                                    <p:set>
+                                      <p:cBhvr>
+                                        <p:cTn id="12" dur="1" fill="hold">
+                                          <p:stCondLst>
+                                            <p:cond delay="0"/>
+                                          </p:stCondLst>
+                                        </p:cTn>
+                                        <p:tgtEl>
+                                          <p:spTgt spid="9"/>
+                                        </p:tgtEl>
+                                        <p:attrNameLst>
+                                          <p:attrName>style.visibility</p:attrName>
+                                        </p:attrNameLst>
+                                      </p:cBhvr>
+                                      <p:to>
+                                        <p:strVal val="visible"/>
+                                      </p:to>
+                                    </p:set>
+                                  </p:childTnLst>
+                                </p:cTn>
+                              </p:par>
+                              <p:par>
+                                <p:cTn id="13" presetID="1" presetClass="entr" presetSubtype="0" fill="hold" grpId="0" nodeType="withEffect">
+                                  <p:stCondLst>
+                                    <p:cond delay="0"/>
+                                  </p:stCondLst>
+                                  <p:childTnLst>
+                                    <p:set>
+                                      <p:cBhvr>
+                                        <p:cTn id="14" dur="1" fill="hold">
+                                          <p:stCondLst>
+                                            <p:cond delay="0"/>
+                                          </p:stCondLst>
+                                        </p:cTn>
+                                        <p:tgtEl>
+                                          <p:spTgt spid="11"/>
+                                        </p:tgtEl>
+                                        <p:attrNameLst>
+                                          <p:attrName>style.visibility</p:attrName>
+                                        </p:attrNameLst>
+                                      </p:cBhvr>
+                                      <p:to>
+                                        <p:strVal val="visible"/>
+                                      </p:to>
+                                    </p:set>
+                                  </p:childTnLst>
+                                </p:cTn>
+                              </p:par>
+                            </p:childTnLst>
+                          </p:cTn>
+                        </p:par>
+                      </p:childTnLst>
+                    </p:cTn>
+                  </p:par>
+                  <p:par>
+                    <p:cTn id="15" fill="hold">
+                      <p:stCondLst>
+                        <p:cond delay="indefinite"/>
+                      </p:stCondLst>
+                      <p:childTnLst>
+                        <p:par>
+                          <p:cTn id="16" fill="hold">
+                            <p:stCondLst>
+                              <p:cond delay="0"/>
+                            </p:stCondLst>
+                            <p:childTnLst>
+                              <p:par>
+                                <p:cTn id="17" presetID="1" presetClass="entr" presetSubtype="0" fill="hold" nodeType="clickEffect">
+                                  <p:stCondLst>
+                                    <p:cond delay="0"/>
+                                  </p:stCondLst>
+                                  <p:childTnLst>
+                                    <p:set>
+                                      <p:cBhvr>
+                                        <p:cTn id="18" dur="1" fill="hold">
+                                          <p:stCondLst>
+                                            <p:cond delay="0"/>
+                                          </p:stCondLst>
+                                        </p:cTn>
+                                        <p:tgtEl>
+                                          <p:spTgt spid="13"/>
+                                        </p:tgtEl>
+                                        <p:attrNameLst>
+                                          <p:attrName>style.visibility</p:attrName>
+                                        </p:attrNameLst>
+                                      </p:cBhvr>
+                                      <p:to>
+                                        <p:strVal val="visible"/>
+                                      </p:to>
+                                    </p:set>
+                                  </p:childTnLst>
+                                </p:cTn>
+                              </p:par>
+                            </p:childTnLst>
+                          </p:cTn>
+                        </p:par>
+                      </p:childTnLst>
+                    </p:cTn>
+                  </p:par>
+                </p:childTnLst>
+              </p:cTn>
+              <p:prevCondLst>
+                <p:cond evt="onPrev" delay="0">
+                  <p:tgtEl>
+                    <p:sldTgt/>
+                  </p:tgtEl>
+                </p:cond>
+              </p:prevCondLst>
+              <p:nextCondLst>
+                <p:cond evt="onNext" delay="0">
+                  <p:tgtEl>
+                    <p:sldTgt/>
+                  </p:tgtEl>
+                </p:cond>
+              </p:nextCondLst>
+            </p:seq>
+          </p:childTnLst>
+        </p:cTn>
+      </p:par>
+    </p:tnLst>
+    <p:bldLst>
+      <p:bldP spid="9" grpId="0" animBg="1"/>
+      <p:bldP spid="11" grpId="0" animBg="1"/>
+    </p:bldLst>
+  </p:timing>
+</p:sld>
+</file>
+
+<file path=ppt/slides/slide19.xml><?xml version="1.0" encoding="utf-8"?>
+<p:sld xmlns:a="http://schemas.openxmlformats.org/drawingml/2006/main" xmlns:r="http://schemas.openxmlformats.org/officeDocument/2006/relationships" xmlns:p="http://schemas.openxmlformats.org/presentationml/2006/main">
+  <p:cSld>
+    <p:spTree>
+      <p:nvGrpSpPr>
+        <p:cNvPr id="1" name=""/>
+        <p:cNvGrpSpPr/>
+        <p:nvPr/>
+      </p:nvGrpSpPr>
+      <p:grpSpPr>
+        <a:xfrm>
+          <a:off x="0" y="0"/>
+          <a:ext cx="0" cy="0"/>
+          <a:chOff x="0" y="0"/>
+          <a:chExt cx="0" cy="0"/>
+        </a:xfrm>
+      </p:grpSpPr>
+      <p:sp>
+        <p:nvSpPr>
+          <p:cNvPr id="4" name="Slide Number Placeholder 3"/>
+          <p:cNvSpPr>
+            <a:spLocks noGrp="1"/>
+          </p:cNvSpPr>
+          <p:nvPr>
+            <p:ph type="sldNum" sz="quarter" idx="12"/>
+          </p:nvPr>
+        </p:nvSpPr>
+        <p:spPr/>
+        <p:txBody>
+          <a:bodyPr/>
+          <a:lstStyle/>
+          <a:p>
+            <a:fld id="{B6F15528-21DE-4FAA-801E-634DDDAF4B2B}" type="slidenum">
+              <a:rPr lang="en-US" smtClean="0"/>
+              <a:pPr/>
+              <a:t>19</a:t>
+            </a:fld>
+            <a:endParaRPr lang="en-US"/>
+          </a:p>
+        </p:txBody>
+      </p:sp>
+      <p:pic>
+        <p:nvPicPr>
+          <p:cNvPr id="8194" name="Picture 2" descr="Distress scores as a function of adversity and resilience (error bars indicate standard error of the mean)"/>
+          <p:cNvPicPr>
+            <a:picLocks noChangeAspect="1" noChangeArrowheads="1"/>
+          </p:cNvPicPr>
+          <p:nvPr/>
+        </p:nvPicPr>
+        <p:blipFill>
+          <a:blip r:embed="rId3">
+            <a:extLst>
+              <a:ext uri="{28A0092B-C50C-407E-A947-70E740481C1C}">
+                <a14:useLocalDpi xmlns:a14="http://schemas.microsoft.com/office/drawing/2010/main" val="0"/>
+              </a:ext>
+            </a:extLst>
+          </a:blip>
+          <a:srcRect/>
+          <a:stretch>
+            <a:fillRect/>
+          </a:stretch>
+        </p:blipFill>
+        <p:spPr bwMode="auto">
+          <a:xfrm>
+            <a:off x="2865593" y="185419"/>
+            <a:ext cx="6670675" cy="4002405"/>
+          </a:xfrm>
+          <a:prstGeom prst="rect">
+            <a:avLst/>
+          </a:prstGeom>
+          <a:noFill/>
+          <a:extLst>
+            <a:ext uri="{909E8E84-426E-40DD-AFC4-6F175D3DCCD1}">
+              <a14:hiddenFill xmlns:a14="http://schemas.microsoft.com/office/drawing/2010/main">
+                <a:solidFill>
+                  <a:srgbClr val="FFFFFF"/>
+                </a:solidFill>
+              </a14:hiddenFill>
+            </a:ext>
+          </a:extLst>
+        </p:spPr>
+      </p:pic>
+      <p:sp>
+        <p:nvSpPr>
+          <p:cNvPr id="6" name="TextBox 5"/>
+          <p:cNvSpPr txBox="1"/>
+          <p:nvPr/>
+        </p:nvSpPr>
+        <p:spPr>
+          <a:xfrm>
+            <a:off x="190752" y="1021526"/>
+            <a:ext cx="1997663" cy="369332"/>
+          </a:xfrm>
+          <a:prstGeom prst="rect">
+            <a:avLst/>
+          </a:prstGeom>
+          <a:solidFill>
+            <a:schemeClr val="bg1">
+              <a:lumMod val="85000"/>
+            </a:schemeClr>
+          </a:solidFill>
+        </p:spPr>
+        <p:txBody>
+          <a:bodyPr wrap="none" rtlCol="0">
+            <a:spAutoFit/>
+          </a:bodyPr>
+          <a:lstStyle/>
+          <a:p>
+            <a:r>
+              <a:rPr lang="en-GB" dirty="0" err="1">
+                <a:latin typeface="Lucida Console" panose="020B0609040504020204" pitchFamily="49" charset="0"/>
+              </a:rPr>
+              <a:t>ggerrorplot</a:t>
+            </a:r>
+            <a:r>
+              <a:rPr lang="en-GB" dirty="0">
+                <a:latin typeface="Lucida Console" panose="020B0609040504020204" pitchFamily="49" charset="0"/>
+              </a:rPr>
+              <a:t>()</a:t>
+            </a:r>
+            <a:endParaRPr lang="en-GB" sz="1400" dirty="0">
+              <a:latin typeface="Lucida Console" panose="020B0609040504020204" pitchFamily="49" charset="0"/>
+            </a:endParaRPr>
+          </a:p>
+        </p:txBody>
+      </p:sp>
+      <p:sp>
+        <p:nvSpPr>
+          <p:cNvPr id="5" name="Rectangle 4"/>
+          <p:cNvSpPr/>
+          <p:nvPr/>
+        </p:nvSpPr>
+        <p:spPr>
+          <a:xfrm>
+            <a:off x="1507398" y="4259263"/>
+            <a:ext cx="10075002" cy="2462213"/>
+          </a:xfrm>
+          <a:prstGeom prst="rect">
+            <a:avLst/>
+          </a:prstGeom>
+        </p:spPr>
+        <p:txBody>
+          <a:bodyPr wrap="none">
+            <a:spAutoFit/>
+          </a:bodyPr>
+          <a:lstStyle/>
+          <a:p>
+            <a:r>
+              <a:rPr lang="en-GB" sz="2200" b="1" dirty="0">
+                <a:solidFill>
+                  <a:schemeClr val="tx2"/>
+                </a:solidFill>
+              </a:rPr>
+              <a:t>Main effect Resilience: </a:t>
+            </a:r>
+          </a:p>
+          <a:p>
+            <a:pPr marL="285750" indent="-285750">
+              <a:buFont typeface="Arial" panose="020B0604020202020204" pitchFamily="34" charset="0"/>
+              <a:buChar char="•"/>
+            </a:pPr>
+            <a:r>
+              <a:rPr lang="en-GB" sz="2200" dirty="0"/>
+              <a:t>Are the distress scores on the left lower than those on the right?</a:t>
+            </a:r>
+          </a:p>
+          <a:p>
+            <a:r>
+              <a:rPr lang="en-GB" sz="2200" b="1" dirty="0">
+                <a:solidFill>
+                  <a:schemeClr val="tx2"/>
+                </a:solidFill>
+              </a:rPr>
+              <a:t>Main effect of Adversity:</a:t>
+            </a:r>
+          </a:p>
+          <a:p>
+            <a:pPr marL="285750" indent="-285750">
+              <a:buFont typeface="Arial" panose="020B0604020202020204" pitchFamily="34" charset="0"/>
+              <a:buChar char="•"/>
+            </a:pPr>
+            <a:r>
+              <a:rPr lang="en-GB" sz="2200" dirty="0"/>
+              <a:t>Are the distress scores in red, higher than those in blue?</a:t>
+            </a:r>
+          </a:p>
+          <a:p>
+            <a:r>
+              <a:rPr lang="en-GB" sz="2200" b="1" dirty="0">
+                <a:solidFill>
+                  <a:schemeClr val="tx2"/>
+                </a:solidFill>
+              </a:rPr>
+              <a:t>Interaction between Resilience and Adversity (arrows)</a:t>
+            </a:r>
+          </a:p>
+          <a:p>
+            <a:pPr marL="285750" indent="-285750">
+              <a:buFont typeface="Arial" panose="020B0604020202020204" pitchFamily="34" charset="0"/>
+              <a:buChar char="•"/>
+            </a:pPr>
+            <a:r>
+              <a:rPr lang="en-GB" sz="2200" dirty="0"/>
+              <a:t>Is the effect of adversity different at each level of resilience?</a:t>
+            </a:r>
+            <a:br>
+              <a:rPr lang="en-GB" sz="2200" dirty="0"/>
+            </a:br>
+            <a:r>
+              <a:rPr lang="en-GB" sz="2200" dirty="0"/>
+              <a:t>(Is the difference between red and blue points the same on the left as on the right?)</a:t>
+            </a:r>
+          </a:p>
+        </p:txBody>
+      </p:sp>
+      <p:cxnSp>
+        <p:nvCxnSpPr>
+          <p:cNvPr id="12" name="Straight Arrow Connector 11"/>
+          <p:cNvCxnSpPr/>
+          <p:nvPr/>
+        </p:nvCxnSpPr>
+        <p:spPr>
+          <a:xfrm>
+            <a:off x="4900170" y="2849880"/>
+            <a:ext cx="388620" cy="321628"/>
+          </a:xfrm>
+          <a:prstGeom prst="straightConnector1">
+            <a:avLst/>
+          </a:prstGeom>
+          <a:ln w="19050">
+            <a:solidFill>
+              <a:schemeClr val="accent2">
+                <a:lumMod val="75000"/>
+              </a:schemeClr>
+            </a:solidFill>
+            <a:prstDash val="dash"/>
+            <a:headEnd type="triangle" w="lg" len="lg"/>
+            <a:tailEnd type="triangle" w="lg" len="lg"/>
+          </a:ln>
+        </p:spPr>
+        <p:style>
+          <a:lnRef idx="1">
+            <a:schemeClr val="accent1"/>
+          </a:lnRef>
+          <a:fillRef idx="0">
+            <a:schemeClr val="accent1"/>
+          </a:fillRef>
+          <a:effectRef idx="0">
+            <a:schemeClr val="accent1"/>
+          </a:effectRef>
+          <a:fontRef idx="minor">
+            <a:schemeClr val="tx1"/>
+          </a:fontRef>
+        </p:style>
+      </p:cxnSp>
+      <p:cxnSp>
+        <p:nvCxnSpPr>
+          <p:cNvPr id="16" name="Straight Arrow Connector 15"/>
+          <p:cNvCxnSpPr/>
+          <p:nvPr/>
+        </p:nvCxnSpPr>
+        <p:spPr>
+          <a:xfrm>
+            <a:off x="7717609" y="1318486"/>
+            <a:ext cx="373380" cy="1249680"/>
+          </a:xfrm>
+          <a:prstGeom prst="straightConnector1">
+            <a:avLst/>
+          </a:prstGeom>
+          <a:ln w="19050">
+            <a:solidFill>
+              <a:schemeClr val="accent2">
+                <a:lumMod val="75000"/>
+              </a:schemeClr>
+            </a:solidFill>
+            <a:prstDash val="dash"/>
+            <a:headEnd type="triangle" w="lg" len="lg"/>
+            <a:tailEnd type="triangle" w="lg" len="lg"/>
+          </a:ln>
+        </p:spPr>
+        <p:style>
+          <a:lnRef idx="1">
+            <a:schemeClr val="accent1"/>
+          </a:lnRef>
+          <a:fillRef idx="0">
+            <a:schemeClr val="accent1"/>
+          </a:fillRef>
+          <a:effectRef idx="0">
+            <a:schemeClr val="accent1"/>
+          </a:effectRef>
+          <a:fontRef idx="minor">
+            <a:schemeClr val="tx1"/>
+          </a:fontRef>
+        </p:style>
+      </p:cxnSp>
+      <p:sp>
+        <p:nvSpPr>
+          <p:cNvPr id="8" name="TextBox 7"/>
+          <p:cNvSpPr txBox="1"/>
+          <p:nvPr/>
+        </p:nvSpPr>
+        <p:spPr>
+          <a:xfrm>
+            <a:off x="190752" y="559861"/>
+            <a:ext cx="2440092" cy="461665"/>
+          </a:xfrm>
+          <a:prstGeom prst="rect">
+            <a:avLst/>
+          </a:prstGeom>
+          <a:noFill/>
+        </p:spPr>
+        <p:txBody>
+          <a:bodyPr wrap="none" rtlCol="0">
+            <a:spAutoFit/>
+          </a:bodyPr>
+          <a:lstStyle/>
+          <a:p>
+            <a:r>
+              <a:rPr lang="en-GB" sz="2400" b="1" dirty="0">
+                <a:solidFill>
+                  <a:schemeClr val="tx2"/>
+                </a:solidFill>
+              </a:rPr>
+              <a:t>Plot of the means</a:t>
+            </a:r>
+          </a:p>
+        </p:txBody>
+      </p:sp>
+      <p:cxnSp>
+        <p:nvCxnSpPr>
+          <p:cNvPr id="9" name="Straight Arrow Connector 8">
+            <a:extLst>
+              <a:ext uri="{FF2B5EF4-FFF2-40B4-BE49-F238E27FC236}">
+                <a16:creationId xmlns:a16="http://schemas.microsoft.com/office/drawing/2014/main" id="{E875A179-AAC9-4011-B72F-DD1DD9B0E56B}"/>
+              </a:ext>
+            </a:extLst>
+          </p:cNvPr>
+          <p:cNvCxnSpPr>
+            <a:cxnSpLocks/>
+          </p:cNvCxnSpPr>
+          <p:nvPr/>
+        </p:nvCxnSpPr>
+        <p:spPr>
+          <a:xfrm flipV="1">
+            <a:off x="5430164" y="2036548"/>
+            <a:ext cx="2229469" cy="850311"/>
+          </a:xfrm>
+          <a:prstGeom prst="straightConnector1">
+            <a:avLst/>
+          </a:prstGeom>
+          <a:ln w="19050">
+            <a:solidFill>
+              <a:schemeClr val="accent2">
+                <a:lumMod val="75000"/>
+              </a:schemeClr>
+            </a:solidFill>
+            <a:prstDash val="dash"/>
+            <a:headEnd type="triangle" w="lg" len="lg"/>
+            <a:tailEnd type="triangle" w="lg" len="lg"/>
+          </a:ln>
+        </p:spPr>
+        <p:style>
+          <a:lnRef idx="1">
+            <a:schemeClr val="accent1"/>
+          </a:lnRef>
+          <a:fillRef idx="0">
+            <a:schemeClr val="accent1"/>
+          </a:fillRef>
+          <a:effectRef idx="0">
+            <a:schemeClr val="accent1"/>
+          </a:effectRef>
+          <a:fontRef idx="minor">
+            <a:schemeClr val="tx1"/>
+          </a:fontRef>
+        </p:style>
+      </p:cxnSp>
+    </p:spTree>
+    <p:extLst>
+      <p:ext uri="{BB962C8B-B14F-4D97-AF65-F5344CB8AC3E}">
+        <p14:creationId xmlns:p14="http://schemas.microsoft.com/office/powerpoint/2010/main" val="2628349082"/>
+      </p:ext>
+    </p:extLst>
+  </p:cSld>
+  <p:clrMapOvr>
+    <a:masterClrMapping/>
+  </p:clrMapOvr>
+  <p:timing>
+    <p:tnLst>
+      <p:par>
+        <p:cTn id="1" dur="indefinite" restart="never" nodeType="tmRoot">
+          <p:childTnLst>
+            <p:seq concurrent="1" nextAc="seek">
+              <p:cTn id="2" dur="indefinite" nodeType="mainSeq">
+                <p:childTnLst>
+                  <p:par>
+                    <p:cTn id="3" fill="hold">
+                      <p:stCondLst>
+                        <p:cond delay="indefinite"/>
+                      </p:stCondLst>
+                      <p:childTnLst>
+                        <p:par>
+                          <p:cTn id="4" fill="hold">
+                            <p:stCondLst>
+                              <p:cond delay="0"/>
+                            </p:stCondLst>
+                            <p:childTnLst>
+                              <p:par>
+                                <p:cTn id="5" presetID="1" presetClass="entr" presetSubtype="0" fill="hold" nodeType="clickEffect">
+                                  <p:stCondLst>
+                                    <p:cond delay="0"/>
+                                  </p:stCondLst>
+                                  <p:childTnLst>
+                                    <p:set>
+                                      <p:cBhvr>
+                                        <p:cTn id="6" dur="1" fill="hold">
+                                          <p:stCondLst>
+                                            <p:cond delay="0"/>
+                                          </p:stCondLst>
+                                        </p:cTn>
+                                        <p:tgtEl>
+                                          <p:spTgt spid="5">
+                                            <p:txEl>
+                                              <p:pRg st="4" end="4"/>
+                                            </p:txEl>
+                                          </p:spTgt>
+                                        </p:tgtEl>
+                                        <p:attrNameLst>
+                                          <p:attrName>style.visibility</p:attrName>
+                                        </p:attrNameLst>
+                                      </p:cBhvr>
+                                      <p:to>
+                                        <p:strVal val="visible"/>
+                                      </p:to>
+                                    </p:set>
+                                  </p:childTnLst>
+                                </p:cTn>
+                              </p:par>
+                              <p:par>
+                                <p:cTn id="7" presetID="1" presetClass="entr" presetSubtype="0" fill="hold" nodeType="withEffect">
+                                  <p:stCondLst>
+                                    <p:cond delay="0"/>
+                                  </p:stCondLst>
+                                  <p:childTnLst>
+                                    <p:set>
+                                      <p:cBhvr>
+                                        <p:cTn id="8" dur="1" fill="hold">
+                                          <p:stCondLst>
+                                            <p:cond delay="0"/>
+                                          </p:stCondLst>
+                                        </p:cTn>
+                                        <p:tgtEl>
+                                          <p:spTgt spid="5">
+                                            <p:txEl>
+                                              <p:pRg st="5" end="5"/>
                                             </p:txEl>
                                           </p:spTgt>
                                         </p:tgtEl>
@@ -9033,385 +11292,7 @@
                                           </p:stCondLst>
                                         </p:cTn>
                                         <p:tgtEl>
-                                          <p:spTgt spid="3">
-                                            <p:txEl>
-                                              <p:pRg st="3" end="3"/>
-                                            </p:txEl>
-                                          </p:spTgt>
-                                        </p:tgtEl>
-                                        <p:attrNameLst>
-                                          <p:attrName>style.visibility</p:attrName>
-                                        </p:attrNameLst>
-                                      </p:cBhvr>
-                                      <p:to>
-                                        <p:strVal val="visible"/>
-                                      </p:to>
-                                    </p:set>
-                                  </p:childTnLst>
-                                </p:cTn>
-                              </p:par>
-                            </p:childTnLst>
-                          </p:cTn>
-                        </p:par>
-                      </p:childTnLst>
-                    </p:cTn>
-                  </p:par>
-                  <p:par>
-                    <p:cTn id="13" fill="hold">
-                      <p:stCondLst>
-                        <p:cond delay="indefinite"/>
-                      </p:stCondLst>
-                      <p:childTnLst>
-                        <p:par>
-                          <p:cTn id="14" fill="hold">
-                            <p:stCondLst>
-                              <p:cond delay="0"/>
-                            </p:stCondLst>
-                            <p:childTnLst>
-                              <p:par>
-                                <p:cTn id="15" presetID="1" presetClass="entr" presetSubtype="0" fill="hold" grpId="0" nodeType="clickEffect">
-                                  <p:stCondLst>
-                                    <p:cond delay="0"/>
-                                  </p:stCondLst>
-                                  <p:childTnLst>
-                                    <p:set>
-                                      <p:cBhvr>
-                                        <p:cTn id="16" dur="1" fill="hold">
-                                          <p:stCondLst>
-                                            <p:cond delay="0"/>
-                                          </p:stCondLst>
-                                        </p:cTn>
-                                        <p:tgtEl>
-                                          <p:spTgt spid="5"/>
-                                        </p:tgtEl>
-                                        <p:attrNameLst>
-                                          <p:attrName>style.visibility</p:attrName>
-                                        </p:attrNameLst>
-                                      </p:cBhvr>
-                                      <p:to>
-                                        <p:strVal val="visible"/>
-                                      </p:to>
-                                    </p:set>
-                                  </p:childTnLst>
-                                </p:cTn>
-                              </p:par>
-                            </p:childTnLst>
-                          </p:cTn>
-                        </p:par>
-                      </p:childTnLst>
-                    </p:cTn>
-                  </p:par>
-                </p:childTnLst>
-              </p:cTn>
-              <p:prevCondLst>
-                <p:cond evt="onPrev" delay="0">
-                  <p:tgtEl>
-                    <p:sldTgt/>
-                  </p:tgtEl>
-                </p:cond>
-              </p:prevCondLst>
-              <p:nextCondLst>
-                <p:cond evt="onNext" delay="0">
-                  <p:tgtEl>
-                    <p:sldTgt/>
-                  </p:tgtEl>
-                </p:cond>
-              </p:nextCondLst>
-            </p:seq>
-          </p:childTnLst>
-        </p:cTn>
-      </p:par>
-    </p:tnLst>
-    <p:bldLst>
-      <p:bldP spid="5" grpId="0" animBg="1"/>
-    </p:bldLst>
-  </p:timing>
-</p:sld>
-</file>
-
-<file path=ppt/slides/slide19.xml><?xml version="1.0" encoding="utf-8"?>
-<p:sld xmlns:a="http://schemas.openxmlformats.org/drawingml/2006/main" xmlns:r="http://schemas.openxmlformats.org/officeDocument/2006/relationships" xmlns:p="http://schemas.openxmlformats.org/presentationml/2006/main">
-  <p:cSld>
-    <p:spTree>
-      <p:nvGrpSpPr>
-        <p:cNvPr id="1" name=""/>
-        <p:cNvGrpSpPr/>
-        <p:nvPr/>
-      </p:nvGrpSpPr>
-      <p:grpSpPr>
-        <a:xfrm>
-          <a:off x="0" y="0"/>
-          <a:ext cx="0" cy="0"/>
-          <a:chOff x="0" y="0"/>
-          <a:chExt cx="0" cy="0"/>
-        </a:xfrm>
-      </p:grpSpPr>
-      <p:sp>
-        <p:nvSpPr>
-          <p:cNvPr id="2" name="Title 1"/>
-          <p:cNvSpPr>
-            <a:spLocks noGrp="1"/>
-          </p:cNvSpPr>
-          <p:nvPr>
-            <p:ph type="title"/>
-          </p:nvPr>
-        </p:nvSpPr>
-        <p:spPr>
-          <a:xfrm>
-            <a:off x="609600" y="274638"/>
-            <a:ext cx="10972800" cy="669742"/>
-          </a:xfrm>
-        </p:spPr>
-        <p:txBody>
-          <a:bodyPr/>
-          <a:lstStyle/>
-          <a:p>
-            <a:r>
-              <a:rPr lang="en-GB" dirty="0"/>
-              <a:t>Practical considerations</a:t>
-            </a:r>
-          </a:p>
-        </p:txBody>
-      </p:sp>
-      <p:sp>
-        <p:nvSpPr>
-          <p:cNvPr id="3" name="Content Placeholder 2"/>
-          <p:cNvSpPr>
-            <a:spLocks noGrp="1"/>
-          </p:cNvSpPr>
-          <p:nvPr>
-            <p:ph idx="1"/>
-          </p:nvPr>
-        </p:nvSpPr>
-        <p:spPr>
-          <a:xfrm>
-            <a:off x="1873769" y="944381"/>
-            <a:ext cx="8380573" cy="5291528"/>
-          </a:xfrm>
-        </p:spPr>
-        <p:txBody>
-          <a:bodyPr>
-            <a:normAutofit lnSpcReduction="10000"/>
-          </a:bodyPr>
-          <a:lstStyle/>
-          <a:p>
-            <a:r>
-              <a:rPr lang="en-GB" dirty="0"/>
-              <a:t>In general, it’s recommended to have </a:t>
-            </a:r>
-            <a:r>
-              <a:rPr lang="en-GB" dirty="0">
-                <a:solidFill>
-                  <a:schemeClr val="tx2"/>
-                </a:solidFill>
-              </a:rPr>
-              <a:t>equal sample sizes </a:t>
-            </a:r>
-            <a:r>
-              <a:rPr lang="en-GB" dirty="0"/>
-              <a:t>in between-subjects ANOVA designs. </a:t>
-            </a:r>
-          </a:p>
-          <a:p>
-            <a:r>
-              <a:rPr lang="en-GB" b="1" dirty="0">
-                <a:solidFill>
-                  <a:schemeClr val="tx2"/>
-                </a:solidFill>
-              </a:rPr>
-              <a:t>Unequal sample sizes:</a:t>
-            </a:r>
-          </a:p>
-          <a:p>
-            <a:pPr lvl="1"/>
-            <a:r>
-              <a:rPr lang="en-GB" dirty="0"/>
-              <a:t>Can lead to a correlation between the predictors in factorial ANOVA</a:t>
-            </a:r>
-          </a:p>
-          <a:p>
-            <a:pPr lvl="1"/>
-            <a:r>
-              <a:rPr lang="en-GB" dirty="0"/>
-              <a:t>This can reduce the unique variance explained by the main effects and interaction, leading to similar issues as with correlated predictors in multiple regression (previous session)</a:t>
-            </a:r>
-          </a:p>
-          <a:p>
-            <a:pPr lvl="2"/>
-            <a:r>
-              <a:rPr lang="en-GB" dirty="0"/>
-              <a:t>Less likely to find evidence for main effects and interaction with unequal sample sizes. </a:t>
-            </a:r>
-          </a:p>
-          <a:p>
-            <a:pPr lvl="2"/>
-            <a:r>
-              <a:rPr lang="en-GB" dirty="0"/>
-              <a:t>Unequal sample sizes can lead to unequal variances</a:t>
-            </a:r>
-          </a:p>
-          <a:p>
-            <a:pPr lvl="1"/>
-            <a:r>
-              <a:rPr lang="en-GB" dirty="0"/>
-              <a:t>Common to see in literature despite this</a:t>
-            </a:r>
-          </a:p>
-        </p:txBody>
-      </p:sp>
-      <p:sp>
-        <p:nvSpPr>
-          <p:cNvPr id="4" name="Slide Number Placeholder 3"/>
-          <p:cNvSpPr>
-            <a:spLocks noGrp="1"/>
-          </p:cNvSpPr>
-          <p:nvPr>
-            <p:ph type="sldNum" sz="quarter" idx="12"/>
-          </p:nvPr>
-        </p:nvSpPr>
-        <p:spPr/>
-        <p:txBody>
-          <a:bodyPr/>
-          <a:lstStyle/>
-          <a:p>
-            <a:fld id="{B6F15528-21DE-4FAA-801E-634DDDAF4B2B}" type="slidenum">
-              <a:rPr lang="en-US" smtClean="0"/>
-              <a:pPr/>
-              <a:t>19</a:t>
-            </a:fld>
-            <a:endParaRPr lang="en-US"/>
-          </a:p>
-        </p:txBody>
-      </p:sp>
-    </p:spTree>
-    <p:extLst>
-      <p:ext uri="{BB962C8B-B14F-4D97-AF65-F5344CB8AC3E}">
-        <p14:creationId xmlns:p14="http://schemas.microsoft.com/office/powerpoint/2010/main" val="1320947981"/>
-      </p:ext>
-    </p:extLst>
-  </p:cSld>
-  <p:clrMapOvr>
-    <a:masterClrMapping/>
-  </p:clrMapOvr>
-  <p:timing>
-    <p:tnLst>
-      <p:par>
-        <p:cTn id="1" dur="indefinite" restart="never" nodeType="tmRoot">
-          <p:childTnLst>
-            <p:seq concurrent="1" nextAc="seek">
-              <p:cTn id="2" dur="indefinite" nodeType="mainSeq">
-                <p:childTnLst>
-                  <p:par>
-                    <p:cTn id="3" fill="hold">
-                      <p:stCondLst>
-                        <p:cond delay="indefinite"/>
-                      </p:stCondLst>
-                      <p:childTnLst>
-                        <p:par>
-                          <p:cTn id="4" fill="hold">
-                            <p:stCondLst>
-                              <p:cond delay="0"/>
-                            </p:stCondLst>
-                            <p:childTnLst>
-                              <p:par>
-                                <p:cTn id="5" presetID="1" presetClass="entr" presetSubtype="0" fill="hold" nodeType="clickEffect">
-                                  <p:stCondLst>
-                                    <p:cond delay="0"/>
-                                  </p:stCondLst>
-                                  <p:childTnLst>
-                                    <p:set>
-                                      <p:cBhvr>
-                                        <p:cTn id="6" dur="1" fill="hold">
-                                          <p:stCondLst>
-                                            <p:cond delay="0"/>
-                                          </p:stCondLst>
-                                        </p:cTn>
-                                        <p:tgtEl>
-                                          <p:spTgt spid="3">
-                                            <p:txEl>
-                                              <p:pRg st="1" end="1"/>
-                                            </p:txEl>
-                                          </p:spTgt>
-                                        </p:tgtEl>
-                                        <p:attrNameLst>
-                                          <p:attrName>style.visibility</p:attrName>
-                                        </p:attrNameLst>
-                                      </p:cBhvr>
-                                      <p:to>
-                                        <p:strVal val="visible"/>
-                                      </p:to>
-                                    </p:set>
-                                  </p:childTnLst>
-                                </p:cTn>
-                              </p:par>
-                              <p:par>
-                                <p:cTn id="7" presetID="1" presetClass="entr" presetSubtype="0" fill="hold" nodeType="withEffect">
-                                  <p:stCondLst>
-                                    <p:cond delay="0"/>
-                                  </p:stCondLst>
-                                  <p:childTnLst>
-                                    <p:set>
-                                      <p:cBhvr>
-                                        <p:cTn id="8" dur="1" fill="hold">
-                                          <p:stCondLst>
-                                            <p:cond delay="0"/>
-                                          </p:stCondLst>
-                                        </p:cTn>
-                                        <p:tgtEl>
-                                          <p:spTgt spid="3">
-                                            <p:txEl>
-                                              <p:pRg st="2" end="2"/>
-                                            </p:txEl>
-                                          </p:spTgt>
-                                        </p:tgtEl>
-                                        <p:attrNameLst>
-                                          <p:attrName>style.visibility</p:attrName>
-                                        </p:attrNameLst>
-                                      </p:cBhvr>
-                                      <p:to>
-                                        <p:strVal val="visible"/>
-                                      </p:to>
-                                    </p:set>
-                                  </p:childTnLst>
-                                </p:cTn>
-                              </p:par>
-                            </p:childTnLst>
-                          </p:cTn>
-                        </p:par>
-                      </p:childTnLst>
-                    </p:cTn>
-                  </p:par>
-                  <p:par>
-                    <p:cTn id="9" fill="hold">
-                      <p:stCondLst>
-                        <p:cond delay="indefinite"/>
-                      </p:stCondLst>
-                      <p:childTnLst>
-                        <p:par>
-                          <p:cTn id="10" fill="hold">
-                            <p:stCondLst>
-                              <p:cond delay="0"/>
-                            </p:stCondLst>
-                            <p:childTnLst>
-                              <p:par>
-                                <p:cTn id="11" presetID="1" presetClass="entr" presetSubtype="0" fill="hold" nodeType="clickEffect">
-                                  <p:stCondLst>
-                                    <p:cond delay="0"/>
-                                  </p:stCondLst>
-                                  <p:childTnLst>
-                                    <p:set>
-                                      <p:cBhvr>
-                                        <p:cTn id="12" dur="1" fill="hold">
-                                          <p:stCondLst>
-                                            <p:cond delay="0"/>
-                                          </p:stCondLst>
-                                        </p:cTn>
-                                        <p:tgtEl>
-                                          <p:spTgt spid="3">
-                                            <p:txEl>
-                                              <p:pRg st="3" end="3"/>
-                                            </p:txEl>
-                                          </p:spTgt>
+                                          <p:spTgt spid="12"/>
                                         </p:tgtEl>
                                         <p:attrNameLst>
                                           <p:attrName>style.visibility</p:attrName>
@@ -9438,42 +11319,7 @@
                                           </p:stCondLst>
                                         </p:cTn>
                                         <p:tgtEl>
-                                          <p:spTgt spid="3">
-                                            <p:txEl>
-                                              <p:pRg st="4" end="4"/>
-                                            </p:txEl>
-                                          </p:spTgt>
-                                        </p:tgtEl>
-                                        <p:attrNameLst>
-                                          <p:attrName>style.visibility</p:attrName>
-                                        </p:attrNameLst>
-                                      </p:cBhvr>
-                                      <p:to>
-                                        <p:strVal val="visible"/>
-                                      </p:to>
-                                    </p:set>
-                                  </p:childTnLst>
-                                </p:cTn>
-                              </p:par>
-                              <p:par>
-                                <p:cTn id="15" presetID="1" presetClass="entr" presetSubtype="0" fill="hold" nodeType="withEffect">
-                                  <p:stCondLst>
-                                    <p:cond delay="0"/>
-                                  </p:stCondLst>
-                                  <p:childTnLst>
-                                    <p:set>
-                                      <p:cBhvr>
-                                        <p:cTn id="16" dur="1" fill="hold">
-                                          <p:stCondLst>
-                                            <p:cond delay="0"/>
-                                          </p:stCondLst>
-                                        </p:cTn>
-                                        <p:tgtEl>
-                                          <p:spTgt spid="3">
-                                            <p:txEl>
-                                              <p:pRg st="5" end="5"/>
-                                            </p:txEl>
-                                          </p:spTgt>
+                                          <p:spTgt spid="16"/>
                                         </p:tgtEl>
                                         <p:attrNameLst>
                                           <p:attrName>style.visibility</p:attrName>
@@ -9493,36 +11339,32 @@
                     </p:cTn>
                   </p:par>
                   <p:par>
-                    <p:cTn id="17" fill="hold">
+                    <p:cTn id="15" fill="hold">
                       <p:stCondLst>
                         <p:cond delay="indefinite"/>
                       </p:stCondLst>
                       <p:childTnLst>
                         <p:par>
-                          <p:cTn id="18" fill="hold">
+                          <p:cTn id="16" fill="hold">
                             <p:stCondLst>
                               <p:cond delay="0"/>
                             </p:stCondLst>
                             <p:childTnLst>
                               <p:par>
-                                <p:cTn id="19" presetID="1" presetClass="entr" presetSubtype="0" fill="hold" nodeType="clickEffect">
+                                <p:cTn id="17" presetID="1" presetClass="entr" presetSubtype="0" fill="hold" nodeType="clickEffect">
                                   <p:stCondLst>
                                     <p:cond delay="0"/>
                                   </p:stCondLst>
                                   <p:childTnLst>
                                     <p:set>
                                       <p:cBhvr>
-                                        <p:cTn id="20" dur="1" fill="hold">
+                                        <p:cTn id="18" dur="1" fill="hold">
                                           <p:stCondLst>
                                             <p:cond delay="0"/>
                                           </p:stCondLst>
                                         </p:cTn>
                                         <p:tgtEl>
-                                          <p:spTgt spid="3">
-                                            <p:txEl>
-                                              <p:pRg st="6" end="6"/>
-                                            </p:txEl>
-                                          </p:spTgt>
+                                          <p:spTgt spid="9"/>
                                         </p:tgtEl>
                                         <p:attrNameLst>
                                           <p:attrName>style.visibility</p:attrName>
@@ -9732,7 +11574,7 @@
             <a:pPr lvl="1"/>
             <a:r>
               <a:rPr lang="en-GB" dirty="0"/>
-              <a:t>In ANOVA, usually referred to as </a:t>
+              <a:t>In ANOVA, usually referred to as the </a:t>
             </a:r>
             <a:r>
               <a:rPr lang="en-GB" i="1" dirty="0">
@@ -10117,6 +11959,94 @@
       </p:grpSpPr>
       <p:sp>
         <p:nvSpPr>
+          <p:cNvPr id="3" name="Content Placeholder 2"/>
+          <p:cNvSpPr>
+            <a:spLocks noGrp="1"/>
+          </p:cNvSpPr>
+          <p:nvPr>
+            <p:ph idx="1"/>
+          </p:nvPr>
+        </p:nvSpPr>
+        <p:spPr>
+          <a:xfrm>
+            <a:off x="2162628" y="934634"/>
+            <a:ext cx="7866743" cy="4525963"/>
+          </a:xfrm>
+        </p:spPr>
+        <p:txBody>
+          <a:bodyPr/>
+          <a:lstStyle/>
+          <a:p>
+            <a:r>
+              <a:rPr lang="en-GB" dirty="0"/>
+              <a:t>If there’s evidence for an interaction (BF &gt; 3), </a:t>
+            </a:r>
+            <a:r>
+              <a:rPr lang="en-GB" dirty="0">
+                <a:solidFill>
+                  <a:schemeClr val="tx2"/>
+                </a:solidFill>
+              </a:rPr>
+              <a:t>follow-up</a:t>
+            </a:r>
+            <a:r>
+              <a:rPr lang="en-GB" dirty="0"/>
+              <a:t> </a:t>
+            </a:r>
+            <a:r>
+              <a:rPr lang="en-GB" dirty="0">
+                <a:solidFill>
+                  <a:schemeClr val="tx2"/>
+                </a:solidFill>
+              </a:rPr>
+              <a:t>comparisons</a:t>
+            </a:r>
+            <a:r>
+              <a:rPr lang="en-GB" dirty="0"/>
+              <a:t> can be conducted to determine whether there’s evidence for an effect of a factor </a:t>
+            </a:r>
+            <a:r>
+              <a:rPr lang="en-GB" i="1" dirty="0"/>
+              <a:t>within</a:t>
+            </a:r>
+            <a:r>
+              <a:rPr lang="en-GB" dirty="0"/>
+              <a:t> each level of the other factor. </a:t>
+            </a:r>
+          </a:p>
+          <a:p>
+            <a:r>
+              <a:rPr lang="en-GB" dirty="0"/>
+              <a:t>e.g., </a:t>
+            </a:r>
+          </a:p>
+          <a:p>
+            <a:pPr lvl="1"/>
+            <a:r>
+              <a:rPr lang="en-GB" dirty="0"/>
+              <a:t>is there evidence of an effect of adversity within high resilience individuals?</a:t>
+            </a:r>
+          </a:p>
+          <a:p>
+            <a:pPr lvl="1"/>
+            <a:r>
+              <a:rPr lang="en-GB" dirty="0"/>
+              <a:t>is there evidence of an effect of adversity within low resilience individuals?</a:t>
+            </a:r>
+          </a:p>
+          <a:p>
+            <a:pPr marL="457200" lvl="1" indent="0">
+              <a:buNone/>
+            </a:pPr>
+            <a:endParaRPr lang="en-GB" dirty="0"/>
+          </a:p>
+          <a:p>
+            <a:endParaRPr lang="en-GB" dirty="0"/>
+          </a:p>
+        </p:txBody>
+      </p:sp>
+      <p:sp>
+        <p:nvSpPr>
           <p:cNvPr id="4" name="Slide Number Placeholder 3"/>
           <p:cNvSpPr>
             <a:spLocks noGrp="1"/>
@@ -10134,6 +12064,339 @@
               <a:rPr lang="en-US" smtClean="0"/>
               <a:pPr/>
               <a:t>20</a:t>
+            </a:fld>
+            <a:endParaRPr lang="en-US"/>
+          </a:p>
+        </p:txBody>
+      </p:sp>
+      <p:sp>
+        <p:nvSpPr>
+          <p:cNvPr id="5" name="TextBox 4"/>
+          <p:cNvSpPr txBox="1"/>
+          <p:nvPr/>
+        </p:nvSpPr>
+        <p:spPr>
+          <a:xfrm>
+            <a:off x="5961867" y="5655469"/>
+            <a:ext cx="4973957" cy="646331"/>
+          </a:xfrm>
+          <a:prstGeom prst="rect">
+            <a:avLst/>
+          </a:prstGeom>
+          <a:solidFill>
+            <a:schemeClr val="accent6">
+              <a:lumMod val="60000"/>
+              <a:lumOff val="40000"/>
+            </a:schemeClr>
+          </a:solidFill>
+        </p:spPr>
+        <p:txBody>
+          <a:bodyPr wrap="square" rtlCol="0">
+            <a:spAutoFit/>
+          </a:bodyPr>
+          <a:lstStyle/>
+          <a:p>
+            <a:r>
+              <a:rPr lang="en-GB" dirty="0">
+                <a:latin typeface="+mj-lt"/>
+              </a:rPr>
+              <a:t>Subset the data for the groups we want, then use </a:t>
+            </a:r>
+            <a:r>
+              <a:rPr lang="en-GB" dirty="0" err="1">
+                <a:latin typeface="Lucida Console" panose="020B0609040504020204" pitchFamily="49" charset="0"/>
+              </a:rPr>
+              <a:t>anovaBF</a:t>
+            </a:r>
+            <a:r>
+              <a:rPr lang="en-GB" dirty="0">
+                <a:latin typeface="Lucida Console" panose="020B0609040504020204" pitchFamily="49" charset="0"/>
+              </a:rPr>
+              <a:t>()</a:t>
+            </a:r>
+            <a:r>
+              <a:rPr lang="en-GB" sz="900" dirty="0">
+                <a:latin typeface="Lucida Console" panose="020B0609040504020204" pitchFamily="49" charset="0"/>
+              </a:rPr>
+              <a:t> </a:t>
+            </a:r>
+            <a:r>
+              <a:rPr lang="en-GB" dirty="0">
+                <a:latin typeface="+mj-lt"/>
+              </a:rPr>
+              <a:t>again but with the </a:t>
+            </a:r>
+            <a:r>
+              <a:rPr lang="en-GB" dirty="0" err="1">
+                <a:latin typeface="+mj-lt"/>
+              </a:rPr>
+              <a:t>subsetted</a:t>
+            </a:r>
+            <a:r>
+              <a:rPr lang="en-GB" dirty="0">
+                <a:latin typeface="+mj-lt"/>
+              </a:rPr>
+              <a:t> data</a:t>
+            </a:r>
+          </a:p>
+        </p:txBody>
+      </p:sp>
+    </p:spTree>
+    <p:extLst>
+      <p:ext uri="{BB962C8B-B14F-4D97-AF65-F5344CB8AC3E}">
+        <p14:creationId xmlns:p14="http://schemas.microsoft.com/office/powerpoint/2010/main" val="2919478918"/>
+      </p:ext>
+    </p:extLst>
+  </p:cSld>
+  <p:clrMapOvr>
+    <a:masterClrMapping/>
+  </p:clrMapOvr>
+  <p:timing>
+    <p:tnLst>
+      <p:par>
+        <p:cTn id="1" dur="indefinite" restart="never" nodeType="tmRoot">
+          <p:childTnLst>
+            <p:seq concurrent="1" nextAc="seek">
+              <p:cTn id="2" dur="indefinite" nodeType="mainSeq">
+                <p:childTnLst>
+                  <p:par>
+                    <p:cTn id="3" fill="hold">
+                      <p:stCondLst>
+                        <p:cond delay="indefinite"/>
+                      </p:stCondLst>
+                      <p:childTnLst>
+                        <p:par>
+                          <p:cTn id="4" fill="hold">
+                            <p:stCondLst>
+                              <p:cond delay="0"/>
+                            </p:stCondLst>
+                            <p:childTnLst>
+                              <p:par>
+                                <p:cTn id="5" presetID="1" presetClass="entr" presetSubtype="0" fill="hold" nodeType="clickEffect">
+                                  <p:stCondLst>
+                                    <p:cond delay="0"/>
+                                  </p:stCondLst>
+                                  <p:childTnLst>
+                                    <p:set>
+                                      <p:cBhvr>
+                                        <p:cTn id="6" dur="1" fill="hold">
+                                          <p:stCondLst>
+                                            <p:cond delay="0"/>
+                                          </p:stCondLst>
+                                        </p:cTn>
+                                        <p:tgtEl>
+                                          <p:spTgt spid="3">
+                                            <p:txEl>
+                                              <p:pRg st="1" end="1"/>
+                                            </p:txEl>
+                                          </p:spTgt>
+                                        </p:tgtEl>
+                                        <p:attrNameLst>
+                                          <p:attrName>style.visibility</p:attrName>
+                                        </p:attrNameLst>
+                                      </p:cBhvr>
+                                      <p:to>
+                                        <p:strVal val="visible"/>
+                                      </p:to>
+                                    </p:set>
+                                  </p:childTnLst>
+                                </p:cTn>
+                              </p:par>
+                              <p:par>
+                                <p:cTn id="7" presetID="1" presetClass="entr" presetSubtype="0" fill="hold" nodeType="withEffect">
+                                  <p:stCondLst>
+                                    <p:cond delay="0"/>
+                                  </p:stCondLst>
+                                  <p:childTnLst>
+                                    <p:set>
+                                      <p:cBhvr>
+                                        <p:cTn id="8" dur="1" fill="hold">
+                                          <p:stCondLst>
+                                            <p:cond delay="0"/>
+                                          </p:stCondLst>
+                                        </p:cTn>
+                                        <p:tgtEl>
+                                          <p:spTgt spid="3">
+                                            <p:txEl>
+                                              <p:pRg st="2" end="2"/>
+                                            </p:txEl>
+                                          </p:spTgt>
+                                        </p:tgtEl>
+                                        <p:attrNameLst>
+                                          <p:attrName>style.visibility</p:attrName>
+                                        </p:attrNameLst>
+                                      </p:cBhvr>
+                                      <p:to>
+                                        <p:strVal val="visible"/>
+                                      </p:to>
+                                    </p:set>
+                                  </p:childTnLst>
+                                </p:cTn>
+                              </p:par>
+                            </p:childTnLst>
+                          </p:cTn>
+                        </p:par>
+                      </p:childTnLst>
+                    </p:cTn>
+                  </p:par>
+                  <p:par>
+                    <p:cTn id="9" fill="hold">
+                      <p:stCondLst>
+                        <p:cond delay="indefinite"/>
+                      </p:stCondLst>
+                      <p:childTnLst>
+                        <p:par>
+                          <p:cTn id="10" fill="hold">
+                            <p:stCondLst>
+                              <p:cond delay="0"/>
+                            </p:stCondLst>
+                            <p:childTnLst>
+                              <p:par>
+                                <p:cTn id="11" presetID="1" presetClass="entr" presetSubtype="0" fill="hold" nodeType="clickEffect">
+                                  <p:stCondLst>
+                                    <p:cond delay="0"/>
+                                  </p:stCondLst>
+                                  <p:childTnLst>
+                                    <p:set>
+                                      <p:cBhvr>
+                                        <p:cTn id="12" dur="1" fill="hold">
+                                          <p:stCondLst>
+                                            <p:cond delay="0"/>
+                                          </p:stCondLst>
+                                        </p:cTn>
+                                        <p:tgtEl>
+                                          <p:spTgt spid="3">
+                                            <p:txEl>
+                                              <p:pRg st="3" end="3"/>
+                                            </p:txEl>
+                                          </p:spTgt>
+                                        </p:tgtEl>
+                                        <p:attrNameLst>
+                                          <p:attrName>style.visibility</p:attrName>
+                                        </p:attrNameLst>
+                                      </p:cBhvr>
+                                      <p:to>
+                                        <p:strVal val="visible"/>
+                                      </p:to>
+                                    </p:set>
+                                  </p:childTnLst>
+                                </p:cTn>
+                              </p:par>
+                            </p:childTnLst>
+                          </p:cTn>
+                        </p:par>
+                      </p:childTnLst>
+                    </p:cTn>
+                  </p:par>
+                  <p:par>
+                    <p:cTn id="13" fill="hold">
+                      <p:stCondLst>
+                        <p:cond delay="indefinite"/>
+                      </p:stCondLst>
+                      <p:childTnLst>
+                        <p:par>
+                          <p:cTn id="14" fill="hold">
+                            <p:stCondLst>
+                              <p:cond delay="0"/>
+                            </p:stCondLst>
+                            <p:childTnLst>
+                              <p:par>
+                                <p:cTn id="15" presetID="1" presetClass="entr" presetSubtype="0" fill="hold" grpId="0" nodeType="clickEffect">
+                                  <p:stCondLst>
+                                    <p:cond delay="0"/>
+                                  </p:stCondLst>
+                                  <p:childTnLst>
+                                    <p:set>
+                                      <p:cBhvr>
+                                        <p:cTn id="16" dur="1" fill="hold">
+                                          <p:stCondLst>
+                                            <p:cond delay="0"/>
+                                          </p:stCondLst>
+                                        </p:cTn>
+                                        <p:tgtEl>
+                                          <p:spTgt spid="5"/>
+                                        </p:tgtEl>
+                                        <p:attrNameLst>
+                                          <p:attrName>style.visibility</p:attrName>
+                                        </p:attrNameLst>
+                                      </p:cBhvr>
+                                      <p:to>
+                                        <p:strVal val="visible"/>
+                                      </p:to>
+                                    </p:set>
+                                  </p:childTnLst>
+                                </p:cTn>
+                              </p:par>
+                            </p:childTnLst>
+                          </p:cTn>
+                        </p:par>
+                      </p:childTnLst>
+                    </p:cTn>
+                  </p:par>
+                </p:childTnLst>
+              </p:cTn>
+              <p:prevCondLst>
+                <p:cond evt="onPrev" delay="0">
+                  <p:tgtEl>
+                    <p:sldTgt/>
+                  </p:tgtEl>
+                </p:cond>
+              </p:prevCondLst>
+              <p:nextCondLst>
+                <p:cond evt="onNext" delay="0">
+                  <p:tgtEl>
+                    <p:sldTgt/>
+                  </p:tgtEl>
+                </p:cond>
+              </p:nextCondLst>
+            </p:seq>
+          </p:childTnLst>
+        </p:cTn>
+      </p:par>
+    </p:tnLst>
+    <p:bldLst>
+      <p:bldP spid="5" grpId="0" animBg="1"/>
+    </p:bldLst>
+  </p:timing>
+</p:sld>
+</file>
+
+<file path=ppt/slides/slide21.xml><?xml version="1.0" encoding="utf-8"?>
+<p:sld xmlns:a="http://schemas.openxmlformats.org/drawingml/2006/main" xmlns:r="http://schemas.openxmlformats.org/officeDocument/2006/relationships" xmlns:p="http://schemas.openxmlformats.org/presentationml/2006/main">
+  <p:cSld>
+    <p:spTree>
+      <p:nvGrpSpPr>
+        <p:cNvPr id="1" name=""/>
+        <p:cNvGrpSpPr/>
+        <p:nvPr/>
+      </p:nvGrpSpPr>
+      <p:grpSpPr>
+        <a:xfrm>
+          <a:off x="0" y="0"/>
+          <a:ext cx="0" cy="0"/>
+          <a:chOff x="0" y="0"/>
+          <a:chExt cx="0" cy="0"/>
+        </a:xfrm>
+      </p:grpSpPr>
+      <p:sp>
+        <p:nvSpPr>
+          <p:cNvPr id="4" name="Slide Number Placeholder 3"/>
+          <p:cNvSpPr>
+            <a:spLocks noGrp="1"/>
+          </p:cNvSpPr>
+          <p:nvPr>
+            <p:ph type="sldNum" sz="quarter" idx="12"/>
+          </p:nvPr>
+        </p:nvSpPr>
+        <p:spPr/>
+        <p:txBody>
+          <a:bodyPr/>
+          <a:lstStyle/>
+          <a:p>
+            <a:fld id="{B6F15528-21DE-4FAA-801E-634DDDAF4B2B}" type="slidenum">
+              <a:rPr lang="en-US" smtClean="0"/>
+              <a:pPr/>
+              <a:t>21</a:t>
             </a:fld>
             <a:endParaRPr lang="en-US" dirty="0"/>
           </a:p>
@@ -10213,8 +12476,13 @@
           <a:p>
             <a:r>
               <a:rPr lang="en-GB" sz="3200" b="1" dirty="0"/>
-              <a:t>Support session Friday 1-2pm</a:t>
-            </a:r>
+              <a:t>Support session </a:t>
+            </a:r>
+            <a:r>
+              <a:rPr lang="en-GB" sz="3200" b="1"/>
+              <a:t>Friday 1-2pm</a:t>
+            </a:r>
+            <a:endParaRPr lang="en-GB" sz="3200" b="1" dirty="0"/>
           </a:p>
         </p:txBody>
       </p:sp>
@@ -10279,7 +12547,7 @@
         <p:spPr>
           <a:xfrm>
             <a:off x="1066800" y="2059576"/>
-            <a:ext cx="6944722" cy="646331"/>
+            <a:ext cx="6973319" cy="646331"/>
           </a:xfrm>
           <a:prstGeom prst="rect">
             <a:avLst/>
@@ -10301,7 +12569,15 @@
             </a:br>
             <a:r>
               <a:rPr lang="en-GB" dirty="0"/>
-              <a:t>Please ask me or Paul if you have any questions on the code or concepts</a:t>
+              <a:t>Please ask me </a:t>
+            </a:r>
+            <a:r>
+              <a:rPr lang="en-GB"/>
+              <a:t>or Rory </a:t>
+            </a:r>
+            <a:r>
+              <a:rPr lang="en-GB" dirty="0"/>
+              <a:t>if you have any questions on the code or concepts</a:t>
             </a:r>
           </a:p>
         </p:txBody>
@@ -10564,7 +12840,7 @@
             </a:pPr>
             <a:r>
               <a:rPr lang="en-GB" dirty="0"/>
-              <a:t>Used one-way between subjects ANOVA to look at the effects of viewing images of different </a:t>
+              <a:t>Used a one-way between subjects ANOVA to look at the effects of viewing images of different </a:t>
             </a:r>
             <a:r>
               <a:rPr lang="en-GB" dirty="0">
@@ -10650,7 +12926,7 @@
           <p:nvPr/>
         </p:nvPicPr>
         <p:blipFill>
-          <a:blip r:embed="rId2" cstate="print">
+          <a:blip r:embed="rId3" cstate="print">
             <a:extLst>
               <a:ext uri="{28A0092B-C50C-407E-A947-70E740481C1C}">
                 <a14:useLocalDpi xmlns:a14="http://schemas.microsoft.com/office/drawing/2010/main" val="0"/>
@@ -10691,7 +12967,7 @@
           <p:nvPr/>
         </p:nvPicPr>
         <p:blipFill rotWithShape="1">
-          <a:blip r:embed="rId3" cstate="print">
+          <a:blip r:embed="rId4" cstate="print">
             <a:extLst>
               <a:ext uri="{28A0092B-C50C-407E-A947-70E740481C1C}">
                 <a14:useLocalDpi xmlns:a14="http://schemas.microsoft.com/office/drawing/2010/main" val="0"/>
@@ -10730,7 +13006,7 @@
           <p:nvPr/>
         </p:nvPicPr>
         <p:blipFill>
-          <a:blip r:embed="rId4" cstate="print">
+          <a:blip r:embed="rId5" cstate="print">
             <a:extLst>
               <a:ext uri="{28A0092B-C50C-407E-A947-70E740481C1C}">
                 <a14:useLocalDpi xmlns:a14="http://schemas.microsoft.com/office/drawing/2010/main" val="0"/>
@@ -12103,7 +14379,7 @@
           <p:nvPr/>
         </p:nvPicPr>
         <p:blipFill>
-          <a:blip r:embed="rId2">
+          <a:blip r:embed="rId3">
             <a:extLst>
               <a:ext uri="{28A0092B-C50C-407E-A947-70E740481C1C}">
                 <a14:useLocalDpi xmlns:a14="http://schemas.microsoft.com/office/drawing/2010/main" val="0"/>
@@ -14607,7 +16883,7 @@
           <a:p>
             <a:r>
               <a:rPr lang="en-GB" dirty="0"/>
-              <a:t>N – 1 columns are required to code N categories</a:t>
+              <a:t>N – 1 columns are required to code N categories (e.g., 2 columns for 3 categories)</a:t>
             </a:r>
           </a:p>
           <a:p>
